--- a/2013/committeeMeetingNotes/CommitteeMinutes20130409.pptx
+++ b/2013/committeeMeetingNotes/CommitteeMinutes20130409.pptx
@@ -10,7 +10,7 @@
   <p:sldIdLst>
     <p:sldId id="256" r:id="rId2"/>
     <p:sldId id="259" r:id="rId3"/>
-    <p:sldId id="257" r:id="rId4"/>
+    <p:sldId id="260" r:id="rId4"/>
   </p:sldIdLst>
   <p:sldSz cx="9144000" cy="6858000" type="screen4x3"/>
   <p:notesSz cx="6858000" cy="9144000"/>
@@ -3991,8 +3991,17 @@
                 <a:rPr lang="en-US" sz="1000" b="1" dirty="0" smtClean="0">
                   <a:latin typeface="Perpetua" pitchFamily="18" charset="0"/>
                 </a:rPr>
-                <a:t> Lots of merit badges</a:t>
-              </a:r>
+                <a:t> Lots of merit </a:t>
+              </a:r>
+              <a:r>
+                <a:rPr lang="en-US" sz="1000" b="1" dirty="0" smtClean="0">
+                  <a:latin typeface="Perpetua" pitchFamily="18" charset="0"/>
+                </a:rPr>
+                <a:t>badges being earned / worked on</a:t>
+              </a:r>
+              <a:endParaRPr lang="en-US" sz="1000" b="1" dirty="0" smtClean="0">
+                <a:latin typeface="Perpetua" pitchFamily="18" charset="0"/>
+              </a:endParaRPr>
             </a:p>
             <a:p>
               <a:pPr>
@@ -4027,7 +4036,19 @@
                 <a:rPr lang="en-US" sz="1000" b="1" dirty="0" smtClean="0">
                   <a:latin typeface="Perpetua" pitchFamily="18" charset="0"/>
                 </a:rPr>
-                <a:t>Trail To First Class (TTFC) for scouts not yet 1</a:t>
+                <a:t>Trail To First Class (TTFC) </a:t>
+              </a:r>
+              <a:r>
+                <a:rPr lang="en-US" sz="1000" b="1" dirty="0" smtClean="0">
+                  <a:latin typeface="Perpetua" pitchFamily="18" charset="0"/>
+                </a:rPr>
+                <a:t>is for </a:t>
+              </a:r>
+              <a:r>
+                <a:rPr lang="en-US" sz="1000" b="1" dirty="0" smtClean="0">
+                  <a:latin typeface="Perpetua" pitchFamily="18" charset="0"/>
+                </a:rPr>
+                <a:t>scouts not yet 1</a:t>
               </a:r>
               <a:r>
                 <a:rPr lang="en-US" sz="1000" b="1" baseline="30000" dirty="0" smtClean="0">
@@ -4372,7 +4393,19 @@
               <a:rPr lang="en-US" sz="1000" b="1" dirty="0" smtClean="0">
                 <a:latin typeface="Perpetua" pitchFamily="18" charset="0"/>
               </a:rPr>
-              <a:t> week, 8 sessions total); Need the newer ASM to help out and leverage experience from “older” ASMs</a:t>
+              <a:t> week, 8 sessions total); </a:t>
+            </a:r>
+            <a:r>
+              <a:rPr lang="en-US" sz="1000" b="1" dirty="0" smtClean="0">
+                <a:latin typeface="Perpetua" pitchFamily="18" charset="0"/>
+              </a:rPr>
+              <a:t>need </a:t>
+            </a:r>
+            <a:r>
+              <a:rPr lang="en-US" sz="1000" b="1" dirty="0" smtClean="0">
+                <a:latin typeface="Perpetua" pitchFamily="18" charset="0"/>
+              </a:rPr>
+              <a:t>the newer ASM to help out and leverage experience from “older” ASMs</a:t>
             </a:r>
           </a:p>
           <a:p>
@@ -4480,8 +4513,53 @@
               <a:rPr lang="en-US" sz="1000" b="1" dirty="0" smtClean="0">
                 <a:latin typeface="Perpetua" pitchFamily="18" charset="0"/>
               </a:rPr>
-              <a:t> Scout shop has a seamstress (and could possibly be used to make next batch of neckerchiefs)</a:t>
-            </a:r>
+              <a:t>Yearly Trek Planning - June </a:t>
+            </a:r>
+            <a:r>
+              <a:rPr lang="en-US" sz="1000" b="1" dirty="0" smtClean="0">
+                <a:latin typeface="Perpetua" pitchFamily="18" charset="0"/>
+              </a:rPr>
+              <a:t>1</a:t>
+            </a:r>
+            <a:r>
+              <a:rPr lang="en-US" sz="1000" b="1" baseline="30000" dirty="0" smtClean="0">
+                <a:latin typeface="Perpetua" pitchFamily="18" charset="0"/>
+              </a:rPr>
+              <a:t>st</a:t>
+            </a:r>
+            <a:r>
+              <a:rPr lang="en-US" sz="1000" b="1" dirty="0" smtClean="0">
+                <a:latin typeface="Perpetua" pitchFamily="18" charset="0"/>
+              </a:rPr>
+              <a:t> (Sat @ 4:00 pm </a:t>
+            </a:r>
+            <a:r>
+              <a:rPr lang="en-US" sz="1000" b="1" dirty="0" err="1" smtClean="0">
+                <a:latin typeface="Perpetua" pitchFamily="18" charset="0"/>
+              </a:rPr>
+              <a:t>Bapat’s</a:t>
+            </a:r>
+            <a:r>
+              <a:rPr lang="en-US" sz="1000" b="1" dirty="0" smtClean="0">
+                <a:latin typeface="Perpetua" pitchFamily="18" charset="0"/>
+              </a:rPr>
+              <a:t> house ) </a:t>
+            </a:r>
+            <a:r>
+              <a:rPr lang="en-US" sz="1000" b="1" dirty="0" smtClean="0">
+                <a:latin typeface="Perpetua" pitchFamily="18" charset="0"/>
+              </a:rPr>
+              <a:t>– all families should have a representative to provid</a:t>
+            </a:r>
+            <a:r>
+              <a:rPr lang="en-US" sz="1000" b="1" dirty="0" smtClean="0">
+                <a:latin typeface="Perpetua" pitchFamily="18" charset="0"/>
+              </a:rPr>
+              <a:t>e ideas, understand the goals / options, etc.</a:t>
+            </a:r>
+            <a:endParaRPr lang="en-US" sz="1000" b="1" dirty="0" smtClean="0">
+              <a:latin typeface="Perpetua" pitchFamily="18" charset="0"/>
+            </a:endParaRPr>
           </a:p>
           <a:p>
             <a:pPr>
@@ -4498,31 +4576,19 @@
               <a:rPr lang="en-US" sz="1000" b="1" dirty="0" smtClean="0">
                 <a:latin typeface="Perpetua" pitchFamily="18" charset="0"/>
               </a:rPr>
-              <a:t>June 1</a:t>
+              <a:t>Scout-O-Rama – Becky Johnston needs help (May 11</a:t>
             </a:r>
             <a:r>
               <a:rPr lang="en-US" sz="1000" b="1" baseline="30000" dirty="0" smtClean="0">
                 <a:latin typeface="Perpetua" pitchFamily="18" charset="0"/>
               </a:rPr>
-              <a:t>st</a:t>
+              <a:t>th</a:t>
             </a:r>
             <a:r>
               <a:rPr lang="en-US" sz="1000" b="1" dirty="0" smtClean="0">
                 <a:latin typeface="Perpetua" pitchFamily="18" charset="0"/>
               </a:rPr>
-              <a:t> (Sat @ 4:00 pm </a:t>
-            </a:r>
-            <a:r>
-              <a:rPr lang="en-US" sz="1000" b="1" dirty="0" err="1" smtClean="0">
-                <a:latin typeface="Perpetua" pitchFamily="18" charset="0"/>
-              </a:rPr>
-              <a:t>Bapat’s</a:t>
-            </a:r>
-            <a:r>
-              <a:rPr lang="en-US" sz="1000" b="1" dirty="0" smtClean="0">
-                <a:latin typeface="Perpetua" pitchFamily="18" charset="0"/>
-              </a:rPr>
-              <a:t> house ) – planning meeting for year.</a:t>
+              <a:t>) and will be recruiting; please help !</a:t>
             </a:r>
           </a:p>
           <a:p>
@@ -4534,26 +4600,17 @@
               <a:rPr lang="en-US" sz="1000" b="1" dirty="0">
                 <a:latin typeface="Perpetua" pitchFamily="18" charset="0"/>
               </a:rPr>
-              <a:t> </a:t>
+              <a:t> Need ASMs for summer camp week (whole </a:t>
             </a:r>
             <a:r>
               <a:rPr lang="en-US" sz="1000" b="1" dirty="0" smtClean="0">
                 <a:latin typeface="Perpetua" pitchFamily="18" charset="0"/>
               </a:rPr>
-              <a:t>Scout-O-Rama – Becky Johnston needs help (May 11</a:t>
-            </a:r>
-            <a:r>
-              <a:rPr lang="en-US" sz="1000" b="1" baseline="30000" dirty="0" smtClean="0">
-                <a:latin typeface="Perpetua" pitchFamily="18" charset="0"/>
-              </a:rPr>
-              <a:t>th</a:t>
-            </a:r>
-            <a:r>
-              <a:rPr lang="en-US" sz="1000" b="1" dirty="0" smtClean="0">
-                <a:latin typeface="Perpetua" pitchFamily="18" charset="0"/>
-              </a:rPr>
-              <a:t>)</a:t>
-            </a:r>
+              <a:t>week)</a:t>
+            </a:r>
+            <a:endParaRPr lang="en-US" sz="1000" b="1" dirty="0" smtClean="0">
+              <a:latin typeface="Perpetua" pitchFamily="18" charset="0"/>
+            </a:endParaRPr>
           </a:p>
           <a:p>
             <a:endParaRPr lang="en-US" sz="1000" b="1" dirty="0" smtClean="0">
@@ -4695,44 +4752,30 @@
                 <a:rPr lang="en-US" sz="1000" b="1" dirty="0" smtClean="0">
                   <a:latin typeface="Perpetua" pitchFamily="18" charset="0"/>
                 </a:rPr>
-                <a:t> New Scout approval -  </a:t>
-              </a:r>
-              <a:r>
-                <a:rPr lang="en-US" sz="1000" b="1" dirty="0">
-                  <a:latin typeface="Perpetua" pitchFamily="18" charset="0"/>
-                </a:rPr>
-                <a:t>8</a:t>
+                <a:t> </a:t>
               </a:r>
               <a:r>
                 <a:rPr lang="en-US" sz="1000" b="1" dirty="0" smtClean="0">
                   <a:latin typeface="Perpetua" pitchFamily="18" charset="0"/>
                 </a:rPr>
-                <a:t> scouts (1 sibling – Alexander Johnston, 7 from Pack 457); </a:t>
-              </a:r>
-              <a:r>
-                <a:rPr lang="en-US" sz="1000" b="1" dirty="0" err="1" smtClean="0">
-                  <a:latin typeface="Perpetua" pitchFamily="18" charset="0"/>
-                </a:rPr>
-                <a:t>Webelos</a:t>
+                <a:t>Thanks to Susan for getting Troop t-shirts</a:t>
               </a:r>
               <a:r>
                 <a:rPr lang="en-US" sz="1000" b="1" dirty="0" smtClean="0">
                   <a:latin typeface="Perpetua" pitchFamily="18" charset="0"/>
                 </a:rPr>
-                <a:t> bridging on March 16</a:t>
-              </a:r>
-              <a:r>
-                <a:rPr lang="en-US" sz="1000" b="1" baseline="30000" dirty="0" smtClean="0">
-                  <a:latin typeface="Perpetua" pitchFamily="18" charset="0"/>
-                </a:rPr>
-                <a:t>th</a:t>
+                <a:t>! Love the BROWN </a:t>
               </a:r>
               <a:r>
                 <a:rPr lang="en-US" sz="1000" b="1" dirty="0" smtClean="0">
                   <a:latin typeface="Perpetua" pitchFamily="18" charset="0"/>
+                  <a:sym typeface="Wingdings"/>
                 </a:rPr>
-                <a:t> (@ Good Sam)</a:t>
-              </a:r>
+                <a:t> </a:t>
+              </a:r>
+              <a:endParaRPr lang="en-US" sz="1000" b="1" dirty="0" smtClean="0">
+                <a:latin typeface="Perpetua" pitchFamily="18" charset="0"/>
+              </a:endParaRPr>
             </a:p>
             <a:p>
               <a:pPr>
@@ -4740,7 +4783,7 @@
                 <a:buChar char="Ø"/>
               </a:pPr>
               <a:r>
-                <a:rPr lang="en-US" sz="1000" b="1" dirty="0">
+                <a:rPr lang="en-US" sz="1000" b="1" dirty="0" smtClean="0">
                   <a:latin typeface="Perpetua" pitchFamily="18" charset="0"/>
                 </a:rPr>
                 <a:t> </a:t>
@@ -4749,7 +4792,13 @@
                 <a:rPr lang="en-US" sz="1000" b="1" dirty="0" smtClean="0">
                   <a:latin typeface="Perpetua" pitchFamily="18" charset="0"/>
                 </a:rPr>
-                <a:t>Thanks to Susan for getting Troop t-shirts!</a:t>
+                <a:t>Transition Planning - New </a:t>
+              </a:r>
+              <a:r>
+                <a:rPr lang="en-US" sz="1000" b="1" dirty="0" smtClean="0">
+                  <a:latin typeface="Perpetua" pitchFamily="18" charset="0"/>
+                </a:rPr>
+                <a:t>Scoutmaster – next 12 months, New Committee Chair – next 12 months</a:t>
               </a:r>
             </a:p>
             <a:p>
@@ -4761,7 +4810,61 @@
                 <a:rPr lang="en-US" sz="1000" b="1" dirty="0" smtClean="0">
                   <a:latin typeface="Perpetua" pitchFamily="18" charset="0"/>
                 </a:rPr>
-                <a:t> New Scoutmaster – next 12 months, New Committee Chair – next 12 months</a:t>
+                <a:t> </a:t>
+              </a:r>
+              <a:r>
+                <a:rPr lang="en-US" sz="1000" b="1" dirty="0" smtClean="0">
+                  <a:latin typeface="Perpetua" pitchFamily="18" charset="0"/>
+                </a:rPr>
+                <a:t>Thx to </a:t>
+              </a:r>
+              <a:r>
+                <a:rPr lang="en-US" sz="1000" b="1" dirty="0" err="1" smtClean="0">
+                  <a:latin typeface="Perpetua" pitchFamily="18" charset="0"/>
+                </a:rPr>
+                <a:t>Laxmi</a:t>
+              </a:r>
+              <a:r>
+                <a:rPr lang="en-US" sz="1000" b="1" dirty="0" smtClean="0">
+                  <a:latin typeface="Perpetua" pitchFamily="18" charset="0"/>
+                </a:rPr>
+                <a:t> </a:t>
+              </a:r>
+              <a:r>
+                <a:rPr lang="en-US" sz="1000" b="1" dirty="0" err="1" smtClean="0">
+                  <a:latin typeface="Perpetua" pitchFamily="18" charset="0"/>
+                </a:rPr>
+                <a:t>Kambli</a:t>
+              </a:r>
+              <a:r>
+                <a:rPr lang="en-US" sz="1000" b="1" dirty="0" smtClean="0">
+                  <a:latin typeface="Perpetua" pitchFamily="18" charset="0"/>
+                </a:rPr>
+                <a:t> (</a:t>
+              </a:r>
+              <a:r>
+                <a:rPr lang="en-US" sz="1000" b="1" dirty="0" err="1" smtClean="0">
+                  <a:latin typeface="Perpetua" pitchFamily="18" charset="0"/>
+                </a:rPr>
+                <a:t>Jeevan’s</a:t>
+              </a:r>
+              <a:r>
+                <a:rPr lang="en-US" sz="1000" b="1" dirty="0" smtClean="0">
+                  <a:latin typeface="Perpetua" pitchFamily="18" charset="0"/>
+                </a:rPr>
+                <a:t> Mom) for taking on the role of Medical Form / Trek </a:t>
+              </a:r>
+              <a:r>
+                <a:rPr lang="en-US" sz="1000" b="1" dirty="0" smtClean="0">
+                  <a:latin typeface="Perpetua" pitchFamily="18" charset="0"/>
+                </a:rPr>
+                <a:t>Permission</a:t>
+              </a:r>
+              <a:r>
+                <a:rPr lang="en-US" sz="1000" b="1" dirty="0" smtClean="0">
+                  <a:latin typeface="Perpetua" pitchFamily="18" charset="0"/>
+                </a:rPr>
+                <a:t>; please start bringing medical and permission forms</a:t>
               </a:r>
             </a:p>
             <a:p>
@@ -4773,68 +4876,50 @@
                 <a:rPr lang="en-US" sz="1000" b="1" dirty="0">
                   <a:latin typeface="Perpetua" pitchFamily="18" charset="0"/>
                 </a:rPr>
-                <a:t> </a:t>
+                <a:t>Need to set expectations with new scout families</a:t>
+              </a:r>
+            </a:p>
+            <a:p>
+              <a:pPr lvl="1">
+                <a:buFont typeface="Wingdings" pitchFamily="2" charset="2"/>
+                <a:buChar char="Ø"/>
+              </a:pPr>
+              <a:r>
+                <a:rPr lang="en-US" sz="1000" b="1" dirty="0">
+                  <a:latin typeface="Perpetua" pitchFamily="18" charset="0"/>
+                </a:rPr>
+                <a:t> For the younger scouts, the parents need to be the ones who get their sons signed up</a:t>
+              </a:r>
+            </a:p>
+            <a:p>
+              <a:pPr lvl="1">
+                <a:buFont typeface="Wingdings" pitchFamily="2" charset="2"/>
+                <a:buChar char="Ø"/>
+              </a:pPr>
+              <a:r>
+                <a:rPr lang="en-US" sz="1000" b="1" dirty="0">
+                  <a:latin typeface="Perpetua" pitchFamily="18" charset="0"/>
+                </a:rPr>
+                <a:t> Parents need to attend the end of the troop meetings to help scouts get signed up for </a:t>
               </a:r>
               <a:r>
                 <a:rPr lang="en-US" sz="1000" b="1" dirty="0" smtClean="0">
                   <a:latin typeface="Perpetua" pitchFamily="18" charset="0"/>
                 </a:rPr>
-                <a:t>Need ASMs for summer camp week (whole week)</a:t>
-              </a:r>
+                <a:t>campouts and to stay informed</a:t>
+              </a:r>
+              <a:endParaRPr lang="en-US" sz="1000" b="1" dirty="0">
+                <a:latin typeface="Perpetua" pitchFamily="18" charset="0"/>
+              </a:endParaRPr>
             </a:p>
             <a:p>
               <a:pPr>
                 <a:buFont typeface="Wingdings" pitchFamily="2" charset="2"/>
                 <a:buChar char="Ø"/>
               </a:pPr>
-              <a:r>
-                <a:rPr lang="en-US" sz="1000" b="1" dirty="0">
-                  <a:latin typeface="Perpetua" pitchFamily="18" charset="0"/>
-                </a:rPr>
-                <a:t> </a:t>
-              </a:r>
-              <a:r>
-                <a:rPr lang="en-US" sz="1000" b="1" dirty="0" smtClean="0">
-                  <a:latin typeface="Perpetua" pitchFamily="18" charset="0"/>
-                </a:rPr>
-                <a:t>Thx to </a:t>
-              </a:r>
-              <a:r>
-                <a:rPr lang="en-US" sz="1000" b="1" dirty="0" err="1" smtClean="0">
-                  <a:latin typeface="Perpetua" pitchFamily="18" charset="0"/>
-                </a:rPr>
-                <a:t>Laxmi</a:t>
-              </a:r>
-              <a:r>
-                <a:rPr lang="en-US" sz="1000" b="1" dirty="0" smtClean="0">
-                  <a:latin typeface="Perpetua" pitchFamily="18" charset="0"/>
-                </a:rPr>
-                <a:t> </a:t>
-              </a:r>
-              <a:r>
-                <a:rPr lang="en-US" sz="1000" b="1" dirty="0" err="1" smtClean="0">
-                  <a:latin typeface="Perpetua" pitchFamily="18" charset="0"/>
-                </a:rPr>
-                <a:t>Kambli</a:t>
-              </a:r>
-              <a:r>
-                <a:rPr lang="en-US" sz="1000" b="1" dirty="0" smtClean="0">
-                  <a:latin typeface="Perpetua" pitchFamily="18" charset="0"/>
-                </a:rPr>
-                <a:t> (</a:t>
-              </a:r>
-              <a:r>
-                <a:rPr lang="en-US" sz="1000" b="1" dirty="0" err="1" smtClean="0">
-                  <a:latin typeface="Perpetua" pitchFamily="18" charset="0"/>
-                </a:rPr>
-                <a:t>Jeevan’s</a:t>
-              </a:r>
-              <a:r>
-                <a:rPr lang="en-US" sz="1000" b="1" dirty="0" smtClean="0">
-                  <a:latin typeface="Perpetua" pitchFamily="18" charset="0"/>
-                </a:rPr>
-                <a:t> Mom) for taking on the role of Medical Form / Trek Permission. </a:t>
-              </a:r>
+              <a:endParaRPr lang="en-US" sz="1000" b="1" dirty="0" smtClean="0">
+                <a:latin typeface="Perpetua" pitchFamily="18" charset="0"/>
+              </a:endParaRPr>
             </a:p>
           </p:txBody>
         </p:sp>
@@ -5749,13 +5834,25 @@
                 <a:rPr lang="en-US" sz="1000" b="1" dirty="0" smtClean="0">
                   <a:latin typeface="Perpetua" pitchFamily="18" charset="0"/>
                 </a:rPr>
-                <a:t> </a:t>
-              </a:r>
-              <a:r>
-                <a:rPr lang="en-US" sz="1000" b="1" dirty="0">
+                <a:t> Need </a:t>
+              </a:r>
+              <a:r>
+                <a:rPr lang="en-US" sz="1000" b="1" dirty="0" smtClean="0">
                   <a:latin typeface="Perpetua" pitchFamily="18" charset="0"/>
                 </a:rPr>
-                <a:t>Pushpak will coordinate the yearly planning meeting (set for late May before school is out</a:t>
+                <a:t>volunteer to coordinate Bristlecone  (Paul </a:t>
+              </a:r>
+              <a:r>
+                <a:rPr lang="en-US" sz="1000" b="1" dirty="0" err="1" smtClean="0">
+                  <a:latin typeface="Perpetua" pitchFamily="18" charset="0"/>
+                </a:rPr>
+                <a:t>Besser</a:t>
+              </a:r>
+              <a:r>
+                <a:rPr lang="en-US" sz="1000" b="1" dirty="0" smtClean="0">
+                  <a:latin typeface="Perpetua" pitchFamily="18" charset="0"/>
+                </a:rPr>
+                <a:t>?</a:t>
               </a:r>
               <a:r>
                 <a:rPr lang="en-US" sz="1000" b="1" dirty="0" smtClean="0">
@@ -5763,135 +5860,6 @@
                 </a:rPr>
                 <a:t>)</a:t>
               </a:r>
-            </a:p>
-            <a:p>
-              <a:pPr>
-                <a:buFont typeface="Wingdings" pitchFamily="2" charset="2"/>
-                <a:buChar char="Ø"/>
-              </a:pPr>
-              <a:r>
-                <a:rPr lang="en-US" sz="1000" b="1" dirty="0">
-                  <a:latin typeface="Perpetua" pitchFamily="18" charset="0"/>
-                </a:rPr>
-                <a:t> </a:t>
-              </a:r>
-              <a:r>
-                <a:rPr lang="en-US" sz="1000" b="1" dirty="0" smtClean="0">
-                  <a:latin typeface="Perpetua" pitchFamily="18" charset="0"/>
-                </a:rPr>
-                <a:t>Need volunteer to coordinate Bristlecone  (Paul </a:t>
-              </a:r>
-              <a:r>
-                <a:rPr lang="en-US" sz="1000" b="1" dirty="0" err="1" smtClean="0">
-                  <a:latin typeface="Perpetua" pitchFamily="18" charset="0"/>
-                </a:rPr>
-                <a:t>Besser</a:t>
-              </a:r>
-              <a:r>
-                <a:rPr lang="en-US" sz="1000" b="1" dirty="0" smtClean="0">
-                  <a:latin typeface="Perpetua" pitchFamily="18" charset="0"/>
-                </a:rPr>
-                <a:t>?)</a:t>
-              </a:r>
-            </a:p>
-            <a:p>
-              <a:pPr>
-                <a:buFont typeface="Wingdings" pitchFamily="2" charset="2"/>
-                <a:buChar char="Ø"/>
-              </a:pPr>
-              <a:r>
-                <a:rPr lang="en-US" sz="1000" b="1" dirty="0" smtClean="0">
-                  <a:latin typeface="Perpetua" pitchFamily="18" charset="0"/>
-                </a:rPr>
-                <a:t> Looking for swimming pool to accommodate about 50 for pre-Hi Sierra swimming. Scouts will be able to complete Scout Swim and Swimming Merit Badge</a:t>
-              </a:r>
-            </a:p>
-            <a:p>
-              <a:pPr>
-                <a:buFont typeface="Wingdings" pitchFamily="2" charset="2"/>
-                <a:buChar char="Ø"/>
-              </a:pPr>
-              <a:r>
-                <a:rPr lang="en-US" sz="1000" b="1" dirty="0">
-                  <a:latin typeface="Perpetua" pitchFamily="18" charset="0"/>
-                </a:rPr>
-                <a:t> Need a medical form / paperwork support coordinator !</a:t>
-              </a:r>
-              <a:r>
-                <a:rPr lang="en-US" sz="1000" b="1" dirty="0" smtClean="0">
-                  <a:latin typeface="Perpetua" pitchFamily="18" charset="0"/>
-                </a:rPr>
-                <a:t>!</a:t>
-              </a:r>
-            </a:p>
-            <a:p>
-              <a:pPr>
-                <a:buFont typeface="Wingdings" pitchFamily="2" charset="2"/>
-                <a:buChar char="Ø"/>
-              </a:pPr>
-              <a:endParaRPr lang="en-US" sz="1000" b="1" dirty="0">
-                <a:latin typeface="Perpetua" pitchFamily="18" charset="0"/>
-              </a:endParaRPr>
-            </a:p>
-            <a:p>
-              <a:pPr>
-                <a:buFont typeface="Wingdings" pitchFamily="2" charset="2"/>
-                <a:buChar char="Ø"/>
-              </a:pPr>
-              <a:r>
-                <a:rPr lang="en-US" sz="1000" b="1" dirty="0">
-                  <a:latin typeface="Perpetua" pitchFamily="18" charset="0"/>
-                </a:rPr>
-                <a:t> </a:t>
-              </a:r>
-              <a:r>
-                <a:rPr lang="en-US" sz="1000" b="1" dirty="0" smtClean="0">
-                  <a:latin typeface="Perpetua" pitchFamily="18" charset="0"/>
-                </a:rPr>
-                <a:t>Need to set expectations with new scout families</a:t>
-              </a:r>
-            </a:p>
-            <a:p>
-              <a:pPr lvl="1">
-                <a:buFont typeface="Wingdings" pitchFamily="2" charset="2"/>
-                <a:buChar char="Ø"/>
-              </a:pPr>
-              <a:r>
-                <a:rPr lang="en-US" sz="1000" b="1" dirty="0">
-                  <a:latin typeface="Perpetua" pitchFamily="18" charset="0"/>
-                </a:rPr>
-                <a:t> </a:t>
-              </a:r>
-              <a:r>
-                <a:rPr lang="en-US" sz="1000" b="1" dirty="0" smtClean="0">
-                  <a:latin typeface="Perpetua" pitchFamily="18" charset="0"/>
-                </a:rPr>
-                <a:t>For the younger scouts, the parents need to be the ones who get their sons signed up</a:t>
-              </a:r>
-            </a:p>
-            <a:p>
-              <a:pPr lvl="1">
-                <a:buFont typeface="Wingdings" pitchFamily="2" charset="2"/>
-                <a:buChar char="Ø"/>
-              </a:pPr>
-              <a:r>
-                <a:rPr lang="en-US" sz="1000" b="1" dirty="0">
-                  <a:latin typeface="Perpetua" pitchFamily="18" charset="0"/>
-                </a:rPr>
-                <a:t> </a:t>
-              </a:r>
-              <a:r>
-                <a:rPr lang="en-US" sz="1000" b="1" dirty="0" smtClean="0">
-                  <a:latin typeface="Perpetua" pitchFamily="18" charset="0"/>
-                </a:rPr>
-                <a:t>Parents need to attend the end of the troop meetings to help scouts get signed up for campouts</a:t>
-              </a:r>
-            </a:p>
-            <a:p>
-              <a:pPr lvl="1">
-                <a:buFont typeface="Wingdings" pitchFamily="2" charset="2"/>
-                <a:buChar char="Ø"/>
-              </a:pPr>
               <a:endParaRPr lang="en-US" sz="1000" b="1" dirty="0" smtClean="0">
                 <a:latin typeface="Perpetua" pitchFamily="18" charset="0"/>
               </a:endParaRPr>
@@ -5965,25 +5933,13 @@
                 <a:rPr lang="en-US" sz="1000" b="1" dirty="0" smtClean="0">
                   <a:latin typeface="Perpetua" pitchFamily="18" charset="0"/>
                 </a:rPr>
-                <a:t>Need to decide if Cole &amp; Ian are going to Scout Camp</a:t>
-              </a:r>
-            </a:p>
-            <a:p>
-              <a:pPr>
-                <a:buFont typeface="Wingdings" pitchFamily="2" charset="2"/>
-                <a:buChar char="Ø"/>
-              </a:pPr>
-              <a:r>
-                <a:rPr lang="en-US" sz="1000" b="1" dirty="0">
-                  <a:latin typeface="Perpetua" pitchFamily="18" charset="0"/>
-                </a:rPr>
-                <a:t> </a:t>
+                <a:t>Need </a:t>
               </a:r>
               <a:r>
                 <a:rPr lang="en-US" sz="1000" b="1" dirty="0" smtClean="0">
                   <a:latin typeface="Perpetua" pitchFamily="18" charset="0"/>
                 </a:rPr>
-                <a:t>Need newer ASMs to complete training (important for Commissioner’s Challenge)</a:t>
+                <a:t>newer ASMs to complete training (important for Commissioner’s Challenge)</a:t>
               </a:r>
             </a:p>
             <a:p>
@@ -6179,7 +6135,7 @@
           <p:spPr>
             <a:xfrm>
               <a:off x="581025" y="5647551"/>
-              <a:ext cx="931490" cy="242374"/>
+              <a:ext cx="905040" cy="242374"/>
             </a:xfrm>
             <a:prstGeom prst="rect">
               <a:avLst/>
@@ -6194,8 +6150,17 @@
             <a:p>
               <a:r>
                 <a:rPr lang="en-US" sz="1200" b="1" dirty="0" smtClean="0"/>
-                <a:t>May 18 - 19 </a:t>
-              </a:r>
+                <a:t>Nov 16 </a:t>
+              </a:r>
+              <a:r>
+                <a:rPr lang="en-US" sz="1200" b="1" dirty="0" smtClean="0"/>
+                <a:t>- </a:t>
+              </a:r>
+              <a:r>
+                <a:rPr lang="en-US" sz="1200" b="1" dirty="0" smtClean="0"/>
+                <a:t>17 </a:t>
+              </a:r>
+              <a:endParaRPr lang="en-US" sz="1200" b="1" dirty="0" smtClean="0"/>
             </a:p>
           </p:txBody>
         </p:sp>
@@ -6223,8 +6188,13 @@
             <a:p>
               <a:r>
                 <a:rPr lang="en-US" sz="1000" b="1" dirty="0" smtClean="0"/>
-                <a:t>Trek:  Angel Island Biking</a:t>
-              </a:r>
+                <a:t>Trek:  </a:t>
+              </a:r>
+              <a:r>
+                <a:rPr lang="en-US" sz="1000" b="1" dirty="0" smtClean="0"/>
+                <a:t>Del Valle</a:t>
+              </a:r>
+              <a:endParaRPr lang="en-US" sz="1000" b="1" dirty="0" smtClean="0"/>
             </a:p>
             <a:p>
               <a:r>
@@ -6239,8 +6209,13 @@
               </a:pPr>
               <a:r>
                 <a:rPr lang="en-US" sz="1000" dirty="0" smtClean="0"/>
-                <a:t> Couldn’t get camp site on island</a:t>
-              </a:r>
+                <a:t> </a:t>
+              </a:r>
+              <a:r>
+                <a:rPr lang="en-US" sz="1000" dirty="0" smtClean="0"/>
+                <a:t>Canoeing</a:t>
+              </a:r>
+              <a:endParaRPr lang="en-US" sz="1000" dirty="0" smtClean="0"/>
             </a:p>
             <a:p>
               <a:pPr>
@@ -6248,27 +6223,10 @@
                 <a:buChar char="Ø"/>
               </a:pPr>
               <a:r>
-                <a:rPr lang="en-US" sz="1000" dirty="0"/>
-                <a:t> </a:t>
-              </a:r>
-              <a:r>
                 <a:rPr lang="en-US" sz="1000" dirty="0" smtClean="0"/>
-                <a:t>Will definitely do bike trek around the island</a:t>
-              </a:r>
-            </a:p>
-            <a:p>
-              <a:pPr>
-                <a:buFont typeface="Wingdings" pitchFamily="2" charset="2"/>
-                <a:buChar char="Ø"/>
-              </a:pPr>
-              <a:r>
-                <a:rPr lang="en-US" sz="1000" dirty="0"/>
-                <a:t> </a:t>
-              </a:r>
-              <a:r>
-                <a:rPr lang="en-US" sz="1000" dirty="0" smtClean="0"/>
-                <a:t>Possibly find a camp site off island </a:t>
-              </a:r>
+                <a:t> Backpacking ? </a:t>
+              </a:r>
+              <a:endParaRPr lang="en-US" sz="1000" dirty="0" smtClean="0"/>
             </a:p>
           </p:txBody>
         </p:sp>
@@ -6334,7 +6292,7 @@
           <p:spPr>
             <a:xfrm>
               <a:off x="581025" y="5647551"/>
-              <a:ext cx="954408" cy="242374"/>
+              <a:ext cx="979755" cy="242374"/>
             </a:xfrm>
             <a:prstGeom prst="rect">
               <a:avLst/>
@@ -6349,8 +6307,17 @@
             <a:p>
               <a:r>
                 <a:rPr lang="en-US" sz="1200" b="1" dirty="0" smtClean="0"/>
-                <a:t>Mar. 23 - 24</a:t>
-              </a:r>
+                <a:t>Sept. 21 </a:t>
+              </a:r>
+              <a:r>
+                <a:rPr lang="en-US" sz="1200" b="1" dirty="0" smtClean="0"/>
+                <a:t>- </a:t>
+              </a:r>
+              <a:r>
+                <a:rPr lang="en-US" sz="1200" b="1" dirty="0" smtClean="0"/>
+                <a:t>22</a:t>
+              </a:r>
+              <a:endParaRPr lang="en-US" sz="1200" b="1" dirty="0" smtClean="0"/>
             </a:p>
           </p:txBody>
         </p:sp>
@@ -6378,14 +6345,24 @@
             <a:p>
               <a:r>
                 <a:rPr lang="en-US" sz="1000" b="1" dirty="0" smtClean="0"/>
-                <a:t>Trek: Castle Rock (short hike)</a:t>
-              </a:r>
+                <a:t>Trek: </a:t>
+              </a:r>
+              <a:r>
+                <a:rPr lang="en-US" sz="1000" b="1" dirty="0" smtClean="0"/>
+                <a:t>Pinnacles (car camping)</a:t>
+              </a:r>
+              <a:endParaRPr lang="en-US" sz="1000" b="1" dirty="0" smtClean="0"/>
             </a:p>
             <a:p>
               <a:r>
                 <a:rPr lang="en-US" sz="1000" b="1" dirty="0" smtClean="0"/>
-                <a:t>Trek Leader:  Scott Davidson</a:t>
-              </a:r>
+                <a:t>Trek Leader</a:t>
+              </a:r>
+              <a:r>
+                <a:rPr lang="en-US" sz="1000" b="1" dirty="0" smtClean="0"/>
+                <a:t>:</a:t>
+              </a:r>
+              <a:endParaRPr lang="en-US" sz="1000" b="1" dirty="0" smtClean="0"/>
             </a:p>
             <a:p>
               <a:pPr>
@@ -6394,8 +6371,9 @@
               </a:pPr>
               <a:r>
                 <a:rPr lang="en-US" sz="1000" dirty="0" smtClean="0"/>
-                <a:t> 2 mile hike to campsite from lot</a:t>
-              </a:r>
+                <a:t> </a:t>
+              </a:r>
+              <a:endParaRPr lang="en-US" sz="1000" dirty="0" smtClean="0"/>
             </a:p>
             <a:p>
               <a:pPr>
@@ -6406,18 +6384,7 @@
                 <a:rPr lang="en-US" sz="1000" dirty="0"/>
                 <a:t> </a:t>
               </a:r>
-              <a:r>
-                <a:rPr lang="en-US" sz="1000" dirty="0" smtClean="0"/>
-                <a:t>Will invite the new </a:t>
-              </a:r>
-              <a:r>
-                <a:rPr lang="en-US" sz="1000" dirty="0" err="1" smtClean="0"/>
-                <a:t>Webelos</a:t>
-              </a:r>
-              <a:r>
-                <a:rPr lang="en-US" sz="1000" dirty="0" smtClean="0"/>
-                <a:t> and potentially loan them gear and help them carrying gear</a:t>
-              </a:r>
+              <a:endParaRPr lang="en-US" sz="1000" dirty="0" smtClean="0"/>
             </a:p>
           </p:txBody>
         </p:sp>
@@ -6483,7 +6450,7 @@
           <p:spPr>
             <a:xfrm>
               <a:off x="581025" y="5647551"/>
-              <a:ext cx="1467068" cy="242374"/>
+              <a:ext cx="760545" cy="242374"/>
             </a:xfrm>
             <a:prstGeom prst="rect">
               <a:avLst/>
@@ -6498,8 +6465,9 @@
             <a:p>
               <a:r>
                 <a:rPr lang="en-US" sz="1200" b="1" dirty="0" smtClean="0"/>
-                <a:t>June 19 – 21 (W – F)</a:t>
-              </a:r>
+                <a:t>Dec 7 – 8 </a:t>
+              </a:r>
+              <a:endParaRPr lang="en-US" sz="1200" b="1" dirty="0" smtClean="0"/>
             </a:p>
           </p:txBody>
         </p:sp>
@@ -6527,16 +6495,13 @@
             <a:p>
               <a:r>
                 <a:rPr lang="en-US" sz="1000" b="1" dirty="0" smtClean="0"/>
-                <a:t>Trek:  Point Reyes </a:t>
-              </a:r>
-              <a:r>
-                <a:rPr lang="en-US" sz="1000" b="1" dirty="0" err="1" smtClean="0"/>
-                <a:t>Natl</a:t>
+                <a:t>Trek:  </a:t>
               </a:r>
               <a:r>
                 <a:rPr lang="en-US" sz="1000" b="1" dirty="0" smtClean="0"/>
-                <a:t> Seashore</a:t>
-              </a:r>
+                <a:t>All Night Rock Climbing</a:t>
+              </a:r>
+              <a:endParaRPr lang="en-US" sz="1000" b="1" dirty="0" smtClean="0"/>
             </a:p>
             <a:p>
               <a:r>
@@ -6551,7 +6516,7 @@
               </a:pPr>
               <a:r>
                 <a:rPr lang="en-US" sz="1000" dirty="0" smtClean="0"/>
-                <a:t> Wed to Fri trek</a:t>
+                <a:t> </a:t>
               </a:r>
             </a:p>
             <a:p>
@@ -6563,20 +6528,7 @@
                 <a:rPr lang="en-US" sz="1000" dirty="0"/>
                 <a:t> </a:t>
               </a:r>
-              <a:r>
-                <a:rPr lang="en-US" sz="1000" dirty="0" smtClean="0"/>
-                <a:t>Night (moon) backpacking</a:t>
-              </a:r>
-            </a:p>
-            <a:p>
-              <a:pPr>
-                <a:buFont typeface="Wingdings" pitchFamily="2" charset="2"/>
-                <a:buChar char="Ø"/>
-              </a:pPr>
-              <a:r>
-                <a:rPr lang="en-US" sz="1000" dirty="0" smtClean="0"/>
-                <a:t>Reserved Wildcat group site (basically on the beach!!</a:t>
-              </a:r>
+              <a:endParaRPr lang="en-US" sz="1000" dirty="0" smtClean="0"/>
             </a:p>
           </p:txBody>
         </p:sp>
@@ -6642,7 +6594,7 @@
           <p:spPr>
             <a:xfrm>
               <a:off x="2438400" y="5496401"/>
-              <a:ext cx="2146742" cy="276999"/>
+              <a:ext cx="940582" cy="276999"/>
             </a:xfrm>
             <a:prstGeom prst="rect">
               <a:avLst/>
@@ -6657,8 +6609,25 @@
             <a:p>
               <a:r>
                 <a:rPr lang="en-US" sz="1200" b="1" dirty="0" smtClean="0"/>
-                <a:t>Apr. 13 – 14 [Sherlock Holmes]</a:t>
-              </a:r>
+                <a:t>Oct</a:t>
+              </a:r>
+              <a:r>
+                <a:rPr lang="en-US" sz="1200" b="1" dirty="0" smtClean="0"/>
+                <a:t>. 19 </a:t>
+              </a:r>
+              <a:r>
+                <a:rPr lang="en-US" sz="1200" b="1" dirty="0" smtClean="0"/>
+                <a:t>– </a:t>
+              </a:r>
+              <a:r>
+                <a:rPr lang="en-US" sz="1200" b="1" dirty="0" smtClean="0"/>
+                <a:t>20</a:t>
+              </a:r>
+              <a:r>
+                <a:rPr lang="en-US" sz="1200" b="1" dirty="0" smtClean="0"/>
+                <a:t> </a:t>
+              </a:r>
+              <a:endParaRPr lang="en-US" sz="1200" b="1" dirty="0" smtClean="0"/>
             </a:p>
           </p:txBody>
         </p:sp>
@@ -6686,14 +6655,24 @@
             <a:p>
               <a:r>
                 <a:rPr lang="en-US" sz="1000" b="1" dirty="0" smtClean="0"/>
-                <a:t>Trek:  Polaris District Camporee</a:t>
-              </a:r>
+                <a:t>Trek:  </a:t>
+              </a:r>
+              <a:r>
+                <a:rPr lang="en-US" sz="1000" b="1" dirty="0" smtClean="0"/>
+                <a:t>Beach Campout</a:t>
+              </a:r>
+              <a:endParaRPr lang="en-US" sz="1000" b="1" dirty="0" smtClean="0"/>
             </a:p>
             <a:p>
               <a:r>
                 <a:rPr lang="en-US" sz="1000" b="1" dirty="0" smtClean="0"/>
-                <a:t>Trek Leader: Mike Klein</a:t>
-              </a:r>
+                <a:t>Trek Leader</a:t>
+              </a:r>
+              <a:r>
+                <a:rPr lang="en-US" sz="1000" b="1" dirty="0" smtClean="0"/>
+                <a:t>: ??</a:t>
+              </a:r>
+              <a:endParaRPr lang="en-US" sz="1000" b="1" dirty="0" smtClean="0"/>
             </a:p>
             <a:p>
               <a:pPr>
@@ -6702,13 +6681,8 @@
               </a:pPr>
               <a:r>
                 <a:rPr lang="en-US" sz="1000" dirty="0" smtClean="0"/>
-                <a:t> Held at Camp </a:t>
-              </a:r>
-              <a:r>
-                <a:rPr lang="en-US" sz="1000" dirty="0" err="1" smtClean="0"/>
-                <a:t>Cheseborough</a:t>
-              </a:r>
-              <a:endParaRPr lang="en-US" sz="1000" dirty="0" smtClean="0"/>
+                <a:t> </a:t>
+              </a:r>
             </a:p>
             <a:p>
               <a:pPr>
@@ -6717,7 +6691,7 @@
               </a:pPr>
               <a:r>
                 <a:rPr lang="en-US" sz="1000" dirty="0" smtClean="0"/>
-                <a:t> Competition between patrols from troops across the district</a:t>
+                <a:t> </a:t>
               </a:r>
             </a:p>
             <a:p>
@@ -6727,7 +6701,7 @@
               </a:pPr>
               <a:r>
                 <a:rPr lang="en-US" sz="1000" dirty="0" smtClean="0"/>
-                <a:t> Arrive early Sat, return Sun noon</a:t>
+                <a:t> </a:t>
               </a:r>
             </a:p>
             <a:p>
@@ -6770,1786 +6744,6 @@
           <a:chExt cx="0" cy="0"/>
         </a:xfrm>
       </p:grpSpPr>
-      <p:sp>
-        <p:nvSpPr>
-          <p:cNvPr id="104" name="Rectangle 103"/>
-          <p:cNvSpPr/>
-          <p:nvPr/>
-        </p:nvSpPr>
-        <p:spPr>
-          <a:xfrm>
-            <a:off x="657225" y="3819524"/>
-            <a:ext cx="7924800" cy="2581275"/>
-          </a:xfrm>
-          <a:prstGeom prst="rect">
-            <a:avLst/>
-          </a:prstGeom>
-          <a:noFill/>
-          <a:ln>
-            <a:solidFill>
-              <a:schemeClr val="accent3">
-                <a:lumMod val="60000"/>
-                <a:lumOff val="40000"/>
-              </a:schemeClr>
-            </a:solidFill>
-            <a:prstDash val="dash"/>
-          </a:ln>
-        </p:spPr>
-        <p:style>
-          <a:lnRef idx="2">
-            <a:schemeClr val="accent1">
-              <a:shade val="50000"/>
-            </a:schemeClr>
-          </a:lnRef>
-          <a:fillRef idx="1">
-            <a:schemeClr val="accent1"/>
-          </a:fillRef>
-          <a:effectRef idx="0">
-            <a:schemeClr val="accent1"/>
-          </a:effectRef>
-          <a:fontRef idx="minor">
-            <a:schemeClr val="lt1"/>
-          </a:fontRef>
-        </p:style>
-        <p:txBody>
-          <a:bodyPr rtlCol="0" anchor="ctr"/>
-          <a:lstStyle/>
-          <a:p>
-            <a:pPr algn="ctr"/>
-            <a:r>
-              <a:rPr lang="en-US" dirty="0" smtClean="0"/>
-              <a:t>0</a:t>
-            </a:r>
-            <a:endParaRPr lang="en-US" dirty="0"/>
-          </a:p>
-        </p:txBody>
-      </p:sp>
-      <p:grpSp>
-        <p:nvGrpSpPr>
-          <p:cNvPr id="11" name="Group 10"/>
-          <p:cNvGrpSpPr/>
-          <p:nvPr/>
-        </p:nvGrpSpPr>
-        <p:grpSpPr>
-          <a:xfrm>
-            <a:off x="3534325" y="57150"/>
-            <a:ext cx="2151551" cy="609600"/>
-            <a:chOff x="3791507" y="533400"/>
-            <a:chExt cx="2151551" cy="609600"/>
-          </a:xfrm>
-        </p:grpSpPr>
-        <p:sp>
-          <p:nvSpPr>
-            <p:cNvPr id="9" name="Rounded Rectangle 8"/>
-            <p:cNvSpPr/>
-            <p:nvPr/>
-          </p:nvSpPr>
-          <p:spPr>
-            <a:xfrm>
-              <a:off x="3800482" y="533400"/>
-              <a:ext cx="2133600" cy="609600"/>
-            </a:xfrm>
-            <a:prstGeom prst="roundRect">
-              <a:avLst/>
-            </a:prstGeom>
-            <a:solidFill>
-              <a:schemeClr val="accent3">
-                <a:lumMod val="40000"/>
-                <a:lumOff val="60000"/>
-              </a:schemeClr>
-            </a:solidFill>
-            <a:ln>
-              <a:solidFill>
-                <a:schemeClr val="accent3">
-                  <a:lumMod val="75000"/>
-                </a:schemeClr>
-              </a:solidFill>
-            </a:ln>
-          </p:spPr>
-          <p:style>
-            <a:lnRef idx="2">
-              <a:schemeClr val="accent1">
-                <a:shade val="50000"/>
-              </a:schemeClr>
-            </a:lnRef>
-            <a:fillRef idx="1">
-              <a:schemeClr val="accent1"/>
-            </a:fillRef>
-            <a:effectRef idx="0">
-              <a:schemeClr val="accent1"/>
-            </a:effectRef>
-            <a:fontRef idx="minor">
-              <a:schemeClr val="lt1"/>
-            </a:fontRef>
-          </p:style>
-          <p:txBody>
-            <a:bodyPr rtlCol="0" anchor="ctr"/>
-            <a:lstStyle/>
-            <a:p>
-              <a:pPr algn="ctr"/>
-              <a:endParaRPr lang="en-US"/>
-            </a:p>
-          </p:txBody>
-        </p:sp>
-        <p:sp>
-          <p:nvSpPr>
-            <p:cNvPr id="5" name="TextBox 4"/>
-            <p:cNvSpPr txBox="1"/>
-            <p:nvPr/>
-          </p:nvSpPr>
-          <p:spPr>
-            <a:xfrm>
-              <a:off x="4090403" y="609600"/>
-              <a:ext cx="1553759" cy="276999"/>
-            </a:xfrm>
-            <a:prstGeom prst="rect">
-              <a:avLst/>
-            </a:prstGeom>
-            <a:noFill/>
-          </p:spPr>
-          <p:txBody>
-            <a:bodyPr wrap="none" rtlCol="0">
-              <a:spAutoFit/>
-            </a:bodyPr>
-            <a:lstStyle/>
-            <a:p>
-              <a:pPr algn="ctr"/>
-              <a:r>
-                <a:rPr lang="en-US" sz="1200" dirty="0" smtClean="0">
-                  <a:latin typeface="Arial Black" pitchFamily="34" charset="0"/>
-                  <a:cs typeface="Kartika" pitchFamily="18" charset="0"/>
-                </a:rPr>
-                <a:t>Daniel Pickering</a:t>
-              </a:r>
-              <a:endParaRPr lang="en-US" sz="1200" dirty="0">
-                <a:latin typeface="Arial Black" pitchFamily="34" charset="0"/>
-                <a:cs typeface="Kartika" pitchFamily="18" charset="0"/>
-              </a:endParaRPr>
-            </a:p>
-          </p:txBody>
-        </p:sp>
-        <p:sp>
-          <p:nvSpPr>
-            <p:cNvPr id="6" name="TextBox 5"/>
-            <p:cNvSpPr txBox="1"/>
-            <p:nvPr/>
-          </p:nvSpPr>
-          <p:spPr>
-            <a:xfrm>
-              <a:off x="3791507" y="789801"/>
-              <a:ext cx="2151551" cy="276999"/>
-            </a:xfrm>
-            <a:prstGeom prst="rect">
-              <a:avLst/>
-            </a:prstGeom>
-            <a:noFill/>
-          </p:spPr>
-          <p:txBody>
-            <a:bodyPr wrap="none" rtlCol="0">
-              <a:spAutoFit/>
-            </a:bodyPr>
-            <a:lstStyle/>
-            <a:p>
-              <a:pPr algn="ctr"/>
-              <a:r>
-                <a:rPr lang="en-US" sz="1200" b="1" i="1" dirty="0" smtClean="0">
-                  <a:solidFill>
-                    <a:schemeClr val="accent3">
-                      <a:lumMod val="50000"/>
-                    </a:schemeClr>
-                  </a:solidFill>
-                  <a:latin typeface="Corbel" pitchFamily="34" charset="0"/>
-                </a:rPr>
-                <a:t>{ Chartered Organization Rep }</a:t>
-              </a:r>
-            </a:p>
-          </p:txBody>
-        </p:sp>
-      </p:grpSp>
-      <p:grpSp>
-        <p:nvGrpSpPr>
-          <p:cNvPr id="16" name="Group 15"/>
-          <p:cNvGrpSpPr/>
-          <p:nvPr/>
-        </p:nvGrpSpPr>
-        <p:grpSpPr>
-          <a:xfrm>
-            <a:off x="3471588" y="733425"/>
-            <a:ext cx="2277025" cy="609600"/>
-            <a:chOff x="2419647" y="1447800"/>
-            <a:chExt cx="2277025" cy="609600"/>
-          </a:xfrm>
-        </p:grpSpPr>
-        <p:sp>
-          <p:nvSpPr>
-            <p:cNvPr id="13" name="Rounded Rectangle 12"/>
-            <p:cNvSpPr/>
-            <p:nvPr/>
-          </p:nvSpPr>
-          <p:spPr>
-            <a:xfrm>
-              <a:off x="2419647" y="1447800"/>
-              <a:ext cx="2277025" cy="609600"/>
-            </a:xfrm>
-            <a:prstGeom prst="roundRect">
-              <a:avLst/>
-            </a:prstGeom>
-            <a:solidFill>
-              <a:schemeClr val="accent3">
-                <a:lumMod val="40000"/>
-                <a:lumOff val="60000"/>
-              </a:schemeClr>
-            </a:solidFill>
-            <a:ln>
-              <a:solidFill>
-                <a:schemeClr val="accent3">
-                  <a:lumMod val="75000"/>
-                </a:schemeClr>
-              </a:solidFill>
-            </a:ln>
-          </p:spPr>
-          <p:style>
-            <a:lnRef idx="2">
-              <a:schemeClr val="accent1">
-                <a:shade val="50000"/>
-              </a:schemeClr>
-            </a:lnRef>
-            <a:fillRef idx="1">
-              <a:schemeClr val="accent1"/>
-            </a:fillRef>
-            <a:effectRef idx="0">
-              <a:schemeClr val="accent1"/>
-            </a:effectRef>
-            <a:fontRef idx="minor">
-              <a:schemeClr val="lt1"/>
-            </a:fontRef>
-          </p:style>
-          <p:txBody>
-            <a:bodyPr rtlCol="0" anchor="ctr"/>
-            <a:lstStyle/>
-            <a:p>
-              <a:pPr algn="ctr"/>
-              <a:endParaRPr lang="en-US"/>
-            </a:p>
-          </p:txBody>
-        </p:sp>
-        <p:sp>
-          <p:nvSpPr>
-            <p:cNvPr id="14" name="TextBox 13"/>
-            <p:cNvSpPr txBox="1"/>
-            <p:nvPr/>
-          </p:nvSpPr>
-          <p:spPr>
-            <a:xfrm>
-              <a:off x="2829145" y="1524000"/>
-              <a:ext cx="1458028" cy="276999"/>
-            </a:xfrm>
-            <a:prstGeom prst="rect">
-              <a:avLst/>
-            </a:prstGeom>
-            <a:noFill/>
-          </p:spPr>
-          <p:txBody>
-            <a:bodyPr wrap="none" rtlCol="0">
-              <a:spAutoFit/>
-            </a:bodyPr>
-            <a:lstStyle/>
-            <a:p>
-              <a:pPr algn="ctr"/>
-              <a:r>
-                <a:rPr lang="en-US" sz="1200" dirty="0" smtClean="0">
-                  <a:latin typeface="Arial Black" pitchFamily="34" charset="0"/>
-                  <a:cs typeface="Kartika" pitchFamily="18" charset="0"/>
-                </a:rPr>
-                <a:t>Scott Davidson</a:t>
-              </a:r>
-              <a:endParaRPr lang="en-US" sz="1200" dirty="0">
-                <a:latin typeface="Arial Black" pitchFamily="34" charset="0"/>
-                <a:cs typeface="Kartika" pitchFamily="18" charset="0"/>
-              </a:endParaRPr>
-            </a:p>
-          </p:txBody>
-        </p:sp>
-        <p:sp>
-          <p:nvSpPr>
-            <p:cNvPr id="15" name="TextBox 14"/>
-            <p:cNvSpPr txBox="1"/>
-            <p:nvPr/>
-          </p:nvSpPr>
-          <p:spPr>
-            <a:xfrm>
-              <a:off x="2435897" y="1704201"/>
-              <a:ext cx="2244525" cy="276999"/>
-            </a:xfrm>
-            <a:prstGeom prst="rect">
-              <a:avLst/>
-            </a:prstGeom>
-            <a:noFill/>
-          </p:spPr>
-          <p:txBody>
-            <a:bodyPr wrap="none" rtlCol="0">
-              <a:spAutoFit/>
-            </a:bodyPr>
-            <a:lstStyle/>
-            <a:p>
-              <a:pPr algn="ctr"/>
-              <a:r>
-                <a:rPr lang="en-US" sz="1200" b="1" i="1" dirty="0" smtClean="0">
-                  <a:solidFill>
-                    <a:schemeClr val="accent3">
-                      <a:lumMod val="50000"/>
-                    </a:schemeClr>
-                  </a:solidFill>
-                  <a:latin typeface="Corbel" pitchFamily="34" charset="0"/>
-                </a:rPr>
-                <a:t>{ Troop Committee  Chairperson}</a:t>
-              </a:r>
-            </a:p>
-          </p:txBody>
-        </p:sp>
-      </p:grpSp>
-      <p:grpSp>
-        <p:nvGrpSpPr>
-          <p:cNvPr id="21" name="Group 20"/>
-          <p:cNvGrpSpPr/>
-          <p:nvPr/>
-        </p:nvGrpSpPr>
-        <p:grpSpPr>
-          <a:xfrm>
-            <a:off x="3709564" y="1409700"/>
-            <a:ext cx="1801072" cy="609600"/>
-            <a:chOff x="3048000" y="2362200"/>
-            <a:chExt cx="1801072" cy="609600"/>
-          </a:xfrm>
-        </p:grpSpPr>
-        <p:sp>
-          <p:nvSpPr>
-            <p:cNvPr id="18" name="Rounded Rectangle 17"/>
-            <p:cNvSpPr/>
-            <p:nvPr/>
-          </p:nvSpPr>
-          <p:spPr>
-            <a:xfrm>
-              <a:off x="3048000" y="2362200"/>
-              <a:ext cx="1801072" cy="609600"/>
-            </a:xfrm>
-            <a:prstGeom prst="roundRect">
-              <a:avLst/>
-            </a:prstGeom>
-            <a:solidFill>
-              <a:schemeClr val="accent3">
-                <a:lumMod val="40000"/>
-                <a:lumOff val="60000"/>
-              </a:schemeClr>
-            </a:solidFill>
-            <a:ln>
-              <a:solidFill>
-                <a:schemeClr val="accent3">
-                  <a:lumMod val="75000"/>
-                </a:schemeClr>
-              </a:solidFill>
-            </a:ln>
-          </p:spPr>
-          <p:style>
-            <a:lnRef idx="2">
-              <a:schemeClr val="accent1">
-                <a:shade val="50000"/>
-              </a:schemeClr>
-            </a:lnRef>
-            <a:fillRef idx="1">
-              <a:schemeClr val="accent1"/>
-            </a:fillRef>
-            <a:effectRef idx="0">
-              <a:schemeClr val="accent1"/>
-            </a:effectRef>
-            <a:fontRef idx="minor">
-              <a:schemeClr val="lt1"/>
-            </a:fontRef>
-          </p:style>
-          <p:txBody>
-            <a:bodyPr rtlCol="0" anchor="ctr"/>
-            <a:lstStyle/>
-            <a:p>
-              <a:pPr algn="ctr"/>
-              <a:endParaRPr lang="en-US"/>
-            </a:p>
-          </p:txBody>
-        </p:sp>
-        <p:sp>
-          <p:nvSpPr>
-            <p:cNvPr id="19" name="TextBox 18"/>
-            <p:cNvSpPr txBox="1"/>
-            <p:nvPr/>
-          </p:nvSpPr>
-          <p:spPr>
-            <a:xfrm>
-              <a:off x="3413999" y="2438400"/>
-              <a:ext cx="1069075" cy="276999"/>
-            </a:xfrm>
-            <a:prstGeom prst="rect">
-              <a:avLst/>
-            </a:prstGeom>
-            <a:noFill/>
-          </p:spPr>
-          <p:txBody>
-            <a:bodyPr wrap="none" rtlCol="0">
-              <a:spAutoFit/>
-            </a:bodyPr>
-            <a:lstStyle/>
-            <a:p>
-              <a:pPr algn="ctr"/>
-              <a:r>
-                <a:rPr lang="en-US" sz="1200" dirty="0" smtClean="0">
-                  <a:latin typeface="Arial Black" pitchFamily="34" charset="0"/>
-                  <a:cs typeface="Kartika" pitchFamily="18" charset="0"/>
-                </a:rPr>
-                <a:t>Mike Klein</a:t>
-              </a:r>
-              <a:endParaRPr lang="en-US" sz="1200" dirty="0">
-                <a:latin typeface="Arial Black" pitchFamily="34" charset="0"/>
-                <a:cs typeface="Kartika" pitchFamily="18" charset="0"/>
-              </a:endParaRPr>
-            </a:p>
-          </p:txBody>
-        </p:sp>
-        <p:sp>
-          <p:nvSpPr>
-            <p:cNvPr id="20" name="TextBox 19"/>
-            <p:cNvSpPr txBox="1"/>
-            <p:nvPr/>
-          </p:nvSpPr>
-          <p:spPr>
-            <a:xfrm>
-              <a:off x="3351064" y="2618601"/>
-              <a:ext cx="1194944" cy="276999"/>
-            </a:xfrm>
-            <a:prstGeom prst="rect">
-              <a:avLst/>
-            </a:prstGeom>
-            <a:noFill/>
-          </p:spPr>
-          <p:txBody>
-            <a:bodyPr wrap="none" rtlCol="0">
-              <a:spAutoFit/>
-            </a:bodyPr>
-            <a:lstStyle/>
-            <a:p>
-              <a:pPr algn="ctr"/>
-              <a:r>
-                <a:rPr lang="en-US" sz="1200" b="1" i="1" dirty="0" smtClean="0">
-                  <a:solidFill>
-                    <a:schemeClr val="accent3">
-                      <a:lumMod val="50000"/>
-                    </a:schemeClr>
-                  </a:solidFill>
-                  <a:latin typeface="Corbel" pitchFamily="34" charset="0"/>
-                </a:rPr>
-                <a:t>{  Scoutmaster }</a:t>
-              </a:r>
-            </a:p>
-          </p:txBody>
-        </p:sp>
-      </p:grpSp>
-      <p:grpSp>
-        <p:nvGrpSpPr>
-          <p:cNvPr id="36" name="Group 35"/>
-          <p:cNvGrpSpPr/>
-          <p:nvPr/>
-        </p:nvGrpSpPr>
-        <p:grpSpPr>
-          <a:xfrm>
-            <a:off x="5581650" y="3028950"/>
-            <a:ext cx="1295400" cy="533400"/>
-            <a:chOff x="685800" y="3048000"/>
-            <a:chExt cx="1295400" cy="533400"/>
-          </a:xfrm>
-        </p:grpSpPr>
-        <p:sp>
-          <p:nvSpPr>
-            <p:cNvPr id="37" name="Rounded Rectangle 36"/>
-            <p:cNvSpPr/>
-            <p:nvPr/>
-          </p:nvSpPr>
-          <p:spPr>
-            <a:xfrm>
-              <a:off x="685800" y="3048000"/>
-              <a:ext cx="1295400" cy="533400"/>
-            </a:xfrm>
-            <a:prstGeom prst="roundRect">
-              <a:avLst/>
-            </a:prstGeom>
-            <a:solidFill>
-              <a:schemeClr val="accent3">
-                <a:lumMod val="40000"/>
-                <a:lumOff val="60000"/>
-              </a:schemeClr>
-            </a:solidFill>
-            <a:ln>
-              <a:solidFill>
-                <a:schemeClr val="accent3">
-                  <a:lumMod val="75000"/>
-                </a:schemeClr>
-              </a:solidFill>
-            </a:ln>
-          </p:spPr>
-          <p:style>
-            <a:lnRef idx="2">
-              <a:schemeClr val="accent1">
-                <a:shade val="50000"/>
-              </a:schemeClr>
-            </a:lnRef>
-            <a:fillRef idx="1">
-              <a:schemeClr val="accent1"/>
-            </a:fillRef>
-            <a:effectRef idx="0">
-              <a:schemeClr val="accent1"/>
-            </a:effectRef>
-            <a:fontRef idx="minor">
-              <a:schemeClr val="lt1"/>
-            </a:fontRef>
-          </p:style>
-          <p:txBody>
-            <a:bodyPr rtlCol="0" anchor="ctr"/>
-            <a:lstStyle/>
-            <a:p>
-              <a:pPr algn="ctr"/>
-              <a:endParaRPr lang="en-US"/>
-            </a:p>
-          </p:txBody>
-        </p:sp>
-        <p:sp>
-          <p:nvSpPr>
-            <p:cNvPr id="38" name="TextBox 37"/>
-            <p:cNvSpPr txBox="1"/>
-            <p:nvPr/>
-          </p:nvSpPr>
-          <p:spPr>
-            <a:xfrm>
-              <a:off x="834005" y="3124200"/>
-              <a:ext cx="998991" cy="246221"/>
-            </a:xfrm>
-            <a:prstGeom prst="rect">
-              <a:avLst/>
-            </a:prstGeom>
-            <a:noFill/>
-          </p:spPr>
-          <p:txBody>
-            <a:bodyPr wrap="none" rtlCol="0">
-              <a:spAutoFit/>
-            </a:bodyPr>
-            <a:lstStyle/>
-            <a:p>
-              <a:pPr algn="ctr"/>
-              <a:r>
-                <a:rPr lang="en-US" sz="1000" dirty="0" smtClean="0">
-                  <a:latin typeface="Arial Black" pitchFamily="34" charset="0"/>
-                  <a:cs typeface="Kartika" pitchFamily="18" charset="0"/>
-                </a:rPr>
-                <a:t>Eric Wilford</a:t>
-              </a:r>
-              <a:endParaRPr lang="en-US" sz="1000" dirty="0">
-                <a:latin typeface="Arial Black" pitchFamily="34" charset="0"/>
-                <a:cs typeface="Kartika" pitchFamily="18" charset="0"/>
-              </a:endParaRPr>
-            </a:p>
-          </p:txBody>
-        </p:sp>
-        <p:sp>
-          <p:nvSpPr>
-            <p:cNvPr id="39" name="TextBox 38"/>
-            <p:cNvSpPr txBox="1"/>
-            <p:nvPr/>
-          </p:nvSpPr>
-          <p:spPr>
-            <a:xfrm>
-              <a:off x="1035182" y="3304401"/>
-              <a:ext cx="596637" cy="246221"/>
-            </a:xfrm>
-            <a:prstGeom prst="rect">
-              <a:avLst/>
-            </a:prstGeom>
-            <a:noFill/>
-          </p:spPr>
-          <p:txBody>
-            <a:bodyPr wrap="none" rtlCol="0">
-              <a:spAutoFit/>
-            </a:bodyPr>
-            <a:lstStyle/>
-            <a:p>
-              <a:pPr algn="ctr"/>
-              <a:r>
-                <a:rPr lang="en-US" sz="1000" b="1" i="1" dirty="0" smtClean="0">
-                  <a:solidFill>
-                    <a:schemeClr val="accent3">
-                      <a:lumMod val="50000"/>
-                    </a:schemeClr>
-                  </a:solidFill>
-                  <a:latin typeface="Corbel" pitchFamily="34" charset="0"/>
-                </a:rPr>
-                <a:t>{  ASM }</a:t>
-              </a:r>
-            </a:p>
-          </p:txBody>
-        </p:sp>
-      </p:grpSp>
-      <p:grpSp>
-        <p:nvGrpSpPr>
-          <p:cNvPr id="40" name="Group 39"/>
-          <p:cNvGrpSpPr/>
-          <p:nvPr/>
-        </p:nvGrpSpPr>
-        <p:grpSpPr>
-          <a:xfrm>
-            <a:off x="609600" y="2438400"/>
-            <a:ext cx="1295400" cy="533400"/>
-            <a:chOff x="685800" y="3048000"/>
-            <a:chExt cx="1295400" cy="533400"/>
-          </a:xfrm>
-        </p:grpSpPr>
-        <p:sp>
-          <p:nvSpPr>
-            <p:cNvPr id="41" name="Rounded Rectangle 40"/>
-            <p:cNvSpPr/>
-            <p:nvPr/>
-          </p:nvSpPr>
-          <p:spPr>
-            <a:xfrm>
-              <a:off x="685800" y="3048000"/>
-              <a:ext cx="1295400" cy="533400"/>
-            </a:xfrm>
-            <a:prstGeom prst="roundRect">
-              <a:avLst/>
-            </a:prstGeom>
-            <a:solidFill>
-              <a:schemeClr val="accent3">
-                <a:lumMod val="40000"/>
-                <a:lumOff val="60000"/>
-              </a:schemeClr>
-            </a:solidFill>
-            <a:ln>
-              <a:solidFill>
-                <a:schemeClr val="accent3">
-                  <a:lumMod val="75000"/>
-                </a:schemeClr>
-              </a:solidFill>
-            </a:ln>
-          </p:spPr>
-          <p:style>
-            <a:lnRef idx="2">
-              <a:schemeClr val="accent1">
-                <a:shade val="50000"/>
-              </a:schemeClr>
-            </a:lnRef>
-            <a:fillRef idx="1">
-              <a:schemeClr val="accent1"/>
-            </a:fillRef>
-            <a:effectRef idx="0">
-              <a:schemeClr val="accent1"/>
-            </a:effectRef>
-            <a:fontRef idx="minor">
-              <a:schemeClr val="lt1"/>
-            </a:fontRef>
-          </p:style>
-          <p:txBody>
-            <a:bodyPr rtlCol="0" anchor="ctr"/>
-            <a:lstStyle/>
-            <a:p>
-              <a:pPr algn="ctr"/>
-              <a:endParaRPr lang="en-US"/>
-            </a:p>
-          </p:txBody>
-        </p:sp>
-        <p:sp>
-          <p:nvSpPr>
-            <p:cNvPr id="42" name="TextBox 41"/>
-            <p:cNvSpPr txBox="1"/>
-            <p:nvPr/>
-          </p:nvSpPr>
-          <p:spPr>
-            <a:xfrm>
-              <a:off x="715384" y="3124200"/>
-              <a:ext cx="1236236" cy="246221"/>
-            </a:xfrm>
-            <a:prstGeom prst="rect">
-              <a:avLst/>
-            </a:prstGeom>
-            <a:noFill/>
-          </p:spPr>
-          <p:txBody>
-            <a:bodyPr wrap="none" rtlCol="0">
-              <a:spAutoFit/>
-            </a:bodyPr>
-            <a:lstStyle/>
-            <a:p>
-              <a:pPr algn="ctr"/>
-              <a:r>
-                <a:rPr lang="en-US" sz="1000" dirty="0" smtClean="0">
-                  <a:latin typeface="Arial Black" pitchFamily="34" charset="0"/>
-                  <a:cs typeface="Kartika" pitchFamily="18" charset="0"/>
-                </a:rPr>
-                <a:t>Pushpak Bapat</a:t>
-              </a:r>
-              <a:endParaRPr lang="en-US" sz="1000" dirty="0">
-                <a:latin typeface="Arial Black" pitchFamily="34" charset="0"/>
-                <a:cs typeface="Kartika" pitchFamily="18" charset="0"/>
-              </a:endParaRPr>
-            </a:p>
-          </p:txBody>
-        </p:sp>
-        <p:sp>
-          <p:nvSpPr>
-            <p:cNvPr id="43" name="TextBox 42"/>
-            <p:cNvSpPr txBox="1"/>
-            <p:nvPr/>
-          </p:nvSpPr>
-          <p:spPr>
-            <a:xfrm>
-              <a:off x="1035182" y="3304401"/>
-              <a:ext cx="596637" cy="246221"/>
-            </a:xfrm>
-            <a:prstGeom prst="rect">
-              <a:avLst/>
-            </a:prstGeom>
-            <a:noFill/>
-          </p:spPr>
-          <p:txBody>
-            <a:bodyPr wrap="none" rtlCol="0">
-              <a:spAutoFit/>
-            </a:bodyPr>
-            <a:lstStyle/>
-            <a:p>
-              <a:pPr algn="ctr"/>
-              <a:r>
-                <a:rPr lang="en-US" sz="1000" b="1" i="1" dirty="0" smtClean="0">
-                  <a:solidFill>
-                    <a:schemeClr val="accent3">
-                      <a:lumMod val="50000"/>
-                    </a:schemeClr>
-                  </a:solidFill>
-                  <a:latin typeface="Corbel" pitchFamily="34" charset="0"/>
-                </a:rPr>
-                <a:t>{  ASM }</a:t>
-              </a:r>
-            </a:p>
-          </p:txBody>
-        </p:sp>
-      </p:grpSp>
-      <p:grpSp>
-        <p:nvGrpSpPr>
-          <p:cNvPr id="44" name="Group 43"/>
-          <p:cNvGrpSpPr/>
-          <p:nvPr/>
-        </p:nvGrpSpPr>
-        <p:grpSpPr>
-          <a:xfrm>
-            <a:off x="3924300" y="3028950"/>
-            <a:ext cx="1295400" cy="533400"/>
-            <a:chOff x="685800" y="3048000"/>
-            <a:chExt cx="1295400" cy="533400"/>
-          </a:xfrm>
-        </p:grpSpPr>
-        <p:sp>
-          <p:nvSpPr>
-            <p:cNvPr id="45" name="Rounded Rectangle 44"/>
-            <p:cNvSpPr/>
-            <p:nvPr/>
-          </p:nvSpPr>
-          <p:spPr>
-            <a:xfrm>
-              <a:off x="685800" y="3048000"/>
-              <a:ext cx="1295400" cy="533400"/>
-            </a:xfrm>
-            <a:prstGeom prst="roundRect">
-              <a:avLst/>
-            </a:prstGeom>
-            <a:solidFill>
-              <a:schemeClr val="accent3">
-                <a:lumMod val="40000"/>
-                <a:lumOff val="60000"/>
-              </a:schemeClr>
-            </a:solidFill>
-            <a:ln>
-              <a:solidFill>
-                <a:schemeClr val="accent3">
-                  <a:lumMod val="75000"/>
-                </a:schemeClr>
-              </a:solidFill>
-            </a:ln>
-          </p:spPr>
-          <p:style>
-            <a:lnRef idx="2">
-              <a:schemeClr val="accent1">
-                <a:shade val="50000"/>
-              </a:schemeClr>
-            </a:lnRef>
-            <a:fillRef idx="1">
-              <a:schemeClr val="accent1"/>
-            </a:fillRef>
-            <a:effectRef idx="0">
-              <a:schemeClr val="accent1"/>
-            </a:effectRef>
-            <a:fontRef idx="minor">
-              <a:schemeClr val="lt1"/>
-            </a:fontRef>
-          </p:style>
-          <p:txBody>
-            <a:bodyPr rtlCol="0" anchor="ctr"/>
-            <a:lstStyle/>
-            <a:p>
-              <a:pPr algn="ctr"/>
-              <a:endParaRPr lang="en-US"/>
-            </a:p>
-          </p:txBody>
-        </p:sp>
-        <p:sp>
-          <p:nvSpPr>
-            <p:cNvPr id="46" name="TextBox 45"/>
-            <p:cNvSpPr txBox="1"/>
-            <p:nvPr/>
-          </p:nvSpPr>
-          <p:spPr>
-            <a:xfrm>
-              <a:off x="934995" y="3124200"/>
-              <a:ext cx="797013" cy="246221"/>
-            </a:xfrm>
-            <a:prstGeom prst="rect">
-              <a:avLst/>
-            </a:prstGeom>
-            <a:noFill/>
-          </p:spPr>
-          <p:txBody>
-            <a:bodyPr wrap="none" rtlCol="0">
-              <a:spAutoFit/>
-            </a:bodyPr>
-            <a:lstStyle/>
-            <a:p>
-              <a:pPr algn="ctr"/>
-              <a:r>
-                <a:rPr lang="en-US" sz="1000" dirty="0" smtClean="0">
-                  <a:latin typeface="Arial Black" pitchFamily="34" charset="0"/>
-                  <a:cs typeface="Kartika" pitchFamily="18" charset="0"/>
-                </a:rPr>
-                <a:t>Sam Sun</a:t>
-              </a:r>
-              <a:endParaRPr lang="en-US" sz="1000" dirty="0">
-                <a:latin typeface="Arial Black" pitchFamily="34" charset="0"/>
-                <a:cs typeface="Kartika" pitchFamily="18" charset="0"/>
-              </a:endParaRPr>
-            </a:p>
-          </p:txBody>
-        </p:sp>
-        <p:sp>
-          <p:nvSpPr>
-            <p:cNvPr id="47" name="TextBox 46"/>
-            <p:cNvSpPr txBox="1"/>
-            <p:nvPr/>
-          </p:nvSpPr>
-          <p:spPr>
-            <a:xfrm>
-              <a:off x="1035182" y="3304401"/>
-              <a:ext cx="596637" cy="246221"/>
-            </a:xfrm>
-            <a:prstGeom prst="rect">
-              <a:avLst/>
-            </a:prstGeom>
-            <a:noFill/>
-          </p:spPr>
-          <p:txBody>
-            <a:bodyPr wrap="none" rtlCol="0">
-              <a:spAutoFit/>
-            </a:bodyPr>
-            <a:lstStyle/>
-            <a:p>
-              <a:pPr algn="ctr"/>
-              <a:r>
-                <a:rPr lang="en-US" sz="1000" b="1" i="1" dirty="0" smtClean="0">
-                  <a:solidFill>
-                    <a:schemeClr val="accent3">
-                      <a:lumMod val="50000"/>
-                    </a:schemeClr>
-                  </a:solidFill>
-                  <a:latin typeface="Corbel" pitchFamily="34" charset="0"/>
-                </a:rPr>
-                <a:t>{  ASM }</a:t>
-              </a:r>
-            </a:p>
-          </p:txBody>
-        </p:sp>
-      </p:grpSp>
-      <p:grpSp>
-        <p:nvGrpSpPr>
-          <p:cNvPr id="48" name="Group 47"/>
-          <p:cNvGrpSpPr/>
-          <p:nvPr/>
-        </p:nvGrpSpPr>
-        <p:grpSpPr>
-          <a:xfrm>
-            <a:off x="2257425" y="2447925"/>
-            <a:ext cx="1295400" cy="533400"/>
-            <a:chOff x="685800" y="3048000"/>
-            <a:chExt cx="1295400" cy="533400"/>
-          </a:xfrm>
-        </p:grpSpPr>
-        <p:sp>
-          <p:nvSpPr>
-            <p:cNvPr id="49" name="Rounded Rectangle 48"/>
-            <p:cNvSpPr/>
-            <p:nvPr/>
-          </p:nvSpPr>
-          <p:spPr>
-            <a:xfrm>
-              <a:off x="685800" y="3048000"/>
-              <a:ext cx="1295400" cy="533400"/>
-            </a:xfrm>
-            <a:prstGeom prst="roundRect">
-              <a:avLst/>
-            </a:prstGeom>
-            <a:solidFill>
-              <a:schemeClr val="accent3">
-                <a:lumMod val="40000"/>
-                <a:lumOff val="60000"/>
-              </a:schemeClr>
-            </a:solidFill>
-            <a:ln>
-              <a:solidFill>
-                <a:schemeClr val="accent3">
-                  <a:lumMod val="75000"/>
-                </a:schemeClr>
-              </a:solidFill>
-            </a:ln>
-          </p:spPr>
-          <p:style>
-            <a:lnRef idx="2">
-              <a:schemeClr val="accent1">
-                <a:shade val="50000"/>
-              </a:schemeClr>
-            </a:lnRef>
-            <a:fillRef idx="1">
-              <a:schemeClr val="accent1"/>
-            </a:fillRef>
-            <a:effectRef idx="0">
-              <a:schemeClr val="accent1"/>
-            </a:effectRef>
-            <a:fontRef idx="minor">
-              <a:schemeClr val="lt1"/>
-            </a:fontRef>
-          </p:style>
-          <p:txBody>
-            <a:bodyPr rtlCol="0" anchor="ctr"/>
-            <a:lstStyle/>
-            <a:p>
-              <a:pPr algn="ctr"/>
-              <a:endParaRPr lang="en-US"/>
-            </a:p>
-          </p:txBody>
-        </p:sp>
-        <p:sp>
-          <p:nvSpPr>
-            <p:cNvPr id="50" name="TextBox 49"/>
-            <p:cNvSpPr txBox="1"/>
-            <p:nvPr/>
-          </p:nvSpPr>
-          <p:spPr>
-            <a:xfrm>
-              <a:off x="786718" y="3124200"/>
-              <a:ext cx="1093569" cy="246221"/>
-            </a:xfrm>
-            <a:prstGeom prst="rect">
-              <a:avLst/>
-            </a:prstGeom>
-            <a:noFill/>
-          </p:spPr>
-          <p:txBody>
-            <a:bodyPr wrap="none" rtlCol="0">
-              <a:spAutoFit/>
-            </a:bodyPr>
-            <a:lstStyle/>
-            <a:p>
-              <a:pPr algn="ctr"/>
-              <a:r>
-                <a:rPr lang="en-US" sz="1000" dirty="0" smtClean="0">
-                  <a:latin typeface="Arial Black" pitchFamily="34" charset="0"/>
-                  <a:cs typeface="Kartika" pitchFamily="18" charset="0"/>
-                </a:rPr>
-                <a:t>Tony Cepeda</a:t>
-              </a:r>
-              <a:endParaRPr lang="en-US" sz="1000" dirty="0">
-                <a:latin typeface="Arial Black" pitchFamily="34" charset="0"/>
-                <a:cs typeface="Kartika" pitchFamily="18" charset="0"/>
-              </a:endParaRPr>
-            </a:p>
-          </p:txBody>
-        </p:sp>
-        <p:sp>
-          <p:nvSpPr>
-            <p:cNvPr id="51" name="TextBox 50"/>
-            <p:cNvSpPr txBox="1"/>
-            <p:nvPr/>
-          </p:nvSpPr>
-          <p:spPr>
-            <a:xfrm>
-              <a:off x="1035182" y="3304401"/>
-              <a:ext cx="596637" cy="246221"/>
-            </a:xfrm>
-            <a:prstGeom prst="rect">
-              <a:avLst/>
-            </a:prstGeom>
-            <a:noFill/>
-          </p:spPr>
-          <p:txBody>
-            <a:bodyPr wrap="none" rtlCol="0">
-              <a:spAutoFit/>
-            </a:bodyPr>
-            <a:lstStyle/>
-            <a:p>
-              <a:pPr algn="ctr"/>
-              <a:r>
-                <a:rPr lang="en-US" sz="1000" b="1" i="1" dirty="0" smtClean="0">
-                  <a:solidFill>
-                    <a:schemeClr val="accent3">
-                      <a:lumMod val="50000"/>
-                    </a:schemeClr>
-                  </a:solidFill>
-                  <a:latin typeface="Corbel" pitchFamily="34" charset="0"/>
-                </a:rPr>
-                <a:t>{  ASM }</a:t>
-              </a:r>
-            </a:p>
-          </p:txBody>
-        </p:sp>
-      </p:grpSp>
-      <p:grpSp>
-        <p:nvGrpSpPr>
-          <p:cNvPr id="52" name="Group 51"/>
-          <p:cNvGrpSpPr/>
-          <p:nvPr/>
-        </p:nvGrpSpPr>
-        <p:grpSpPr>
-          <a:xfrm>
-            <a:off x="609600" y="3028950"/>
-            <a:ext cx="1295400" cy="533400"/>
-            <a:chOff x="685800" y="3048000"/>
-            <a:chExt cx="1295400" cy="533400"/>
-          </a:xfrm>
-        </p:grpSpPr>
-        <p:sp>
-          <p:nvSpPr>
-            <p:cNvPr id="53" name="Rounded Rectangle 52"/>
-            <p:cNvSpPr/>
-            <p:nvPr/>
-          </p:nvSpPr>
-          <p:spPr>
-            <a:xfrm>
-              <a:off x="685800" y="3048000"/>
-              <a:ext cx="1295400" cy="533400"/>
-            </a:xfrm>
-            <a:prstGeom prst="roundRect">
-              <a:avLst/>
-            </a:prstGeom>
-            <a:solidFill>
-              <a:schemeClr val="accent3">
-                <a:lumMod val="40000"/>
-                <a:lumOff val="60000"/>
-              </a:schemeClr>
-            </a:solidFill>
-            <a:ln>
-              <a:solidFill>
-                <a:schemeClr val="accent3">
-                  <a:lumMod val="75000"/>
-                </a:schemeClr>
-              </a:solidFill>
-            </a:ln>
-          </p:spPr>
-          <p:style>
-            <a:lnRef idx="2">
-              <a:schemeClr val="accent1">
-                <a:shade val="50000"/>
-              </a:schemeClr>
-            </a:lnRef>
-            <a:fillRef idx="1">
-              <a:schemeClr val="accent1"/>
-            </a:fillRef>
-            <a:effectRef idx="0">
-              <a:schemeClr val="accent1"/>
-            </a:effectRef>
-            <a:fontRef idx="minor">
-              <a:schemeClr val="lt1"/>
-            </a:fontRef>
-          </p:style>
-          <p:txBody>
-            <a:bodyPr rtlCol="0" anchor="ctr"/>
-            <a:lstStyle/>
-            <a:p>
-              <a:pPr algn="ctr"/>
-              <a:endParaRPr lang="en-US"/>
-            </a:p>
-          </p:txBody>
-        </p:sp>
-        <p:sp>
-          <p:nvSpPr>
-            <p:cNvPr id="54" name="TextBox 53"/>
-            <p:cNvSpPr txBox="1"/>
-            <p:nvPr/>
-          </p:nvSpPr>
-          <p:spPr>
-            <a:xfrm>
-              <a:off x="824389" y="3124200"/>
-              <a:ext cx="1018228" cy="246221"/>
-            </a:xfrm>
-            <a:prstGeom prst="rect">
-              <a:avLst/>
-            </a:prstGeom>
-            <a:noFill/>
-          </p:spPr>
-          <p:txBody>
-            <a:bodyPr wrap="none" rtlCol="0">
-              <a:spAutoFit/>
-            </a:bodyPr>
-            <a:lstStyle/>
-            <a:p>
-              <a:pPr algn="ctr"/>
-              <a:r>
-                <a:rPr lang="en-US" sz="1000" dirty="0" smtClean="0">
-                  <a:latin typeface="Arial Black" pitchFamily="34" charset="0"/>
-                  <a:cs typeface="Kartika" pitchFamily="18" charset="0"/>
-                </a:rPr>
-                <a:t>Paul Besser</a:t>
-              </a:r>
-              <a:endParaRPr lang="en-US" sz="1000" dirty="0">
-                <a:latin typeface="Arial Black" pitchFamily="34" charset="0"/>
-                <a:cs typeface="Kartika" pitchFamily="18" charset="0"/>
-              </a:endParaRPr>
-            </a:p>
-          </p:txBody>
-        </p:sp>
-        <p:sp>
-          <p:nvSpPr>
-            <p:cNvPr id="55" name="TextBox 54"/>
-            <p:cNvSpPr txBox="1"/>
-            <p:nvPr/>
-          </p:nvSpPr>
-          <p:spPr>
-            <a:xfrm>
-              <a:off x="1035182" y="3304401"/>
-              <a:ext cx="596637" cy="246221"/>
-            </a:xfrm>
-            <a:prstGeom prst="rect">
-              <a:avLst/>
-            </a:prstGeom>
-            <a:noFill/>
-          </p:spPr>
-          <p:txBody>
-            <a:bodyPr wrap="none" rtlCol="0">
-              <a:spAutoFit/>
-            </a:bodyPr>
-            <a:lstStyle/>
-            <a:p>
-              <a:pPr algn="ctr"/>
-              <a:r>
-                <a:rPr lang="en-US" sz="1000" b="1" i="1" dirty="0" smtClean="0">
-                  <a:solidFill>
-                    <a:schemeClr val="accent3">
-                      <a:lumMod val="50000"/>
-                    </a:schemeClr>
-                  </a:solidFill>
-                  <a:latin typeface="Corbel" pitchFamily="34" charset="0"/>
-                </a:rPr>
-                <a:t>{  ASM }</a:t>
-              </a:r>
-            </a:p>
-          </p:txBody>
-        </p:sp>
-      </p:grpSp>
-      <p:grpSp>
-        <p:nvGrpSpPr>
-          <p:cNvPr id="3" name="Group 2"/>
-          <p:cNvGrpSpPr/>
-          <p:nvPr/>
-        </p:nvGrpSpPr>
-        <p:grpSpPr>
-          <a:xfrm>
-            <a:off x="6248400" y="4724400"/>
-            <a:ext cx="1295400" cy="474047"/>
-            <a:chOff x="3952875" y="5029200"/>
-            <a:chExt cx="1295400" cy="474047"/>
-          </a:xfrm>
-        </p:grpSpPr>
-        <p:sp>
-          <p:nvSpPr>
-            <p:cNvPr id="67" name="Rounded Rectangle 66"/>
-            <p:cNvSpPr/>
-            <p:nvPr/>
-          </p:nvSpPr>
-          <p:spPr>
-            <a:xfrm>
-              <a:off x="3952875" y="5029200"/>
-              <a:ext cx="1295400" cy="457200"/>
-            </a:xfrm>
-            <a:prstGeom prst="roundRect">
-              <a:avLst/>
-            </a:prstGeom>
-            <a:solidFill>
-              <a:schemeClr val="accent3">
-                <a:lumMod val="40000"/>
-                <a:lumOff val="60000"/>
-              </a:schemeClr>
-            </a:solidFill>
-            <a:ln>
-              <a:solidFill>
-                <a:schemeClr val="accent3">
-                  <a:lumMod val="75000"/>
-                </a:schemeClr>
-              </a:solidFill>
-            </a:ln>
-          </p:spPr>
-          <p:style>
-            <a:lnRef idx="2">
-              <a:schemeClr val="accent1">
-                <a:shade val="50000"/>
-              </a:schemeClr>
-            </a:lnRef>
-            <a:fillRef idx="1">
-              <a:schemeClr val="accent1"/>
-            </a:fillRef>
-            <a:effectRef idx="0">
-              <a:schemeClr val="accent1"/>
-            </a:effectRef>
-            <a:fontRef idx="minor">
-              <a:schemeClr val="lt1"/>
-            </a:fontRef>
-          </p:style>
-          <p:txBody>
-            <a:bodyPr rtlCol="0" anchor="ctr"/>
-            <a:lstStyle/>
-            <a:p>
-              <a:pPr algn="ctr"/>
-              <a:endParaRPr lang="en-US"/>
-            </a:p>
-          </p:txBody>
-        </p:sp>
-        <p:sp>
-          <p:nvSpPr>
-            <p:cNvPr id="68" name="TextBox 67"/>
-            <p:cNvSpPr txBox="1"/>
-            <p:nvPr/>
-          </p:nvSpPr>
-          <p:spPr>
-            <a:xfrm>
-              <a:off x="4287000" y="5076825"/>
-              <a:ext cx="627170" cy="230832"/>
-            </a:xfrm>
-            <a:prstGeom prst="rect">
-              <a:avLst/>
-            </a:prstGeom>
-            <a:noFill/>
-          </p:spPr>
-          <p:txBody>
-            <a:bodyPr wrap="none" rtlCol="0">
-              <a:spAutoFit/>
-            </a:bodyPr>
-            <a:lstStyle/>
-            <a:p>
-              <a:pPr algn="ctr"/>
-              <a:r>
-                <a:rPr lang="en-US" sz="900" dirty="0" err="1" smtClean="0">
-                  <a:latin typeface="Arial Black" pitchFamily="34" charset="0"/>
-                  <a:cs typeface="Kartika" pitchFamily="18" charset="0"/>
-                </a:rPr>
-                <a:t>Naman</a:t>
-              </a:r>
-              <a:endParaRPr lang="en-US" sz="900" dirty="0">
-                <a:latin typeface="Arial Black" pitchFamily="34" charset="0"/>
-                <a:cs typeface="Kartika" pitchFamily="18" charset="0"/>
-              </a:endParaRPr>
-            </a:p>
-          </p:txBody>
-        </p:sp>
-        <p:sp>
-          <p:nvSpPr>
-            <p:cNvPr id="69" name="TextBox 68"/>
-            <p:cNvSpPr txBox="1"/>
-            <p:nvPr/>
-          </p:nvSpPr>
-          <p:spPr>
-            <a:xfrm>
-              <a:off x="4101748" y="5257026"/>
-              <a:ext cx="997658" cy="246221"/>
-            </a:xfrm>
-            <a:prstGeom prst="rect">
-              <a:avLst/>
-            </a:prstGeom>
-            <a:noFill/>
-          </p:spPr>
-          <p:txBody>
-            <a:bodyPr wrap="none" rtlCol="0">
-              <a:spAutoFit/>
-            </a:bodyPr>
-            <a:lstStyle/>
-            <a:p>
-              <a:pPr algn="ctr"/>
-              <a:r>
-                <a:rPr lang="en-US" sz="1000" b="1" i="1" dirty="0" smtClean="0">
-                  <a:solidFill>
-                    <a:schemeClr val="accent3">
-                      <a:lumMod val="50000"/>
-                    </a:schemeClr>
-                  </a:solidFill>
-                  <a:latin typeface="Corbel" pitchFamily="34" charset="0"/>
-                </a:rPr>
-                <a:t>{  Daggers PL }</a:t>
-              </a:r>
-            </a:p>
-          </p:txBody>
-        </p:sp>
-      </p:grpSp>
-      <p:grpSp>
-        <p:nvGrpSpPr>
-          <p:cNvPr id="8" name="Group 7"/>
-          <p:cNvGrpSpPr/>
-          <p:nvPr/>
-        </p:nvGrpSpPr>
-        <p:grpSpPr>
-          <a:xfrm>
-            <a:off x="2514600" y="5410200"/>
-            <a:ext cx="1295400" cy="474047"/>
-            <a:chOff x="704850" y="5898178"/>
-            <a:chExt cx="1295400" cy="474047"/>
-          </a:xfrm>
-        </p:grpSpPr>
-        <p:sp>
-          <p:nvSpPr>
-            <p:cNvPr id="71" name="Rounded Rectangle 70"/>
-            <p:cNvSpPr/>
-            <p:nvPr/>
-          </p:nvSpPr>
-          <p:spPr>
-            <a:xfrm>
-              <a:off x="704850" y="5898178"/>
-              <a:ext cx="1295400" cy="457200"/>
-            </a:xfrm>
-            <a:prstGeom prst="roundRect">
-              <a:avLst/>
-            </a:prstGeom>
-            <a:solidFill>
-              <a:schemeClr val="accent3">
-                <a:lumMod val="40000"/>
-                <a:lumOff val="60000"/>
-              </a:schemeClr>
-            </a:solidFill>
-            <a:ln>
-              <a:solidFill>
-                <a:schemeClr val="accent3">
-                  <a:lumMod val="75000"/>
-                </a:schemeClr>
-              </a:solidFill>
-            </a:ln>
-          </p:spPr>
-          <p:style>
-            <a:lnRef idx="2">
-              <a:schemeClr val="accent1">
-                <a:shade val="50000"/>
-              </a:schemeClr>
-            </a:lnRef>
-            <a:fillRef idx="1">
-              <a:schemeClr val="accent1"/>
-            </a:fillRef>
-            <a:effectRef idx="0">
-              <a:schemeClr val="accent1"/>
-            </a:effectRef>
-            <a:fontRef idx="minor">
-              <a:schemeClr val="lt1"/>
-            </a:fontRef>
-          </p:style>
-          <p:txBody>
-            <a:bodyPr rtlCol="0" anchor="ctr"/>
-            <a:lstStyle/>
-            <a:p>
-              <a:pPr algn="ctr"/>
-              <a:endParaRPr lang="en-US"/>
-            </a:p>
-          </p:txBody>
-        </p:sp>
-        <p:sp>
-          <p:nvSpPr>
-            <p:cNvPr id="72" name="TextBox 71"/>
-            <p:cNvSpPr txBox="1"/>
-            <p:nvPr/>
-          </p:nvSpPr>
-          <p:spPr>
-            <a:xfrm>
-              <a:off x="1071992" y="5945803"/>
-              <a:ext cx="561121" cy="230832"/>
-            </a:xfrm>
-            <a:prstGeom prst="rect">
-              <a:avLst/>
-            </a:prstGeom>
-            <a:noFill/>
-          </p:spPr>
-          <p:txBody>
-            <a:bodyPr wrap="none" rtlCol="0">
-              <a:spAutoFit/>
-            </a:bodyPr>
-            <a:lstStyle/>
-            <a:p>
-              <a:pPr algn="ctr"/>
-              <a:r>
-                <a:rPr lang="en-US" sz="900" dirty="0" smtClean="0">
-                  <a:latin typeface="Arial Black" pitchFamily="34" charset="0"/>
-                  <a:cs typeface="Kartika" pitchFamily="18" charset="0"/>
-                </a:rPr>
-                <a:t>Jason</a:t>
-              </a:r>
-              <a:endParaRPr lang="en-US" sz="900" dirty="0">
-                <a:latin typeface="Arial Black" pitchFamily="34" charset="0"/>
-                <a:cs typeface="Kartika" pitchFamily="18" charset="0"/>
-              </a:endParaRPr>
-            </a:p>
-          </p:txBody>
-        </p:sp>
-        <p:sp>
-          <p:nvSpPr>
-            <p:cNvPr id="73" name="TextBox 72"/>
-            <p:cNvSpPr txBox="1"/>
-            <p:nvPr/>
-          </p:nvSpPr>
-          <p:spPr>
-            <a:xfrm>
-              <a:off x="749311" y="6126004"/>
-              <a:ext cx="1206486" cy="246221"/>
-            </a:xfrm>
-            <a:prstGeom prst="rect">
-              <a:avLst/>
-            </a:prstGeom>
-            <a:noFill/>
-          </p:spPr>
-          <p:txBody>
-            <a:bodyPr wrap="none" rtlCol="0">
-              <a:spAutoFit/>
-            </a:bodyPr>
-            <a:lstStyle/>
-            <a:p>
-              <a:pPr algn="ctr"/>
-              <a:r>
-                <a:rPr lang="en-US" sz="1000" b="1" i="1" dirty="0" smtClean="0">
-                  <a:solidFill>
-                    <a:schemeClr val="accent3">
-                      <a:lumMod val="50000"/>
-                    </a:schemeClr>
-                  </a:solidFill>
-                  <a:latin typeface="Corbel" pitchFamily="34" charset="0"/>
-                </a:rPr>
-                <a:t>{  Tomahawks PL }</a:t>
-              </a:r>
-            </a:p>
-          </p:txBody>
-        </p:sp>
-      </p:grpSp>
-      <p:grpSp>
-        <p:nvGrpSpPr>
-          <p:cNvPr id="100" name="Group 99"/>
-          <p:cNvGrpSpPr/>
-          <p:nvPr/>
-        </p:nvGrpSpPr>
-        <p:grpSpPr>
-          <a:xfrm>
-            <a:off x="3094534" y="4002703"/>
-            <a:ext cx="3230066" cy="474047"/>
-            <a:chOff x="2667000" y="4097953"/>
-            <a:chExt cx="3230066" cy="474047"/>
-          </a:xfrm>
-        </p:grpSpPr>
-        <p:grpSp>
-          <p:nvGrpSpPr>
-            <p:cNvPr id="87" name="Group 86"/>
-            <p:cNvGrpSpPr/>
-            <p:nvPr/>
-          </p:nvGrpSpPr>
-          <p:grpSpPr>
-            <a:xfrm>
-              <a:off x="2667000" y="4097953"/>
-              <a:ext cx="1295400" cy="474047"/>
-              <a:chOff x="2971800" y="4097953"/>
-              <a:chExt cx="1295400" cy="474047"/>
-            </a:xfrm>
-          </p:grpSpPr>
-          <p:sp>
-            <p:nvSpPr>
-              <p:cNvPr id="79" name="Rounded Rectangle 78"/>
-              <p:cNvSpPr/>
-              <p:nvPr/>
-            </p:nvSpPr>
-            <p:spPr>
-              <a:xfrm>
-                <a:off x="2971800" y="4097953"/>
-                <a:ext cx="1295400" cy="457200"/>
-              </a:xfrm>
-              <a:prstGeom prst="roundRect">
-                <a:avLst/>
-              </a:prstGeom>
-              <a:solidFill>
-                <a:schemeClr val="accent3">
-                  <a:lumMod val="40000"/>
-                  <a:lumOff val="60000"/>
-                </a:schemeClr>
-              </a:solidFill>
-              <a:ln>
-                <a:solidFill>
-                  <a:schemeClr val="accent3">
-                    <a:lumMod val="75000"/>
-                  </a:schemeClr>
-                </a:solidFill>
-              </a:ln>
-            </p:spPr>
-            <p:style>
-              <a:lnRef idx="2">
-                <a:schemeClr val="accent1">
-                  <a:shade val="50000"/>
-                </a:schemeClr>
-              </a:lnRef>
-              <a:fillRef idx="1">
-                <a:schemeClr val="accent1"/>
-              </a:fillRef>
-              <a:effectRef idx="0">
-                <a:schemeClr val="accent1"/>
-              </a:effectRef>
-              <a:fontRef idx="minor">
-                <a:schemeClr val="lt1"/>
-              </a:fontRef>
-            </p:style>
-            <p:txBody>
-              <a:bodyPr rtlCol="0" anchor="ctr"/>
-              <a:lstStyle/>
-              <a:p>
-                <a:pPr algn="ctr"/>
-                <a:endParaRPr lang="en-US"/>
-              </a:p>
-            </p:txBody>
-          </p:sp>
-          <p:sp>
-            <p:nvSpPr>
-              <p:cNvPr id="80" name="TextBox 79"/>
-              <p:cNvSpPr txBox="1"/>
-              <p:nvPr/>
-            </p:nvSpPr>
-            <p:spPr>
-              <a:xfrm>
-                <a:off x="3114479" y="4145578"/>
-                <a:ext cx="1010050" cy="230832"/>
-              </a:xfrm>
-              <a:prstGeom prst="rect">
-                <a:avLst/>
-              </a:prstGeom>
-              <a:noFill/>
-            </p:spPr>
-            <p:txBody>
-              <a:bodyPr wrap="none" rtlCol="0">
-                <a:spAutoFit/>
-              </a:bodyPr>
-              <a:lstStyle/>
-              <a:p>
-                <a:pPr algn="ctr"/>
-                <a:r>
-                  <a:rPr lang="en-US" sz="900" dirty="0" smtClean="0">
-                    <a:latin typeface="Arial Black" pitchFamily="34" charset="0"/>
-                    <a:cs typeface="Kartika" pitchFamily="18" charset="0"/>
-                  </a:rPr>
-                  <a:t>Scott </a:t>
-                </a:r>
-                <a:r>
-                  <a:rPr lang="en-US" sz="900" dirty="0" err="1" smtClean="0">
-                    <a:latin typeface="Arial Black" pitchFamily="34" charset="0"/>
-                    <a:cs typeface="Kartika" pitchFamily="18" charset="0"/>
-                  </a:rPr>
-                  <a:t>Wilford</a:t>
-                </a:r>
-                <a:endParaRPr lang="en-US" sz="900" dirty="0">
-                  <a:latin typeface="Arial Black" pitchFamily="34" charset="0"/>
-                  <a:cs typeface="Kartika" pitchFamily="18" charset="0"/>
-                </a:endParaRPr>
-              </a:p>
-            </p:txBody>
-          </p:sp>
-          <p:sp>
-            <p:nvSpPr>
-              <p:cNvPr id="81" name="TextBox 80"/>
-              <p:cNvSpPr txBox="1"/>
-              <p:nvPr/>
-            </p:nvSpPr>
-            <p:spPr>
-              <a:xfrm>
-                <a:off x="2986955" y="4325779"/>
-                <a:ext cx="1265091" cy="246221"/>
-              </a:xfrm>
-              <a:prstGeom prst="rect">
-                <a:avLst/>
-              </a:prstGeom>
-              <a:noFill/>
-            </p:spPr>
-            <p:txBody>
-              <a:bodyPr wrap="none" rtlCol="0">
-                <a:spAutoFit/>
-              </a:bodyPr>
-              <a:lstStyle/>
-              <a:p>
-                <a:pPr algn="ctr"/>
-                <a:r>
-                  <a:rPr lang="en-US" sz="1000" b="1" i="1" dirty="0" smtClean="0">
-                    <a:solidFill>
-                      <a:schemeClr val="accent3">
-                        <a:lumMod val="50000"/>
-                      </a:schemeClr>
-                    </a:solidFill>
-                    <a:latin typeface="Corbel" pitchFamily="34" charset="0"/>
-                  </a:rPr>
-                  <a:t>{  Sr. Patrol Leader }</a:t>
-                </a:r>
-              </a:p>
-            </p:txBody>
-          </p:sp>
-        </p:grpSp>
-        <p:grpSp>
-          <p:nvGrpSpPr>
-            <p:cNvPr id="86" name="Group 85"/>
-            <p:cNvGrpSpPr/>
-            <p:nvPr/>
-          </p:nvGrpSpPr>
-          <p:grpSpPr>
-            <a:xfrm>
-              <a:off x="4330612" y="4097953"/>
-              <a:ext cx="1566454" cy="474047"/>
-              <a:chOff x="4330612" y="4114800"/>
-              <a:chExt cx="1566454" cy="474047"/>
-            </a:xfrm>
-          </p:grpSpPr>
-          <p:sp>
-            <p:nvSpPr>
-              <p:cNvPr id="83" name="Rounded Rectangle 82"/>
-              <p:cNvSpPr/>
-              <p:nvPr/>
-            </p:nvSpPr>
-            <p:spPr>
-              <a:xfrm>
-                <a:off x="4351839" y="4114800"/>
-                <a:ext cx="1524000" cy="457200"/>
-              </a:xfrm>
-              <a:prstGeom prst="roundRect">
-                <a:avLst/>
-              </a:prstGeom>
-              <a:solidFill>
-                <a:schemeClr val="accent3">
-                  <a:lumMod val="40000"/>
-                  <a:lumOff val="60000"/>
-                </a:schemeClr>
-              </a:solidFill>
-              <a:ln>
-                <a:solidFill>
-                  <a:schemeClr val="accent3">
-                    <a:lumMod val="75000"/>
-                  </a:schemeClr>
-                </a:solidFill>
-              </a:ln>
-            </p:spPr>
-            <p:style>
-              <a:lnRef idx="2">
-                <a:schemeClr val="accent1">
-                  <a:shade val="50000"/>
-                </a:schemeClr>
-              </a:lnRef>
-              <a:fillRef idx="1">
-                <a:schemeClr val="accent1"/>
-              </a:fillRef>
-              <a:effectRef idx="0">
-                <a:schemeClr val="accent1"/>
-              </a:effectRef>
-              <a:fontRef idx="minor">
-                <a:schemeClr val="lt1"/>
-              </a:fontRef>
-            </p:style>
-            <p:txBody>
-              <a:bodyPr rtlCol="0" anchor="ctr"/>
-              <a:lstStyle/>
-              <a:p>
-                <a:pPr algn="ctr"/>
-                <a:endParaRPr lang="en-US"/>
-              </a:p>
-            </p:txBody>
-          </p:sp>
-          <p:sp>
-            <p:nvSpPr>
-              <p:cNvPr id="84" name="TextBox 83"/>
-              <p:cNvSpPr txBox="1"/>
-              <p:nvPr/>
-            </p:nvSpPr>
-            <p:spPr>
-              <a:xfrm>
-                <a:off x="4695493" y="4162425"/>
-                <a:ext cx="836700" cy="230832"/>
-              </a:xfrm>
-              <a:prstGeom prst="rect">
-                <a:avLst/>
-              </a:prstGeom>
-              <a:noFill/>
-            </p:spPr>
-            <p:txBody>
-              <a:bodyPr wrap="none" rtlCol="0">
-                <a:spAutoFit/>
-              </a:bodyPr>
-              <a:lstStyle/>
-              <a:p>
-                <a:pPr algn="ctr"/>
-                <a:r>
-                  <a:rPr lang="en-US" sz="900" dirty="0" smtClean="0">
-                    <a:latin typeface="Arial Black" pitchFamily="34" charset="0"/>
-                    <a:cs typeface="Kartika" pitchFamily="18" charset="0"/>
-                  </a:rPr>
-                  <a:t>Nick Klein</a:t>
-                </a:r>
-                <a:endParaRPr lang="en-US" sz="900" dirty="0">
-                  <a:latin typeface="Arial Black" pitchFamily="34" charset="0"/>
-                  <a:cs typeface="Kartika" pitchFamily="18" charset="0"/>
-                </a:endParaRPr>
-              </a:p>
-            </p:txBody>
-          </p:sp>
-          <p:sp>
-            <p:nvSpPr>
-              <p:cNvPr id="85" name="TextBox 84"/>
-              <p:cNvSpPr txBox="1"/>
-              <p:nvPr/>
-            </p:nvSpPr>
-            <p:spPr>
-              <a:xfrm>
-                <a:off x="4330612" y="4342626"/>
-                <a:ext cx="1566454" cy="246221"/>
-              </a:xfrm>
-              <a:prstGeom prst="rect">
-                <a:avLst/>
-              </a:prstGeom>
-              <a:noFill/>
-            </p:spPr>
-            <p:txBody>
-              <a:bodyPr wrap="none" rtlCol="0">
-                <a:spAutoFit/>
-              </a:bodyPr>
-              <a:lstStyle/>
-              <a:p>
-                <a:pPr algn="ctr"/>
-                <a:r>
-                  <a:rPr lang="en-US" sz="1000" b="1" i="1" dirty="0" smtClean="0">
-                    <a:solidFill>
-                      <a:schemeClr val="accent3">
-                        <a:lumMod val="50000"/>
-                      </a:schemeClr>
-                    </a:solidFill>
-                    <a:latin typeface="Corbel" pitchFamily="34" charset="0"/>
-                  </a:rPr>
-                  <a:t>{  Asst. Sr. Patrol Leader }</a:t>
-                </a:r>
-              </a:p>
-            </p:txBody>
-          </p:sp>
-        </p:grpSp>
-      </p:grpSp>
       <p:pic>
         <p:nvPicPr>
           <p:cNvPr id="103" name="WordPictureWatermark3" descr="logo_sm"/>
@@ -8567,8 +6761,8 @@
         </p:blipFill>
         <p:spPr bwMode="auto">
           <a:xfrm>
-            <a:off x="457200" y="457200"/>
-            <a:ext cx="1524000" cy="1524000"/>
+            <a:off x="4214725" y="139176"/>
+            <a:ext cx="685800" cy="685800"/>
           </a:xfrm>
           <a:prstGeom prst="rect">
             <a:avLst/>
@@ -8582,1868 +6776,3345 @@
           </a:ln>
         </p:spPr>
       </p:pic>
-      <p:sp>
-        <p:nvSpPr>
-          <p:cNvPr id="105" name="TextBox 104"/>
-          <p:cNvSpPr txBox="1"/>
-          <p:nvPr/>
-        </p:nvSpPr>
-        <p:spPr>
-          <a:xfrm>
-            <a:off x="676275" y="3856851"/>
-            <a:ext cx="1645066" cy="276999"/>
-          </a:xfrm>
-          <a:prstGeom prst="rect">
-            <a:avLst/>
-          </a:prstGeom>
-          <a:noFill/>
-        </p:spPr>
-        <p:txBody>
-          <a:bodyPr wrap="none" rtlCol="0">
-            <a:spAutoFit/>
-          </a:bodyPr>
-          <a:lstStyle/>
-          <a:p>
-            <a:r>
-              <a:rPr lang="en-US" sz="1200" b="1" i="1" dirty="0" smtClean="0"/>
-              <a:t>Patrol Leader’s Council</a:t>
-            </a:r>
-            <a:endParaRPr lang="en-US" sz="1200" b="1" i="1" dirty="0"/>
-          </a:p>
-        </p:txBody>
-      </p:sp>
-      <p:sp>
-        <p:nvSpPr>
-          <p:cNvPr id="106" name="Rectangle 105"/>
-          <p:cNvSpPr/>
-          <p:nvPr/>
-        </p:nvSpPr>
-        <p:spPr>
-          <a:xfrm>
-            <a:off x="685800" y="6428601"/>
-            <a:ext cx="6128601" cy="276999"/>
-          </a:xfrm>
-          <a:prstGeom prst="rect">
-            <a:avLst/>
-          </a:prstGeom>
-        </p:spPr>
-        <p:txBody>
-          <a:bodyPr wrap="none">
-            <a:spAutoFit/>
-          </a:bodyPr>
-          <a:lstStyle/>
-          <a:p>
-            <a:r>
-              <a:rPr lang="en-US" sz="1200" dirty="0" smtClean="0"/>
-              <a:t>Troop 457 Website: </a:t>
-            </a:r>
-            <a:r>
-              <a:rPr lang="en-US" sz="1200" u="sng" dirty="0">
-                <a:hlinkClick r:id="rId3"/>
-              </a:rPr>
-              <a:t>http://</a:t>
-            </a:r>
-            <a:r>
-              <a:rPr lang="en-US" sz="1200" u="sng" dirty="0" smtClean="0">
-                <a:hlinkClick r:id="rId3"/>
-              </a:rPr>
-              <a:t>www.bsa-troop457.com</a:t>
-            </a:r>
-            <a:r>
-              <a:rPr lang="en-US" sz="1200" dirty="0"/>
-              <a:t> </a:t>
-            </a:r>
-            <a:r>
-              <a:rPr lang="en-US" sz="1200" dirty="0" smtClean="0">
-                <a:solidFill>
-                  <a:schemeClr val="accent3">
-                    <a:lumMod val="50000"/>
-                  </a:schemeClr>
-                </a:solidFill>
-              </a:rPr>
-              <a:t>[username = member, password = ogr2007]</a:t>
-            </a:r>
-            <a:endParaRPr lang="en-US" sz="1200" dirty="0"/>
-          </a:p>
-        </p:txBody>
-      </p:sp>
-      <p:grpSp>
-        <p:nvGrpSpPr>
-          <p:cNvPr id="82" name="Group 81"/>
-          <p:cNvGrpSpPr/>
-          <p:nvPr/>
-        </p:nvGrpSpPr>
-        <p:grpSpPr>
-          <a:xfrm>
-            <a:off x="2266950" y="3048000"/>
-            <a:ext cx="1295400" cy="533400"/>
-            <a:chOff x="685800" y="3048000"/>
-            <a:chExt cx="1295400" cy="533400"/>
-          </a:xfrm>
-        </p:grpSpPr>
-        <p:sp>
-          <p:nvSpPr>
-            <p:cNvPr id="107" name="Rounded Rectangle 106"/>
-            <p:cNvSpPr/>
-            <p:nvPr/>
-          </p:nvSpPr>
-          <p:spPr>
-            <a:xfrm>
-              <a:off x="685800" y="3048000"/>
-              <a:ext cx="1295400" cy="533400"/>
-            </a:xfrm>
-            <a:prstGeom prst="roundRect">
-              <a:avLst/>
-            </a:prstGeom>
-            <a:solidFill>
-              <a:schemeClr val="accent3">
-                <a:lumMod val="40000"/>
-                <a:lumOff val="60000"/>
-              </a:schemeClr>
-            </a:solidFill>
-            <a:ln>
-              <a:solidFill>
-                <a:schemeClr val="accent3">
-                  <a:lumMod val="75000"/>
-                </a:schemeClr>
-              </a:solidFill>
-            </a:ln>
-          </p:spPr>
-          <p:style>
-            <a:lnRef idx="2">
-              <a:schemeClr val="accent1">
-                <a:shade val="50000"/>
-              </a:schemeClr>
-            </a:lnRef>
-            <a:fillRef idx="1">
-              <a:schemeClr val="accent1"/>
-            </a:fillRef>
-            <a:effectRef idx="0">
-              <a:schemeClr val="accent1"/>
-            </a:effectRef>
-            <a:fontRef idx="minor">
-              <a:schemeClr val="lt1"/>
-            </a:fontRef>
-          </p:style>
-          <p:txBody>
-            <a:bodyPr rtlCol="0" anchor="ctr"/>
-            <a:lstStyle/>
-            <a:p>
-              <a:pPr algn="ctr"/>
-              <a:endParaRPr lang="en-US"/>
-            </a:p>
-          </p:txBody>
-        </p:sp>
-        <p:sp>
-          <p:nvSpPr>
-            <p:cNvPr id="108" name="TextBox 107"/>
-            <p:cNvSpPr txBox="1"/>
-            <p:nvPr/>
-          </p:nvSpPr>
-          <p:spPr>
-            <a:xfrm>
-              <a:off x="895724" y="3124200"/>
-              <a:ext cx="875561" cy="246221"/>
-            </a:xfrm>
-            <a:prstGeom prst="rect">
-              <a:avLst/>
-            </a:prstGeom>
-            <a:noFill/>
-          </p:spPr>
-          <p:txBody>
-            <a:bodyPr wrap="none" rtlCol="0">
-              <a:spAutoFit/>
-            </a:bodyPr>
-            <a:lstStyle/>
-            <a:p>
-              <a:pPr algn="ctr"/>
-              <a:r>
-                <a:rPr lang="en-US" sz="1000" dirty="0" smtClean="0">
-                  <a:latin typeface="Arial Black" pitchFamily="34" charset="0"/>
-                  <a:cs typeface="Kartika" pitchFamily="18" charset="0"/>
-                </a:rPr>
-                <a:t>Tad Davis</a:t>
-              </a:r>
-              <a:endParaRPr lang="en-US" sz="1000" dirty="0">
-                <a:latin typeface="Arial Black" pitchFamily="34" charset="0"/>
-                <a:cs typeface="Kartika" pitchFamily="18" charset="0"/>
-              </a:endParaRPr>
-            </a:p>
-          </p:txBody>
-        </p:sp>
-        <p:sp>
-          <p:nvSpPr>
-            <p:cNvPr id="109" name="TextBox 108"/>
-            <p:cNvSpPr txBox="1"/>
-            <p:nvPr/>
-          </p:nvSpPr>
-          <p:spPr>
-            <a:xfrm>
-              <a:off x="1035182" y="3304401"/>
-              <a:ext cx="596637" cy="246221"/>
-            </a:xfrm>
-            <a:prstGeom prst="rect">
-              <a:avLst/>
-            </a:prstGeom>
-            <a:noFill/>
-          </p:spPr>
-          <p:txBody>
-            <a:bodyPr wrap="none" rtlCol="0">
-              <a:spAutoFit/>
-            </a:bodyPr>
-            <a:lstStyle/>
-            <a:p>
-              <a:pPr algn="ctr"/>
-              <a:r>
-                <a:rPr lang="en-US" sz="1000" b="1" i="1" dirty="0" smtClean="0">
-                  <a:solidFill>
-                    <a:schemeClr val="accent3">
-                      <a:lumMod val="50000"/>
-                    </a:schemeClr>
-                  </a:solidFill>
-                  <a:latin typeface="Corbel" pitchFamily="34" charset="0"/>
-                </a:rPr>
-                <a:t>{  ASM }</a:t>
-              </a:r>
-            </a:p>
-          </p:txBody>
-        </p:sp>
-      </p:grpSp>
-      <p:grpSp>
-        <p:nvGrpSpPr>
-          <p:cNvPr id="110" name="Group 109"/>
-          <p:cNvGrpSpPr/>
-          <p:nvPr/>
-        </p:nvGrpSpPr>
-        <p:grpSpPr>
-          <a:xfrm>
-            <a:off x="3905250" y="2438400"/>
-            <a:ext cx="1295400" cy="533400"/>
-            <a:chOff x="685800" y="3048000"/>
-            <a:chExt cx="1295400" cy="533400"/>
-          </a:xfrm>
-        </p:grpSpPr>
-        <p:sp>
-          <p:nvSpPr>
-            <p:cNvPr id="111" name="Rounded Rectangle 110"/>
-            <p:cNvSpPr/>
-            <p:nvPr/>
-          </p:nvSpPr>
-          <p:spPr>
-            <a:xfrm>
-              <a:off x="685800" y="3048000"/>
-              <a:ext cx="1295400" cy="533400"/>
-            </a:xfrm>
-            <a:prstGeom prst="roundRect">
-              <a:avLst/>
-            </a:prstGeom>
-            <a:solidFill>
-              <a:schemeClr val="accent3">
-                <a:lumMod val="40000"/>
-                <a:lumOff val="60000"/>
-              </a:schemeClr>
-            </a:solidFill>
-            <a:ln>
-              <a:solidFill>
-                <a:schemeClr val="accent3">
-                  <a:lumMod val="75000"/>
-                </a:schemeClr>
-              </a:solidFill>
-            </a:ln>
-          </p:spPr>
-          <p:style>
-            <a:lnRef idx="2">
-              <a:schemeClr val="accent1">
-                <a:shade val="50000"/>
-              </a:schemeClr>
-            </a:lnRef>
-            <a:fillRef idx="1">
-              <a:schemeClr val="accent1"/>
-            </a:fillRef>
-            <a:effectRef idx="0">
-              <a:schemeClr val="accent1"/>
-            </a:effectRef>
-            <a:fontRef idx="minor">
-              <a:schemeClr val="lt1"/>
-            </a:fontRef>
-          </p:style>
-          <p:txBody>
-            <a:bodyPr rtlCol="0" anchor="ctr"/>
-            <a:lstStyle/>
-            <a:p>
-              <a:pPr algn="ctr"/>
-              <a:endParaRPr lang="en-US"/>
-            </a:p>
-          </p:txBody>
-        </p:sp>
-        <p:sp>
-          <p:nvSpPr>
-            <p:cNvPr id="112" name="TextBox 111"/>
-            <p:cNvSpPr txBox="1"/>
-            <p:nvPr/>
-          </p:nvSpPr>
-          <p:spPr>
-            <a:xfrm>
-              <a:off x="842026" y="3124200"/>
-              <a:ext cx="982961" cy="246221"/>
-            </a:xfrm>
-            <a:prstGeom prst="rect">
-              <a:avLst/>
-            </a:prstGeom>
-            <a:noFill/>
-          </p:spPr>
-          <p:txBody>
-            <a:bodyPr wrap="none" rtlCol="0">
-              <a:spAutoFit/>
-            </a:bodyPr>
-            <a:lstStyle/>
-            <a:p>
-              <a:pPr algn="ctr"/>
-              <a:r>
-                <a:rPr lang="en-US" sz="1000" dirty="0" err="1" smtClean="0">
-                  <a:latin typeface="Arial Black" pitchFamily="34" charset="0"/>
-                  <a:cs typeface="Kartika" pitchFamily="18" charset="0"/>
-                </a:rPr>
-                <a:t>Itzik</a:t>
-              </a:r>
-              <a:r>
-                <a:rPr lang="en-US" sz="1000" dirty="0" smtClean="0">
-                  <a:latin typeface="Arial Black" pitchFamily="34" charset="0"/>
-                  <a:cs typeface="Kartika" pitchFamily="18" charset="0"/>
-                </a:rPr>
-                <a:t> </a:t>
-              </a:r>
-              <a:r>
-                <a:rPr lang="en-US" sz="1000" dirty="0" err="1" smtClean="0">
-                  <a:latin typeface="Arial Black" pitchFamily="34" charset="0"/>
-                  <a:cs typeface="Kartika" pitchFamily="18" charset="0"/>
-                </a:rPr>
-                <a:t>Gilboa</a:t>
-              </a:r>
-              <a:endParaRPr lang="en-US" sz="1000" dirty="0">
-                <a:latin typeface="Arial Black" pitchFamily="34" charset="0"/>
-                <a:cs typeface="Kartika" pitchFamily="18" charset="0"/>
-              </a:endParaRPr>
-            </a:p>
-          </p:txBody>
-        </p:sp>
-        <p:sp>
-          <p:nvSpPr>
-            <p:cNvPr id="113" name="TextBox 112"/>
-            <p:cNvSpPr txBox="1"/>
-            <p:nvPr/>
-          </p:nvSpPr>
-          <p:spPr>
-            <a:xfrm>
-              <a:off x="1035182" y="3304401"/>
-              <a:ext cx="596637" cy="246221"/>
-            </a:xfrm>
-            <a:prstGeom prst="rect">
-              <a:avLst/>
-            </a:prstGeom>
-            <a:noFill/>
-          </p:spPr>
-          <p:txBody>
-            <a:bodyPr wrap="none" rtlCol="0">
-              <a:spAutoFit/>
-            </a:bodyPr>
-            <a:lstStyle/>
-            <a:p>
-              <a:pPr algn="ctr"/>
-              <a:r>
-                <a:rPr lang="en-US" sz="1000" b="1" i="1" dirty="0" smtClean="0">
-                  <a:solidFill>
-                    <a:schemeClr val="accent3">
-                      <a:lumMod val="50000"/>
-                    </a:schemeClr>
-                  </a:solidFill>
-                  <a:latin typeface="Corbel" pitchFamily="34" charset="0"/>
-                </a:rPr>
-                <a:t>{  ASM }</a:t>
-              </a:r>
-            </a:p>
-          </p:txBody>
-        </p:sp>
-      </p:grpSp>
-      <p:grpSp>
-        <p:nvGrpSpPr>
-          <p:cNvPr id="114" name="Group 113"/>
-          <p:cNvGrpSpPr/>
-          <p:nvPr/>
-        </p:nvGrpSpPr>
-        <p:grpSpPr>
-          <a:xfrm>
-            <a:off x="5553075" y="2438400"/>
-            <a:ext cx="1295400" cy="533400"/>
-            <a:chOff x="685800" y="3048000"/>
-            <a:chExt cx="1295400" cy="533400"/>
-          </a:xfrm>
-        </p:grpSpPr>
-        <p:sp>
-          <p:nvSpPr>
-            <p:cNvPr id="115" name="Rounded Rectangle 114"/>
-            <p:cNvSpPr/>
-            <p:nvPr/>
-          </p:nvSpPr>
-          <p:spPr>
-            <a:xfrm>
-              <a:off x="685800" y="3048000"/>
-              <a:ext cx="1295400" cy="533400"/>
-            </a:xfrm>
-            <a:prstGeom prst="roundRect">
-              <a:avLst/>
-            </a:prstGeom>
-            <a:solidFill>
-              <a:schemeClr val="accent3">
-                <a:lumMod val="40000"/>
-                <a:lumOff val="60000"/>
-              </a:schemeClr>
-            </a:solidFill>
-            <a:ln>
-              <a:solidFill>
-                <a:schemeClr val="accent3">
-                  <a:lumMod val="75000"/>
-                </a:schemeClr>
-              </a:solidFill>
-            </a:ln>
-          </p:spPr>
-          <p:style>
-            <a:lnRef idx="2">
-              <a:schemeClr val="accent1">
-                <a:shade val="50000"/>
-              </a:schemeClr>
-            </a:lnRef>
-            <a:fillRef idx="1">
-              <a:schemeClr val="accent1"/>
-            </a:fillRef>
-            <a:effectRef idx="0">
-              <a:schemeClr val="accent1"/>
-            </a:effectRef>
-            <a:fontRef idx="minor">
-              <a:schemeClr val="lt1"/>
-            </a:fontRef>
-          </p:style>
-          <p:txBody>
-            <a:bodyPr rtlCol="0" anchor="ctr"/>
-            <a:lstStyle/>
-            <a:p>
-              <a:pPr algn="ctr"/>
-              <a:endParaRPr lang="en-US"/>
-            </a:p>
-          </p:txBody>
-        </p:sp>
-        <p:sp>
-          <p:nvSpPr>
-            <p:cNvPr id="116" name="TextBox 115"/>
-            <p:cNvSpPr txBox="1"/>
-            <p:nvPr/>
-          </p:nvSpPr>
-          <p:spPr>
-            <a:xfrm>
-              <a:off x="721000" y="3124200"/>
-              <a:ext cx="1225015" cy="246221"/>
-            </a:xfrm>
-            <a:prstGeom prst="rect">
-              <a:avLst/>
-            </a:prstGeom>
-            <a:noFill/>
-          </p:spPr>
-          <p:txBody>
-            <a:bodyPr wrap="none" rtlCol="0">
-              <a:spAutoFit/>
-            </a:bodyPr>
-            <a:lstStyle/>
-            <a:p>
-              <a:pPr algn="ctr"/>
-              <a:r>
-                <a:rPr lang="en-US" sz="1000" dirty="0" smtClean="0">
-                  <a:latin typeface="Arial Black" pitchFamily="34" charset="0"/>
-                  <a:cs typeface="Kartika" pitchFamily="18" charset="0"/>
-                </a:rPr>
-                <a:t>Max </a:t>
-              </a:r>
-              <a:r>
-                <a:rPr lang="en-US" sz="1000" dirty="0" err="1" smtClean="0">
-                  <a:latin typeface="Arial Black" pitchFamily="34" charset="0"/>
-                  <a:cs typeface="Kartika" pitchFamily="18" charset="0"/>
-                </a:rPr>
-                <a:t>Uyematsu</a:t>
-              </a:r>
-              <a:endParaRPr lang="en-US" sz="1000" dirty="0">
-                <a:latin typeface="Arial Black" pitchFamily="34" charset="0"/>
-                <a:cs typeface="Kartika" pitchFamily="18" charset="0"/>
-              </a:endParaRPr>
-            </a:p>
-          </p:txBody>
-        </p:sp>
-        <p:sp>
-          <p:nvSpPr>
-            <p:cNvPr id="117" name="TextBox 116"/>
-            <p:cNvSpPr txBox="1"/>
-            <p:nvPr/>
-          </p:nvSpPr>
-          <p:spPr>
-            <a:xfrm>
-              <a:off x="1035182" y="3304401"/>
-              <a:ext cx="596637" cy="246221"/>
-            </a:xfrm>
-            <a:prstGeom prst="rect">
-              <a:avLst/>
-            </a:prstGeom>
-            <a:noFill/>
-          </p:spPr>
-          <p:txBody>
-            <a:bodyPr wrap="none" rtlCol="0">
-              <a:spAutoFit/>
-            </a:bodyPr>
-            <a:lstStyle/>
-            <a:p>
-              <a:pPr algn="ctr"/>
-              <a:r>
-                <a:rPr lang="en-US" sz="1000" b="1" i="1" dirty="0" smtClean="0">
-                  <a:solidFill>
-                    <a:schemeClr val="accent3">
-                      <a:lumMod val="50000"/>
-                    </a:schemeClr>
-                  </a:solidFill>
-                  <a:latin typeface="Corbel" pitchFamily="34" charset="0"/>
-                </a:rPr>
-                <a:t>{  ASM }</a:t>
-              </a:r>
-            </a:p>
-          </p:txBody>
-        </p:sp>
-      </p:grpSp>
-      <p:grpSp>
-        <p:nvGrpSpPr>
-          <p:cNvPr id="118" name="Group 117"/>
-          <p:cNvGrpSpPr/>
-          <p:nvPr/>
-        </p:nvGrpSpPr>
-        <p:grpSpPr>
-          <a:xfrm>
-            <a:off x="7200900" y="2457450"/>
-            <a:ext cx="1295400" cy="533400"/>
-            <a:chOff x="685800" y="3048000"/>
-            <a:chExt cx="1295400" cy="533400"/>
-          </a:xfrm>
-        </p:grpSpPr>
-        <p:sp>
-          <p:nvSpPr>
-            <p:cNvPr id="119" name="Rounded Rectangle 118"/>
-            <p:cNvSpPr/>
-            <p:nvPr/>
-          </p:nvSpPr>
-          <p:spPr>
-            <a:xfrm>
-              <a:off x="685800" y="3048000"/>
-              <a:ext cx="1295400" cy="533400"/>
-            </a:xfrm>
-            <a:prstGeom prst="roundRect">
-              <a:avLst/>
-            </a:prstGeom>
-            <a:solidFill>
-              <a:schemeClr val="accent3">
-                <a:lumMod val="40000"/>
-                <a:lumOff val="60000"/>
-              </a:schemeClr>
-            </a:solidFill>
-            <a:ln>
-              <a:solidFill>
-                <a:schemeClr val="accent3">
-                  <a:lumMod val="75000"/>
-                </a:schemeClr>
-              </a:solidFill>
-            </a:ln>
-          </p:spPr>
-          <p:style>
-            <a:lnRef idx="2">
-              <a:schemeClr val="accent1">
-                <a:shade val="50000"/>
-              </a:schemeClr>
-            </a:lnRef>
-            <a:fillRef idx="1">
-              <a:schemeClr val="accent1"/>
-            </a:fillRef>
-            <a:effectRef idx="0">
-              <a:schemeClr val="accent1"/>
-            </a:effectRef>
-            <a:fontRef idx="minor">
-              <a:schemeClr val="lt1"/>
-            </a:fontRef>
-          </p:style>
-          <p:txBody>
-            <a:bodyPr rtlCol="0" anchor="ctr"/>
-            <a:lstStyle/>
-            <a:p>
-              <a:pPr algn="ctr"/>
-              <a:endParaRPr lang="en-US"/>
-            </a:p>
-          </p:txBody>
-        </p:sp>
-        <p:sp>
-          <p:nvSpPr>
-            <p:cNvPr id="120" name="TextBox 119"/>
-            <p:cNvSpPr txBox="1"/>
-            <p:nvPr/>
-          </p:nvSpPr>
-          <p:spPr>
-            <a:xfrm>
-              <a:off x="882101" y="3124200"/>
-              <a:ext cx="902812" cy="246221"/>
-            </a:xfrm>
-            <a:prstGeom prst="rect">
-              <a:avLst/>
-            </a:prstGeom>
-            <a:noFill/>
-          </p:spPr>
-          <p:txBody>
-            <a:bodyPr wrap="none" rtlCol="0">
-              <a:spAutoFit/>
-            </a:bodyPr>
-            <a:lstStyle/>
-            <a:p>
-              <a:pPr algn="ctr"/>
-              <a:r>
-                <a:rPr lang="en-US" sz="1000" dirty="0" smtClean="0">
-                  <a:latin typeface="Arial Black" pitchFamily="34" charset="0"/>
-                  <a:cs typeface="Kartika" pitchFamily="18" charset="0"/>
-                </a:rPr>
-                <a:t>Rick Adolf</a:t>
-              </a:r>
-              <a:endParaRPr lang="en-US" sz="1000" dirty="0">
-                <a:latin typeface="Arial Black" pitchFamily="34" charset="0"/>
-                <a:cs typeface="Kartika" pitchFamily="18" charset="0"/>
-              </a:endParaRPr>
-            </a:p>
-          </p:txBody>
-        </p:sp>
-        <p:sp>
-          <p:nvSpPr>
-            <p:cNvPr id="121" name="TextBox 120"/>
-            <p:cNvSpPr txBox="1"/>
-            <p:nvPr/>
-          </p:nvSpPr>
-          <p:spPr>
-            <a:xfrm>
-              <a:off x="1035182" y="3304401"/>
-              <a:ext cx="596637" cy="246221"/>
-            </a:xfrm>
-            <a:prstGeom prst="rect">
-              <a:avLst/>
-            </a:prstGeom>
-            <a:noFill/>
-          </p:spPr>
-          <p:txBody>
-            <a:bodyPr wrap="none" rtlCol="0">
-              <a:spAutoFit/>
-            </a:bodyPr>
-            <a:lstStyle/>
-            <a:p>
-              <a:pPr algn="ctr"/>
-              <a:r>
-                <a:rPr lang="en-US" sz="1000" b="1" i="1" dirty="0" smtClean="0">
-                  <a:solidFill>
-                    <a:schemeClr val="accent3">
-                      <a:lumMod val="50000"/>
-                    </a:schemeClr>
-                  </a:solidFill>
-                  <a:latin typeface="Corbel" pitchFamily="34" charset="0"/>
-                </a:rPr>
-                <a:t>{  ASM }</a:t>
-              </a:r>
-            </a:p>
-          </p:txBody>
-        </p:sp>
-      </p:grpSp>
-      <p:grpSp>
-        <p:nvGrpSpPr>
-          <p:cNvPr id="122" name="Group 121"/>
-          <p:cNvGrpSpPr/>
-          <p:nvPr/>
-        </p:nvGrpSpPr>
-        <p:grpSpPr>
-          <a:xfrm>
-            <a:off x="7239000" y="3048000"/>
-            <a:ext cx="1295400" cy="533400"/>
-            <a:chOff x="685800" y="3048000"/>
-            <a:chExt cx="1295400" cy="533400"/>
-          </a:xfrm>
-        </p:grpSpPr>
-        <p:sp>
-          <p:nvSpPr>
-            <p:cNvPr id="123" name="Rounded Rectangle 122"/>
-            <p:cNvSpPr/>
-            <p:nvPr/>
-          </p:nvSpPr>
-          <p:spPr>
-            <a:xfrm>
-              <a:off x="685800" y="3048000"/>
-              <a:ext cx="1295400" cy="533400"/>
-            </a:xfrm>
-            <a:prstGeom prst="roundRect">
-              <a:avLst/>
-            </a:prstGeom>
-            <a:solidFill>
-              <a:schemeClr val="accent3">
-                <a:lumMod val="40000"/>
-                <a:lumOff val="60000"/>
-              </a:schemeClr>
-            </a:solidFill>
-            <a:ln>
-              <a:solidFill>
-                <a:schemeClr val="accent3">
-                  <a:lumMod val="75000"/>
-                </a:schemeClr>
-              </a:solidFill>
-            </a:ln>
-          </p:spPr>
-          <p:style>
-            <a:lnRef idx="2">
-              <a:schemeClr val="accent1">
-                <a:shade val="50000"/>
-              </a:schemeClr>
-            </a:lnRef>
-            <a:fillRef idx="1">
-              <a:schemeClr val="accent1"/>
-            </a:fillRef>
-            <a:effectRef idx="0">
-              <a:schemeClr val="accent1"/>
-            </a:effectRef>
-            <a:fontRef idx="minor">
-              <a:schemeClr val="lt1"/>
-            </a:fontRef>
-          </p:style>
-          <p:txBody>
-            <a:bodyPr rtlCol="0" anchor="ctr"/>
-            <a:lstStyle/>
-            <a:p>
-              <a:pPr algn="ctr"/>
-              <a:endParaRPr lang="en-US"/>
-            </a:p>
-          </p:txBody>
-        </p:sp>
-        <p:sp>
-          <p:nvSpPr>
-            <p:cNvPr id="124" name="TextBox 123"/>
-            <p:cNvSpPr txBox="1"/>
-            <p:nvPr/>
-          </p:nvSpPr>
-          <p:spPr>
-            <a:xfrm>
-              <a:off x="707375" y="3124200"/>
-              <a:ext cx="1252266" cy="246221"/>
-            </a:xfrm>
-            <a:prstGeom prst="rect">
-              <a:avLst/>
-            </a:prstGeom>
-            <a:noFill/>
-          </p:spPr>
-          <p:txBody>
-            <a:bodyPr wrap="none" rtlCol="0">
-              <a:spAutoFit/>
-            </a:bodyPr>
-            <a:lstStyle/>
-            <a:p>
-              <a:pPr algn="ctr"/>
-              <a:r>
-                <a:rPr lang="en-US" sz="1000" dirty="0" smtClean="0">
-                  <a:latin typeface="Arial Black" pitchFamily="34" charset="0"/>
-                  <a:cs typeface="Kartika" pitchFamily="18" charset="0"/>
-                </a:rPr>
-                <a:t>Stan Schneider</a:t>
-              </a:r>
-              <a:endParaRPr lang="en-US" sz="1000" dirty="0">
-                <a:latin typeface="Arial Black" pitchFamily="34" charset="0"/>
-                <a:cs typeface="Kartika" pitchFamily="18" charset="0"/>
-              </a:endParaRPr>
-            </a:p>
-          </p:txBody>
-        </p:sp>
-        <p:sp>
-          <p:nvSpPr>
-            <p:cNvPr id="125" name="TextBox 124"/>
-            <p:cNvSpPr txBox="1"/>
-            <p:nvPr/>
-          </p:nvSpPr>
-          <p:spPr>
-            <a:xfrm>
-              <a:off x="1035182" y="3304401"/>
-              <a:ext cx="596637" cy="246221"/>
-            </a:xfrm>
-            <a:prstGeom prst="rect">
-              <a:avLst/>
-            </a:prstGeom>
-            <a:noFill/>
-          </p:spPr>
-          <p:txBody>
-            <a:bodyPr wrap="none" rtlCol="0">
-              <a:spAutoFit/>
-            </a:bodyPr>
-            <a:lstStyle/>
-            <a:p>
-              <a:pPr algn="ctr"/>
-              <a:r>
-                <a:rPr lang="en-US" sz="1000" b="1" i="1" dirty="0" smtClean="0">
-                  <a:solidFill>
-                    <a:schemeClr val="accent3">
-                      <a:lumMod val="50000"/>
-                    </a:schemeClr>
-                  </a:solidFill>
-                  <a:latin typeface="Corbel" pitchFamily="34" charset="0"/>
-                </a:rPr>
-                <a:t>{  ASM }</a:t>
-              </a:r>
-            </a:p>
-          </p:txBody>
-        </p:sp>
-      </p:grpSp>
-      <p:grpSp>
-        <p:nvGrpSpPr>
-          <p:cNvPr id="130" name="Group 129"/>
-          <p:cNvGrpSpPr/>
-          <p:nvPr/>
-        </p:nvGrpSpPr>
-        <p:grpSpPr>
-          <a:xfrm>
-            <a:off x="7200900" y="1828800"/>
-            <a:ext cx="1295400" cy="533400"/>
-            <a:chOff x="685800" y="3048000"/>
-            <a:chExt cx="1295400" cy="533400"/>
-          </a:xfrm>
-        </p:grpSpPr>
-        <p:sp>
-          <p:nvSpPr>
-            <p:cNvPr id="131" name="Rounded Rectangle 130"/>
-            <p:cNvSpPr/>
-            <p:nvPr/>
-          </p:nvSpPr>
-          <p:spPr>
-            <a:xfrm>
-              <a:off x="685800" y="3048000"/>
-              <a:ext cx="1295400" cy="533400"/>
-            </a:xfrm>
-            <a:prstGeom prst="roundRect">
-              <a:avLst/>
-            </a:prstGeom>
-            <a:solidFill>
-              <a:schemeClr val="accent3">
-                <a:lumMod val="40000"/>
-                <a:lumOff val="60000"/>
-              </a:schemeClr>
-            </a:solidFill>
-            <a:ln>
-              <a:solidFill>
-                <a:schemeClr val="accent3">
-                  <a:lumMod val="75000"/>
-                </a:schemeClr>
-              </a:solidFill>
-            </a:ln>
-          </p:spPr>
-          <p:style>
-            <a:lnRef idx="2">
-              <a:schemeClr val="accent1">
-                <a:shade val="50000"/>
-              </a:schemeClr>
-            </a:lnRef>
-            <a:fillRef idx="1">
-              <a:schemeClr val="accent1"/>
-            </a:fillRef>
-            <a:effectRef idx="0">
-              <a:schemeClr val="accent1"/>
-            </a:effectRef>
-            <a:fontRef idx="minor">
-              <a:schemeClr val="lt1"/>
-            </a:fontRef>
-          </p:style>
-          <p:txBody>
-            <a:bodyPr rtlCol="0" anchor="ctr"/>
-            <a:lstStyle/>
-            <a:p>
-              <a:pPr algn="ctr"/>
-              <a:endParaRPr lang="en-US"/>
-            </a:p>
-          </p:txBody>
-        </p:sp>
-        <p:sp>
-          <p:nvSpPr>
-            <p:cNvPr id="132" name="TextBox 131"/>
-            <p:cNvSpPr txBox="1"/>
-            <p:nvPr/>
-          </p:nvSpPr>
-          <p:spPr>
-            <a:xfrm>
-              <a:off x="773899" y="3124200"/>
-              <a:ext cx="1119217" cy="246221"/>
-            </a:xfrm>
-            <a:prstGeom prst="rect">
-              <a:avLst/>
-            </a:prstGeom>
-            <a:noFill/>
-          </p:spPr>
-          <p:txBody>
-            <a:bodyPr wrap="none" rtlCol="0">
-              <a:spAutoFit/>
-            </a:bodyPr>
-            <a:lstStyle/>
-            <a:p>
-              <a:pPr algn="ctr"/>
-              <a:r>
-                <a:rPr lang="en-US" sz="1000" dirty="0" smtClean="0">
-                  <a:latin typeface="Arial Black" pitchFamily="34" charset="0"/>
-                  <a:cs typeface="Kartika" pitchFamily="18" charset="0"/>
-                </a:rPr>
-                <a:t>Riley Howard</a:t>
-              </a:r>
-              <a:endParaRPr lang="en-US" sz="1000" dirty="0">
-                <a:latin typeface="Arial Black" pitchFamily="34" charset="0"/>
-                <a:cs typeface="Kartika" pitchFamily="18" charset="0"/>
-              </a:endParaRPr>
-            </a:p>
-          </p:txBody>
-        </p:sp>
-        <p:sp>
-          <p:nvSpPr>
-            <p:cNvPr id="133" name="TextBox 132"/>
-            <p:cNvSpPr txBox="1"/>
-            <p:nvPr/>
-          </p:nvSpPr>
-          <p:spPr>
-            <a:xfrm>
-              <a:off x="1035182" y="3304401"/>
-              <a:ext cx="596637" cy="246221"/>
-            </a:xfrm>
-            <a:prstGeom prst="rect">
-              <a:avLst/>
-            </a:prstGeom>
-            <a:noFill/>
-          </p:spPr>
-          <p:txBody>
-            <a:bodyPr wrap="none" rtlCol="0">
-              <a:spAutoFit/>
-            </a:bodyPr>
-            <a:lstStyle/>
-            <a:p>
-              <a:pPr algn="ctr"/>
-              <a:r>
-                <a:rPr lang="en-US" sz="1000" b="1" i="1" dirty="0" smtClean="0">
-                  <a:solidFill>
-                    <a:schemeClr val="accent3">
-                      <a:lumMod val="50000"/>
-                    </a:schemeClr>
-                  </a:solidFill>
-                  <a:latin typeface="Corbel" pitchFamily="34" charset="0"/>
-                </a:rPr>
-                <a:t>{  ASM }</a:t>
-              </a:r>
-            </a:p>
-          </p:txBody>
-        </p:sp>
-      </p:grpSp>
-      <p:grpSp>
-        <p:nvGrpSpPr>
-          <p:cNvPr id="7" name="Group 6"/>
-          <p:cNvGrpSpPr/>
-          <p:nvPr/>
-        </p:nvGrpSpPr>
-        <p:grpSpPr>
-          <a:xfrm>
-            <a:off x="4038600" y="5774353"/>
-            <a:ext cx="1295400" cy="474047"/>
-            <a:chOff x="2886924" y="5898178"/>
-            <a:chExt cx="1295400" cy="474047"/>
-          </a:xfrm>
-        </p:grpSpPr>
-        <p:sp>
-          <p:nvSpPr>
-            <p:cNvPr id="135" name="Rounded Rectangle 134"/>
-            <p:cNvSpPr/>
-            <p:nvPr/>
-          </p:nvSpPr>
-          <p:spPr>
-            <a:xfrm>
-              <a:off x="2886924" y="5898178"/>
-              <a:ext cx="1295400" cy="457200"/>
-            </a:xfrm>
-            <a:prstGeom prst="roundRect">
-              <a:avLst/>
-            </a:prstGeom>
-            <a:solidFill>
-              <a:schemeClr val="accent3">
-                <a:lumMod val="40000"/>
-                <a:lumOff val="60000"/>
-              </a:schemeClr>
-            </a:solidFill>
-            <a:ln>
-              <a:solidFill>
-                <a:schemeClr val="accent3">
-                  <a:lumMod val="75000"/>
-                </a:schemeClr>
-              </a:solidFill>
-            </a:ln>
-          </p:spPr>
-          <p:style>
-            <a:lnRef idx="2">
-              <a:schemeClr val="accent1">
-                <a:shade val="50000"/>
-              </a:schemeClr>
-            </a:lnRef>
-            <a:fillRef idx="1">
-              <a:schemeClr val="accent1"/>
-            </a:fillRef>
-            <a:effectRef idx="0">
-              <a:schemeClr val="accent1"/>
-            </a:effectRef>
-            <a:fontRef idx="minor">
-              <a:schemeClr val="lt1"/>
-            </a:fontRef>
-          </p:style>
-          <p:txBody>
-            <a:bodyPr rtlCol="0" anchor="ctr"/>
-            <a:lstStyle/>
-            <a:p>
-              <a:pPr algn="ctr"/>
-              <a:endParaRPr lang="en-US"/>
-            </a:p>
-          </p:txBody>
-        </p:sp>
-        <p:sp>
-          <p:nvSpPr>
-            <p:cNvPr id="136" name="TextBox 135"/>
-            <p:cNvSpPr txBox="1"/>
-            <p:nvPr/>
-          </p:nvSpPr>
-          <p:spPr>
-            <a:xfrm>
-              <a:off x="3286169" y="5945803"/>
-              <a:ext cx="496932" cy="230832"/>
-            </a:xfrm>
-            <a:prstGeom prst="rect">
-              <a:avLst/>
-            </a:prstGeom>
-            <a:noFill/>
-          </p:spPr>
-          <p:txBody>
-            <a:bodyPr wrap="none" rtlCol="0">
-              <a:spAutoFit/>
-            </a:bodyPr>
-            <a:lstStyle/>
-            <a:p>
-              <a:pPr algn="ctr"/>
-              <a:r>
-                <a:rPr lang="en-US" sz="900" dirty="0" smtClean="0">
-                  <a:latin typeface="Arial Black" pitchFamily="34" charset="0"/>
-                  <a:cs typeface="Kartika" pitchFamily="18" charset="0"/>
-                </a:rPr>
-                <a:t>Ryan</a:t>
-              </a:r>
-              <a:endParaRPr lang="en-US" sz="900" dirty="0">
-                <a:latin typeface="Arial Black" pitchFamily="34" charset="0"/>
-                <a:cs typeface="Kartika" pitchFamily="18" charset="0"/>
-              </a:endParaRPr>
-            </a:p>
-          </p:txBody>
-        </p:sp>
-        <p:sp>
-          <p:nvSpPr>
-            <p:cNvPr id="137" name="TextBox 136"/>
-            <p:cNvSpPr txBox="1"/>
-            <p:nvPr/>
-          </p:nvSpPr>
-          <p:spPr>
-            <a:xfrm>
-              <a:off x="3009938" y="6126004"/>
-              <a:ext cx="1049380" cy="246221"/>
-            </a:xfrm>
-            <a:prstGeom prst="rect">
-              <a:avLst/>
-            </a:prstGeom>
-            <a:noFill/>
-          </p:spPr>
-          <p:txBody>
-            <a:bodyPr wrap="none" rtlCol="0">
-              <a:spAutoFit/>
-            </a:bodyPr>
-            <a:lstStyle/>
-            <a:p>
-              <a:pPr algn="ctr"/>
-              <a:r>
-                <a:rPr lang="en-US" sz="1000" b="1" i="1" dirty="0" smtClean="0">
-                  <a:solidFill>
-                    <a:schemeClr val="accent3">
-                      <a:lumMod val="50000"/>
-                    </a:schemeClr>
-                  </a:solidFill>
-                  <a:latin typeface="Corbel" pitchFamily="34" charset="0"/>
-                </a:rPr>
-                <a:t>{  Inception PL }</a:t>
-              </a:r>
-            </a:p>
-          </p:txBody>
-        </p:sp>
-      </p:grpSp>
-      <p:grpSp>
-        <p:nvGrpSpPr>
-          <p:cNvPr id="10" name="Group 9"/>
-          <p:cNvGrpSpPr/>
-          <p:nvPr/>
-        </p:nvGrpSpPr>
-        <p:grpSpPr>
-          <a:xfrm>
-            <a:off x="1752600" y="4724400"/>
-            <a:ext cx="1358584" cy="474047"/>
-            <a:chOff x="1721012" y="4876800"/>
-            <a:chExt cx="1358584" cy="474047"/>
-          </a:xfrm>
-        </p:grpSpPr>
-        <p:sp>
-          <p:nvSpPr>
-            <p:cNvPr id="139" name="Rounded Rectangle 138"/>
-            <p:cNvSpPr/>
-            <p:nvPr/>
-          </p:nvSpPr>
-          <p:spPr>
-            <a:xfrm>
-              <a:off x="1752600" y="4876800"/>
-              <a:ext cx="1295400" cy="457200"/>
-            </a:xfrm>
-            <a:prstGeom prst="roundRect">
-              <a:avLst/>
-            </a:prstGeom>
-            <a:solidFill>
-              <a:schemeClr val="accent3">
-                <a:lumMod val="40000"/>
-                <a:lumOff val="60000"/>
-              </a:schemeClr>
-            </a:solidFill>
-            <a:ln>
-              <a:solidFill>
-                <a:schemeClr val="accent3">
-                  <a:lumMod val="75000"/>
-                </a:schemeClr>
-              </a:solidFill>
-            </a:ln>
-          </p:spPr>
-          <p:style>
-            <a:lnRef idx="2">
-              <a:schemeClr val="accent1">
-                <a:shade val="50000"/>
-              </a:schemeClr>
-            </a:lnRef>
-            <a:fillRef idx="1">
-              <a:schemeClr val="accent1"/>
-            </a:fillRef>
-            <a:effectRef idx="0">
-              <a:schemeClr val="accent1"/>
-            </a:effectRef>
-            <a:fontRef idx="minor">
-              <a:schemeClr val="lt1"/>
-            </a:fontRef>
-          </p:style>
-          <p:txBody>
-            <a:bodyPr rtlCol="0" anchor="ctr"/>
-            <a:lstStyle/>
-            <a:p>
-              <a:pPr algn="ctr"/>
-              <a:endParaRPr lang="en-US"/>
-            </a:p>
-          </p:txBody>
-        </p:sp>
-        <p:sp>
-          <p:nvSpPr>
-            <p:cNvPr id="140" name="TextBox 139"/>
-            <p:cNvSpPr txBox="1"/>
-            <p:nvPr/>
-          </p:nvSpPr>
-          <p:spPr>
-            <a:xfrm>
-              <a:off x="2083255" y="4924425"/>
-              <a:ext cx="634102" cy="230832"/>
-            </a:xfrm>
-            <a:prstGeom prst="rect">
-              <a:avLst/>
-            </a:prstGeom>
-            <a:noFill/>
-          </p:spPr>
-          <p:txBody>
-            <a:bodyPr wrap="none" rtlCol="0">
-              <a:spAutoFit/>
-            </a:bodyPr>
-            <a:lstStyle/>
-            <a:p>
-              <a:pPr algn="ctr"/>
-              <a:r>
-                <a:rPr lang="en-US" sz="900" dirty="0" err="1" smtClean="0">
-                  <a:latin typeface="Arial Black" pitchFamily="34" charset="0"/>
-                  <a:cs typeface="Kartika" pitchFamily="18" charset="0"/>
-                </a:rPr>
-                <a:t>Jeevan</a:t>
-              </a:r>
-              <a:r>
-                <a:rPr lang="en-US" sz="900" dirty="0" smtClean="0">
-                  <a:latin typeface="Arial Black" pitchFamily="34" charset="0"/>
-                  <a:cs typeface="Kartika" pitchFamily="18" charset="0"/>
-                </a:rPr>
-                <a:t> </a:t>
-              </a:r>
-              <a:endParaRPr lang="en-US" sz="900" dirty="0">
-                <a:latin typeface="Arial Black" pitchFamily="34" charset="0"/>
-                <a:cs typeface="Kartika" pitchFamily="18" charset="0"/>
-              </a:endParaRPr>
-            </a:p>
-          </p:txBody>
-        </p:sp>
-        <p:sp>
-          <p:nvSpPr>
-            <p:cNvPr id="141" name="TextBox 140"/>
-            <p:cNvSpPr txBox="1"/>
-            <p:nvPr/>
-          </p:nvSpPr>
-          <p:spPr>
-            <a:xfrm>
-              <a:off x="1721012" y="5104626"/>
-              <a:ext cx="1358584" cy="246221"/>
-            </a:xfrm>
-            <a:prstGeom prst="rect">
-              <a:avLst/>
-            </a:prstGeom>
-            <a:noFill/>
-          </p:spPr>
-          <p:txBody>
-            <a:bodyPr wrap="none" rtlCol="0">
-              <a:spAutoFit/>
-            </a:bodyPr>
-            <a:lstStyle/>
-            <a:p>
-              <a:pPr algn="ctr"/>
-              <a:r>
-                <a:rPr lang="en-US" sz="1000" b="1" i="1" dirty="0" smtClean="0">
-                  <a:solidFill>
-                    <a:schemeClr val="accent3">
-                      <a:lumMod val="50000"/>
-                    </a:schemeClr>
-                  </a:solidFill>
-                  <a:latin typeface="Corbel" pitchFamily="34" charset="0"/>
-                </a:rPr>
-                <a:t>{  </a:t>
-              </a:r>
-              <a:r>
-                <a:rPr lang="en-US" sz="1000" b="1" i="1" dirty="0" err="1" smtClean="0">
-                  <a:solidFill>
-                    <a:schemeClr val="accent3">
-                      <a:lumMod val="50000"/>
-                    </a:schemeClr>
-                  </a:solidFill>
-                  <a:latin typeface="Corbel" pitchFamily="34" charset="0"/>
-                </a:rPr>
-                <a:t>Thundersharks</a:t>
-              </a:r>
-              <a:r>
-                <a:rPr lang="en-US" sz="1000" b="1" i="1" dirty="0" smtClean="0">
-                  <a:solidFill>
-                    <a:schemeClr val="accent3">
-                      <a:lumMod val="50000"/>
-                    </a:schemeClr>
-                  </a:solidFill>
-                  <a:latin typeface="Corbel" pitchFamily="34" charset="0"/>
-                </a:rPr>
-                <a:t> PL }</a:t>
-              </a:r>
-            </a:p>
-          </p:txBody>
-        </p:sp>
-      </p:grpSp>
-      <p:grpSp>
-        <p:nvGrpSpPr>
-          <p:cNvPr id="142" name="Group 141"/>
-          <p:cNvGrpSpPr/>
-          <p:nvPr/>
-        </p:nvGrpSpPr>
-        <p:grpSpPr>
-          <a:xfrm>
-            <a:off x="1667578" y="1828800"/>
-            <a:ext cx="1465466" cy="533400"/>
-            <a:chOff x="600778" y="3048000"/>
-            <a:chExt cx="1465466" cy="533400"/>
-          </a:xfrm>
-        </p:grpSpPr>
-        <p:sp>
-          <p:nvSpPr>
-            <p:cNvPr id="143" name="Rounded Rectangle 142"/>
-            <p:cNvSpPr/>
-            <p:nvPr/>
-          </p:nvSpPr>
-          <p:spPr>
-            <a:xfrm>
-              <a:off x="685800" y="3048000"/>
-              <a:ext cx="1295400" cy="533400"/>
-            </a:xfrm>
-            <a:prstGeom prst="roundRect">
-              <a:avLst/>
-            </a:prstGeom>
-            <a:solidFill>
-              <a:schemeClr val="accent3">
-                <a:lumMod val="40000"/>
-                <a:lumOff val="60000"/>
-              </a:schemeClr>
-            </a:solidFill>
-            <a:ln>
-              <a:solidFill>
-                <a:schemeClr val="accent3">
-                  <a:lumMod val="75000"/>
-                </a:schemeClr>
-              </a:solidFill>
-            </a:ln>
-          </p:spPr>
-          <p:style>
-            <a:lnRef idx="2">
-              <a:schemeClr val="accent1">
-                <a:shade val="50000"/>
-              </a:schemeClr>
-            </a:lnRef>
-            <a:fillRef idx="1">
-              <a:schemeClr val="accent1"/>
-            </a:fillRef>
-            <a:effectRef idx="0">
-              <a:schemeClr val="accent1"/>
-            </a:effectRef>
-            <a:fontRef idx="minor">
-              <a:schemeClr val="lt1"/>
-            </a:fontRef>
-          </p:style>
-          <p:txBody>
-            <a:bodyPr rtlCol="0" anchor="ctr"/>
-            <a:lstStyle/>
-            <a:p>
-              <a:pPr algn="ctr"/>
-              <a:endParaRPr lang="en-US"/>
-            </a:p>
-          </p:txBody>
-        </p:sp>
-        <p:sp>
-          <p:nvSpPr>
-            <p:cNvPr id="144" name="TextBox 143"/>
-            <p:cNvSpPr txBox="1"/>
-            <p:nvPr/>
-          </p:nvSpPr>
-          <p:spPr>
-            <a:xfrm>
-              <a:off x="600778" y="3124200"/>
-              <a:ext cx="1465466" cy="246221"/>
-            </a:xfrm>
-            <a:prstGeom prst="rect">
-              <a:avLst/>
-            </a:prstGeom>
-            <a:noFill/>
-          </p:spPr>
-          <p:txBody>
-            <a:bodyPr wrap="none" rtlCol="0">
-              <a:spAutoFit/>
-            </a:bodyPr>
-            <a:lstStyle/>
-            <a:p>
-              <a:pPr algn="ctr"/>
-              <a:r>
-                <a:rPr lang="en-US" sz="1000" dirty="0" err="1" smtClean="0">
-                  <a:latin typeface="Arial Black" pitchFamily="34" charset="0"/>
-                  <a:cs typeface="Kartika" pitchFamily="18" charset="0"/>
-                </a:rPr>
-                <a:t>Mukund</a:t>
-              </a:r>
-              <a:r>
-                <a:rPr lang="en-US" sz="1000" dirty="0" smtClean="0">
-                  <a:latin typeface="Arial Black" pitchFamily="34" charset="0"/>
-                  <a:cs typeface="Kartika" pitchFamily="18" charset="0"/>
-                </a:rPr>
-                <a:t> </a:t>
-              </a:r>
-              <a:r>
-                <a:rPr lang="en-US" sz="1000" dirty="0" err="1" smtClean="0">
-                  <a:latin typeface="Arial Black" pitchFamily="34" charset="0"/>
-                  <a:cs typeface="Kartika" pitchFamily="18" charset="0"/>
-                </a:rPr>
-                <a:t>Madhugiri</a:t>
-              </a:r>
-              <a:endParaRPr lang="en-US" sz="1000" dirty="0">
-                <a:latin typeface="Arial Black" pitchFamily="34" charset="0"/>
-                <a:cs typeface="Kartika" pitchFamily="18" charset="0"/>
-              </a:endParaRPr>
-            </a:p>
-          </p:txBody>
-        </p:sp>
-        <p:sp>
-          <p:nvSpPr>
-            <p:cNvPr id="145" name="TextBox 144"/>
-            <p:cNvSpPr txBox="1"/>
-            <p:nvPr/>
-          </p:nvSpPr>
-          <p:spPr>
-            <a:xfrm>
-              <a:off x="1035182" y="3304401"/>
-              <a:ext cx="596637" cy="246221"/>
-            </a:xfrm>
-            <a:prstGeom prst="rect">
-              <a:avLst/>
-            </a:prstGeom>
-            <a:noFill/>
-          </p:spPr>
-          <p:txBody>
-            <a:bodyPr wrap="none" rtlCol="0">
-              <a:spAutoFit/>
-            </a:bodyPr>
-            <a:lstStyle/>
-            <a:p>
-              <a:pPr algn="ctr"/>
-              <a:r>
-                <a:rPr lang="en-US" sz="1000" b="1" i="1" dirty="0" smtClean="0">
-                  <a:solidFill>
-                    <a:schemeClr val="accent3">
-                      <a:lumMod val="50000"/>
-                    </a:schemeClr>
-                  </a:solidFill>
-                  <a:latin typeface="Corbel" pitchFamily="34" charset="0"/>
-                </a:rPr>
-                <a:t>{  ASM }</a:t>
-              </a:r>
-            </a:p>
-          </p:txBody>
-        </p:sp>
-      </p:grpSp>
-      <p:grpSp>
-        <p:nvGrpSpPr>
-          <p:cNvPr id="12" name="Group 11"/>
-          <p:cNvGrpSpPr/>
-          <p:nvPr/>
-        </p:nvGrpSpPr>
-        <p:grpSpPr>
-          <a:xfrm>
-            <a:off x="5562600" y="5410200"/>
-            <a:ext cx="1295400" cy="474047"/>
-            <a:chOff x="6477000" y="5638800"/>
-            <a:chExt cx="1295400" cy="474047"/>
-          </a:xfrm>
-        </p:grpSpPr>
-        <p:sp>
-          <p:nvSpPr>
-            <p:cNvPr id="126" name="Rounded Rectangle 125"/>
-            <p:cNvSpPr/>
-            <p:nvPr/>
-          </p:nvSpPr>
-          <p:spPr>
-            <a:xfrm>
-              <a:off x="6477000" y="5638800"/>
-              <a:ext cx="1295400" cy="457200"/>
-            </a:xfrm>
-            <a:prstGeom prst="roundRect">
-              <a:avLst/>
-            </a:prstGeom>
-            <a:solidFill>
-              <a:schemeClr val="accent3">
-                <a:lumMod val="40000"/>
-                <a:lumOff val="60000"/>
-              </a:schemeClr>
-            </a:solidFill>
-            <a:ln>
-              <a:solidFill>
-                <a:schemeClr val="accent3">
-                  <a:lumMod val="75000"/>
-                </a:schemeClr>
-              </a:solidFill>
-            </a:ln>
-          </p:spPr>
-          <p:style>
-            <a:lnRef idx="2">
-              <a:schemeClr val="accent1">
-                <a:shade val="50000"/>
-              </a:schemeClr>
-            </a:lnRef>
-            <a:fillRef idx="1">
-              <a:schemeClr val="accent1"/>
-            </a:fillRef>
-            <a:effectRef idx="0">
-              <a:schemeClr val="accent1"/>
-            </a:effectRef>
-            <a:fontRef idx="minor">
-              <a:schemeClr val="lt1"/>
-            </a:fontRef>
-          </p:style>
-          <p:txBody>
-            <a:bodyPr rtlCol="0" anchor="ctr"/>
-            <a:lstStyle/>
-            <a:p>
-              <a:pPr algn="ctr"/>
-              <a:endParaRPr lang="en-US"/>
-            </a:p>
-          </p:txBody>
-        </p:sp>
-        <p:sp>
-          <p:nvSpPr>
-            <p:cNvPr id="127" name="TextBox 126"/>
-            <p:cNvSpPr txBox="1"/>
-            <p:nvPr/>
-          </p:nvSpPr>
-          <p:spPr>
-            <a:xfrm>
-              <a:off x="6807906" y="5686425"/>
-              <a:ext cx="633594" cy="230832"/>
-            </a:xfrm>
-            <a:prstGeom prst="rect">
-              <a:avLst/>
-            </a:prstGeom>
-            <a:noFill/>
-          </p:spPr>
-          <p:txBody>
-            <a:bodyPr wrap="none" rtlCol="0">
-              <a:spAutoFit/>
-            </a:bodyPr>
-            <a:lstStyle/>
-            <a:p>
-              <a:pPr algn="ctr"/>
-              <a:r>
-                <a:rPr lang="en-US" sz="900" dirty="0" err="1" smtClean="0">
-                  <a:latin typeface="Arial Black" pitchFamily="34" charset="0"/>
-                  <a:cs typeface="Kartika" pitchFamily="18" charset="0"/>
-                </a:rPr>
-                <a:t>Chetan</a:t>
-              </a:r>
-              <a:endParaRPr lang="en-US" sz="900" dirty="0">
-                <a:latin typeface="Arial Black" pitchFamily="34" charset="0"/>
-                <a:cs typeface="Kartika" pitchFamily="18" charset="0"/>
-              </a:endParaRPr>
-            </a:p>
-          </p:txBody>
-        </p:sp>
-        <p:sp>
-          <p:nvSpPr>
-            <p:cNvPr id="128" name="TextBox 127"/>
-            <p:cNvSpPr txBox="1"/>
-            <p:nvPr/>
-          </p:nvSpPr>
-          <p:spPr>
-            <a:xfrm>
-              <a:off x="6677411" y="5866626"/>
-              <a:ext cx="894590" cy="246221"/>
-            </a:xfrm>
-            <a:prstGeom prst="rect">
-              <a:avLst/>
-            </a:prstGeom>
-            <a:noFill/>
-          </p:spPr>
-          <p:txBody>
-            <a:bodyPr wrap="none" rtlCol="0">
-              <a:spAutoFit/>
-            </a:bodyPr>
-            <a:lstStyle/>
-            <a:p>
-              <a:pPr algn="ctr"/>
-              <a:r>
-                <a:rPr lang="en-US" sz="1000" b="1" i="1" dirty="0" smtClean="0">
-                  <a:solidFill>
-                    <a:schemeClr val="accent3">
-                      <a:lumMod val="50000"/>
-                    </a:schemeClr>
-                  </a:solidFill>
-                  <a:latin typeface="Corbel" pitchFamily="34" charset="0"/>
-                </a:rPr>
-                <a:t>{  Senior PL }</a:t>
-              </a:r>
-            </a:p>
-          </p:txBody>
-        </p:sp>
-      </p:grpSp>
-      <p:sp>
-        <p:nvSpPr>
-          <p:cNvPr id="96" name="Rounded Rectangle 95"/>
-          <p:cNvSpPr/>
-          <p:nvPr/>
-        </p:nvSpPr>
-        <p:spPr>
-          <a:xfrm>
-            <a:off x="6172200" y="457200"/>
-            <a:ext cx="1295400" cy="533400"/>
-          </a:xfrm>
-          <a:prstGeom prst="roundRect">
-            <a:avLst/>
-          </a:prstGeom>
-          <a:solidFill>
-            <a:schemeClr val="accent3">
-              <a:lumMod val="40000"/>
-              <a:lumOff val="60000"/>
-            </a:schemeClr>
-          </a:solidFill>
-          <a:ln>
-            <a:solidFill>
-              <a:schemeClr val="accent3">
-                <a:lumMod val="75000"/>
-              </a:schemeClr>
-            </a:solidFill>
-          </a:ln>
-        </p:spPr>
-        <p:style>
-          <a:lnRef idx="2">
-            <a:schemeClr val="accent1">
-              <a:shade val="50000"/>
-            </a:schemeClr>
-          </a:lnRef>
-          <a:fillRef idx="1">
-            <a:schemeClr val="accent1"/>
-          </a:fillRef>
-          <a:effectRef idx="0">
-            <a:schemeClr val="accent1"/>
-          </a:effectRef>
-          <a:fontRef idx="minor">
-            <a:schemeClr val="lt1"/>
-          </a:fontRef>
-        </p:style>
-        <p:txBody>
-          <a:bodyPr rtlCol="0" anchor="ctr"/>
-          <a:lstStyle/>
-          <a:p>
-            <a:pPr algn="ctr"/>
-            <a:endParaRPr lang="en-US"/>
-          </a:p>
-        </p:txBody>
-      </p:sp>
-      <p:sp>
-        <p:nvSpPr>
-          <p:cNvPr id="97" name="TextBox 96"/>
-          <p:cNvSpPr txBox="1"/>
-          <p:nvPr/>
-        </p:nvSpPr>
-        <p:spPr>
-          <a:xfrm>
-            <a:off x="6246459" y="533400"/>
-            <a:ext cx="1146906" cy="246221"/>
-          </a:xfrm>
-          <a:prstGeom prst="rect">
-            <a:avLst/>
-          </a:prstGeom>
-          <a:noFill/>
-        </p:spPr>
-        <p:txBody>
-          <a:bodyPr wrap="none" rtlCol="0">
-            <a:spAutoFit/>
-          </a:bodyPr>
-          <a:lstStyle/>
-          <a:p>
-            <a:pPr algn="ctr"/>
-            <a:r>
-              <a:rPr lang="en-US" sz="1000" dirty="0" smtClean="0">
-                <a:latin typeface="Arial Black" pitchFamily="34" charset="0"/>
-                <a:cs typeface="Kartika" pitchFamily="18" charset="0"/>
-              </a:rPr>
-              <a:t>&lt;new parent&gt;</a:t>
-            </a:r>
-            <a:endParaRPr lang="en-US" sz="1000" dirty="0">
-              <a:latin typeface="Arial Black" pitchFamily="34" charset="0"/>
-              <a:cs typeface="Kartika" pitchFamily="18" charset="0"/>
-            </a:endParaRPr>
-          </a:p>
-        </p:txBody>
-      </p:sp>
-      <p:sp>
-        <p:nvSpPr>
-          <p:cNvPr id="98" name="TextBox 97"/>
-          <p:cNvSpPr txBox="1"/>
-          <p:nvPr/>
-        </p:nvSpPr>
-        <p:spPr>
-          <a:xfrm>
-            <a:off x="6521582" y="713601"/>
-            <a:ext cx="596637" cy="246221"/>
-          </a:xfrm>
-          <a:prstGeom prst="rect">
-            <a:avLst/>
-          </a:prstGeom>
-          <a:noFill/>
-        </p:spPr>
-        <p:txBody>
-          <a:bodyPr wrap="none" rtlCol="0">
-            <a:spAutoFit/>
-          </a:bodyPr>
-          <a:lstStyle/>
-          <a:p>
-            <a:pPr algn="ctr"/>
-            <a:r>
-              <a:rPr lang="en-US" sz="1000" b="1" i="1" dirty="0" smtClean="0">
-                <a:solidFill>
-                  <a:schemeClr val="accent3">
-                    <a:lumMod val="50000"/>
-                  </a:schemeClr>
-                </a:solidFill>
-                <a:latin typeface="Corbel" pitchFamily="34" charset="0"/>
-              </a:rPr>
-              <a:t>{  ASM }</a:t>
-            </a:r>
-          </a:p>
-        </p:txBody>
-      </p:sp>
-      <p:sp>
-        <p:nvSpPr>
-          <p:cNvPr id="99" name="Rounded Rectangle 98"/>
-          <p:cNvSpPr/>
-          <p:nvPr/>
-        </p:nvSpPr>
-        <p:spPr>
-          <a:xfrm>
-            <a:off x="7620000" y="762000"/>
-            <a:ext cx="1295400" cy="533400"/>
-          </a:xfrm>
-          <a:prstGeom prst="roundRect">
-            <a:avLst/>
-          </a:prstGeom>
-          <a:solidFill>
-            <a:schemeClr val="accent3">
-              <a:lumMod val="40000"/>
-              <a:lumOff val="60000"/>
-            </a:schemeClr>
-          </a:solidFill>
-          <a:ln>
-            <a:solidFill>
-              <a:schemeClr val="accent3">
-                <a:lumMod val="75000"/>
-              </a:schemeClr>
-            </a:solidFill>
-          </a:ln>
-        </p:spPr>
-        <p:style>
-          <a:lnRef idx="2">
-            <a:schemeClr val="accent1">
-              <a:shade val="50000"/>
-            </a:schemeClr>
-          </a:lnRef>
-          <a:fillRef idx="1">
-            <a:schemeClr val="accent1"/>
-          </a:fillRef>
-          <a:effectRef idx="0">
-            <a:schemeClr val="accent1"/>
-          </a:effectRef>
-          <a:fontRef idx="minor">
-            <a:schemeClr val="lt1"/>
-          </a:fontRef>
-        </p:style>
-        <p:txBody>
-          <a:bodyPr rtlCol="0" anchor="ctr"/>
-          <a:lstStyle/>
-          <a:p>
-            <a:pPr algn="ctr"/>
-            <a:endParaRPr lang="en-US"/>
-          </a:p>
-        </p:txBody>
-      </p:sp>
-      <p:sp>
-        <p:nvSpPr>
-          <p:cNvPr id="101" name="TextBox 100"/>
-          <p:cNvSpPr txBox="1"/>
-          <p:nvPr/>
-        </p:nvSpPr>
-        <p:spPr>
-          <a:xfrm>
-            <a:off x="7694259" y="838200"/>
-            <a:ext cx="1146906" cy="246221"/>
-          </a:xfrm>
-          <a:prstGeom prst="rect">
-            <a:avLst/>
-          </a:prstGeom>
-          <a:noFill/>
-        </p:spPr>
-        <p:txBody>
-          <a:bodyPr wrap="none" rtlCol="0">
-            <a:spAutoFit/>
-          </a:bodyPr>
-          <a:lstStyle/>
-          <a:p>
-            <a:pPr algn="ctr"/>
-            <a:r>
-              <a:rPr lang="en-US" sz="1000" dirty="0" smtClean="0">
-                <a:latin typeface="Arial Black" pitchFamily="34" charset="0"/>
-                <a:cs typeface="Kartika" pitchFamily="18" charset="0"/>
-              </a:rPr>
-              <a:t>&lt;new parent&gt;</a:t>
-            </a:r>
-            <a:endParaRPr lang="en-US" sz="1000" dirty="0">
-              <a:latin typeface="Arial Black" pitchFamily="34" charset="0"/>
-              <a:cs typeface="Kartika" pitchFamily="18" charset="0"/>
-            </a:endParaRPr>
-          </a:p>
-        </p:txBody>
-      </p:sp>
-      <p:sp>
-        <p:nvSpPr>
-          <p:cNvPr id="102" name="TextBox 101"/>
-          <p:cNvSpPr txBox="1"/>
-          <p:nvPr/>
-        </p:nvSpPr>
-        <p:spPr>
-          <a:xfrm>
-            <a:off x="7969382" y="1018401"/>
-            <a:ext cx="596637" cy="246221"/>
-          </a:xfrm>
-          <a:prstGeom prst="rect">
-            <a:avLst/>
-          </a:prstGeom>
-          <a:noFill/>
-        </p:spPr>
-        <p:txBody>
-          <a:bodyPr wrap="none" rtlCol="0">
-            <a:spAutoFit/>
-          </a:bodyPr>
-          <a:lstStyle/>
-          <a:p>
-            <a:pPr algn="ctr"/>
-            <a:r>
-              <a:rPr lang="en-US" sz="1000" b="1" i="1" dirty="0" smtClean="0">
-                <a:solidFill>
-                  <a:schemeClr val="accent3">
-                    <a:lumMod val="50000"/>
-                  </a:schemeClr>
-                </a:solidFill>
-                <a:latin typeface="Corbel" pitchFamily="34" charset="0"/>
-              </a:rPr>
-              <a:t>{  ASM }</a:t>
-            </a:r>
-          </a:p>
-        </p:txBody>
-      </p:sp>
-      <p:sp>
-        <p:nvSpPr>
-          <p:cNvPr id="2" name="TextBox 1"/>
-          <p:cNvSpPr txBox="1"/>
-          <p:nvPr/>
-        </p:nvSpPr>
-        <p:spPr>
-          <a:xfrm rot="19701091">
-            <a:off x="104879" y="4239527"/>
-            <a:ext cx="4161428" cy="707886"/>
-          </a:xfrm>
-          <a:prstGeom prst="rect">
-            <a:avLst/>
-          </a:prstGeom>
-          <a:noFill/>
-        </p:spPr>
-        <p:txBody>
-          <a:bodyPr wrap="none" rtlCol="0">
-            <a:spAutoFit/>
-          </a:bodyPr>
-          <a:lstStyle/>
-          <a:p>
-            <a:r>
-              <a:rPr lang="en-US" sz="4000" i="1" dirty="0" smtClean="0">
-                <a:solidFill>
-                  <a:srgbClr val="FF0000"/>
-                </a:solidFill>
-              </a:rPr>
-              <a:t>… to be updated …</a:t>
-            </a:r>
-            <a:endParaRPr lang="en-US" sz="4000" i="1" dirty="0">
-              <a:solidFill>
-                <a:srgbClr val="FF0000"/>
-              </a:solidFill>
-            </a:endParaRPr>
-          </a:p>
-        </p:txBody>
-      </p:sp>
+      <p:graphicFrame>
+        <p:nvGraphicFramePr>
+          <p:cNvPr id="4" name="Table 3"/>
+          <p:cNvGraphicFramePr>
+            <a:graphicFrameLocks noGrp="1"/>
+          </p:cNvGraphicFramePr>
+          <p:nvPr>
+            <p:extLst>
+              <p:ext uri="{D42A27DB-BD31-4B8C-83A1-F6EECF244321}">
+                <p14:modId xmlns:p14="http://schemas.microsoft.com/office/powerpoint/2010/main" val="123627131"/>
+              </p:ext>
+            </p:extLst>
+          </p:nvPr>
+        </p:nvGraphicFramePr>
+        <p:xfrm>
+          <a:off x="134145" y="139176"/>
+          <a:ext cx="3581400" cy="6183119"/>
+        </p:xfrm>
+        <a:graphic>
+          <a:graphicData uri="http://schemas.openxmlformats.org/drawingml/2006/table">
+            <a:tbl>
+              <a:tblPr firstRow="1" bandRow="1">
+                <a:tableStyleId>{69C7853C-536D-4A76-A0AE-DD22124D55A5}</a:tableStyleId>
+              </a:tblPr>
+              <a:tblGrid>
+                <a:gridCol w="1106978"/>
+                <a:gridCol w="2474422"/>
+              </a:tblGrid>
+              <a:tr h="320040">
+                <a:tc>
+                  <a:txBody>
+                    <a:bodyPr/>
+                    <a:lstStyle/>
+                    <a:p>
+                      <a:pPr algn="ctr"/>
+                      <a:r>
+                        <a:rPr lang="en-US" sz="1000" dirty="0" smtClean="0"/>
+                        <a:t>Scout</a:t>
+                      </a:r>
+                      <a:endParaRPr lang="en-US" sz="1000" dirty="0"/>
+                    </a:p>
+                  </a:txBody>
+                  <a:tcPr/>
+                </a:tc>
+                <a:tc>
+                  <a:txBody>
+                    <a:bodyPr/>
+                    <a:lstStyle/>
+                    <a:p>
+                      <a:pPr marL="0" marR="0" indent="0" algn="ctr" defTabSz="914400" rtl="0" eaLnBrk="1" fontAlgn="auto" latinLnBrk="0" hangingPunct="1">
+                        <a:lnSpc>
+                          <a:spcPct val="100000"/>
+                        </a:lnSpc>
+                        <a:spcBef>
+                          <a:spcPts val="0"/>
+                        </a:spcBef>
+                        <a:spcAft>
+                          <a:spcPts val="0"/>
+                        </a:spcAft>
+                        <a:buClrTx/>
+                        <a:buSzTx/>
+                        <a:buFontTx/>
+                        <a:buNone/>
+                        <a:tabLst/>
+                        <a:defRPr/>
+                      </a:pPr>
+                      <a:r>
+                        <a:rPr lang="en-US" sz="1000" dirty="0" smtClean="0"/>
+                        <a:t>Position</a:t>
+                      </a:r>
+                      <a:endParaRPr lang="en-US" sz="1000" dirty="0" smtClean="0"/>
+                    </a:p>
+                    <a:p>
+                      <a:pPr algn="ctr"/>
+                      <a:endParaRPr lang="en-US" sz="1000" dirty="0"/>
+                    </a:p>
+                  </a:txBody>
+                  <a:tcPr/>
+                </a:tc>
+              </a:tr>
+              <a:tr h="320354">
+                <a:tc>
+                  <a:txBody>
+                    <a:bodyPr/>
+                    <a:lstStyle/>
+                    <a:p>
+                      <a:pPr marL="0" marR="0">
+                        <a:lnSpc>
+                          <a:spcPct val="115000"/>
+                        </a:lnSpc>
+                        <a:spcBef>
+                          <a:spcPts val="0"/>
+                        </a:spcBef>
+                        <a:spcAft>
+                          <a:spcPts val="0"/>
+                        </a:spcAft>
+                      </a:pPr>
+                      <a:r>
+                        <a:rPr lang="en-US" sz="1000" b="1" dirty="0">
+                          <a:solidFill>
+                            <a:srgbClr val="000000"/>
+                          </a:solidFill>
+                          <a:effectLst/>
+                          <a:latin typeface="Calibri"/>
+                          <a:ea typeface="Calibri"/>
+                          <a:cs typeface="Times New Roman"/>
+                        </a:rPr>
+                        <a:t>Scott </a:t>
+                      </a:r>
+                      <a:r>
+                        <a:rPr lang="en-US" sz="1000" b="1" dirty="0" err="1">
+                          <a:solidFill>
+                            <a:srgbClr val="000000"/>
+                          </a:solidFill>
+                          <a:effectLst/>
+                          <a:latin typeface="Calibri"/>
+                          <a:ea typeface="Calibri"/>
+                          <a:cs typeface="Times New Roman"/>
+                        </a:rPr>
+                        <a:t>Wilford</a:t>
+                      </a:r>
+                      <a:endParaRPr lang="en-US" sz="1000" dirty="0">
+                        <a:solidFill>
+                          <a:srgbClr val="000000"/>
+                        </a:solidFill>
+                        <a:effectLst/>
+                        <a:latin typeface="Calibri"/>
+                        <a:ea typeface="Calibri"/>
+                        <a:cs typeface="Times New Roman"/>
+                      </a:endParaRPr>
+                    </a:p>
+                  </a:txBody>
+                  <a:tcPr marL="68580" marR="68580" marT="0" marB="0"/>
+                </a:tc>
+                <a:tc>
+                  <a:txBody>
+                    <a:bodyPr/>
+                    <a:lstStyle/>
+                    <a:p>
+                      <a:pPr marL="0" marR="0">
+                        <a:lnSpc>
+                          <a:spcPct val="115000"/>
+                        </a:lnSpc>
+                        <a:spcBef>
+                          <a:spcPts val="0"/>
+                        </a:spcBef>
+                        <a:spcAft>
+                          <a:spcPts val="0"/>
+                        </a:spcAft>
+                      </a:pPr>
+                      <a:r>
+                        <a:rPr lang="en-US" sz="1000" b="0" dirty="0">
+                          <a:solidFill>
+                            <a:srgbClr val="000000"/>
+                          </a:solidFill>
+                          <a:effectLst/>
+                          <a:latin typeface="Calibri"/>
+                          <a:ea typeface="Calibri"/>
+                          <a:cs typeface="Times New Roman"/>
+                        </a:rPr>
+                        <a:t>Senior Patrol Leader</a:t>
+                      </a:r>
+                    </a:p>
+                  </a:txBody>
+                  <a:tcPr marL="68580" marR="68580" marT="0" marB="0"/>
+                </a:tc>
+              </a:tr>
+              <a:tr h="320354">
+                <a:tc>
+                  <a:txBody>
+                    <a:bodyPr/>
+                    <a:lstStyle/>
+                    <a:p>
+                      <a:pPr marL="0" marR="0">
+                        <a:lnSpc>
+                          <a:spcPct val="115000"/>
+                        </a:lnSpc>
+                        <a:spcBef>
+                          <a:spcPts val="0"/>
+                        </a:spcBef>
+                        <a:spcAft>
+                          <a:spcPts val="0"/>
+                        </a:spcAft>
+                      </a:pPr>
+                      <a:r>
+                        <a:rPr lang="en-US" sz="1000" b="1">
+                          <a:solidFill>
+                            <a:srgbClr val="000000"/>
+                          </a:solidFill>
+                          <a:effectLst/>
+                          <a:latin typeface="Calibri"/>
+                          <a:ea typeface="Calibri"/>
+                          <a:cs typeface="Times New Roman"/>
+                        </a:rPr>
+                        <a:t>Nick Klein</a:t>
+                      </a:r>
+                      <a:endParaRPr lang="en-US" sz="1000">
+                        <a:solidFill>
+                          <a:srgbClr val="000000"/>
+                        </a:solidFill>
+                        <a:effectLst/>
+                        <a:latin typeface="Calibri"/>
+                        <a:ea typeface="Calibri"/>
+                        <a:cs typeface="Times New Roman"/>
+                      </a:endParaRPr>
+                    </a:p>
+                  </a:txBody>
+                  <a:tcPr marL="68580" marR="68580" marT="0" marB="0"/>
+                </a:tc>
+                <a:tc>
+                  <a:txBody>
+                    <a:bodyPr/>
+                    <a:lstStyle/>
+                    <a:p>
+                      <a:pPr marL="0" marR="0">
+                        <a:lnSpc>
+                          <a:spcPct val="115000"/>
+                        </a:lnSpc>
+                        <a:spcBef>
+                          <a:spcPts val="0"/>
+                        </a:spcBef>
+                        <a:spcAft>
+                          <a:spcPts val="0"/>
+                        </a:spcAft>
+                      </a:pPr>
+                      <a:r>
+                        <a:rPr lang="en-US" sz="1000">
+                          <a:solidFill>
+                            <a:srgbClr val="000000"/>
+                          </a:solidFill>
+                          <a:effectLst/>
+                          <a:latin typeface="Calibri"/>
+                          <a:ea typeface="Calibri"/>
+                          <a:cs typeface="Times New Roman"/>
+                        </a:rPr>
+                        <a:t>Assistant Senior Patrol Leader</a:t>
+                      </a:r>
+                    </a:p>
+                  </a:txBody>
+                  <a:tcPr marL="68580" marR="68580" marT="0" marB="0"/>
+                </a:tc>
+              </a:tr>
+              <a:tr h="320354">
+                <a:tc>
+                  <a:txBody>
+                    <a:bodyPr/>
+                    <a:lstStyle/>
+                    <a:p>
+                      <a:pPr marL="0" marR="0">
+                        <a:lnSpc>
+                          <a:spcPct val="115000"/>
+                        </a:lnSpc>
+                        <a:spcBef>
+                          <a:spcPts val="0"/>
+                        </a:spcBef>
+                        <a:spcAft>
+                          <a:spcPts val="0"/>
+                        </a:spcAft>
+                      </a:pPr>
+                      <a:r>
+                        <a:rPr lang="en-US" sz="1000" b="1">
+                          <a:solidFill>
+                            <a:srgbClr val="000000"/>
+                          </a:solidFill>
+                          <a:effectLst/>
+                          <a:latin typeface="Calibri"/>
+                          <a:ea typeface="Calibri"/>
+                          <a:cs typeface="Times New Roman"/>
+                        </a:rPr>
+                        <a:t>Sahil Sancheti</a:t>
+                      </a:r>
+                      <a:endParaRPr lang="en-US" sz="1000">
+                        <a:solidFill>
+                          <a:srgbClr val="000000"/>
+                        </a:solidFill>
+                        <a:effectLst/>
+                        <a:latin typeface="Calibri"/>
+                        <a:ea typeface="Calibri"/>
+                        <a:cs typeface="Times New Roman"/>
+                      </a:endParaRPr>
+                    </a:p>
+                  </a:txBody>
+                  <a:tcPr marL="68580" marR="68580" marT="0" marB="0"/>
+                </a:tc>
+                <a:tc>
+                  <a:txBody>
+                    <a:bodyPr/>
+                    <a:lstStyle/>
+                    <a:p>
+                      <a:pPr marL="0" marR="0">
+                        <a:lnSpc>
+                          <a:spcPct val="115000"/>
+                        </a:lnSpc>
+                        <a:spcBef>
+                          <a:spcPts val="0"/>
+                        </a:spcBef>
+                        <a:spcAft>
+                          <a:spcPts val="0"/>
+                        </a:spcAft>
+                      </a:pPr>
+                      <a:r>
+                        <a:rPr lang="en-US" sz="1000" dirty="0">
+                          <a:solidFill>
+                            <a:srgbClr val="000000"/>
+                          </a:solidFill>
+                          <a:effectLst/>
+                          <a:latin typeface="Calibri"/>
+                          <a:ea typeface="Calibri"/>
+                          <a:cs typeface="Times New Roman"/>
+                        </a:rPr>
+                        <a:t>Librarian</a:t>
+                      </a:r>
+                    </a:p>
+                  </a:txBody>
+                  <a:tcPr marL="68580" marR="68580" marT="0" marB="0"/>
+                </a:tc>
+              </a:tr>
+              <a:tr h="320354">
+                <a:tc>
+                  <a:txBody>
+                    <a:bodyPr/>
+                    <a:lstStyle/>
+                    <a:p>
+                      <a:pPr marL="0" marR="0">
+                        <a:lnSpc>
+                          <a:spcPct val="115000"/>
+                        </a:lnSpc>
+                        <a:spcBef>
+                          <a:spcPts val="0"/>
+                        </a:spcBef>
+                        <a:spcAft>
+                          <a:spcPts val="0"/>
+                        </a:spcAft>
+                      </a:pPr>
+                      <a:r>
+                        <a:rPr lang="en-US" sz="1000" b="1">
+                          <a:solidFill>
+                            <a:srgbClr val="000000"/>
+                          </a:solidFill>
+                          <a:effectLst/>
+                          <a:latin typeface="Calibri"/>
+                          <a:ea typeface="Calibri"/>
+                          <a:cs typeface="Times New Roman"/>
+                        </a:rPr>
+                        <a:t>Prithvi Kannan</a:t>
+                      </a:r>
+                      <a:endParaRPr lang="en-US" sz="1000">
+                        <a:solidFill>
+                          <a:srgbClr val="000000"/>
+                        </a:solidFill>
+                        <a:effectLst/>
+                        <a:latin typeface="Calibri"/>
+                        <a:ea typeface="Calibri"/>
+                        <a:cs typeface="Times New Roman"/>
+                      </a:endParaRPr>
+                    </a:p>
+                  </a:txBody>
+                  <a:tcPr marL="68580" marR="68580" marT="0" marB="0"/>
+                </a:tc>
+                <a:tc>
+                  <a:txBody>
+                    <a:bodyPr/>
+                    <a:lstStyle/>
+                    <a:p>
+                      <a:pPr marL="0" marR="0">
+                        <a:lnSpc>
+                          <a:spcPct val="115000"/>
+                        </a:lnSpc>
+                        <a:spcBef>
+                          <a:spcPts val="0"/>
+                        </a:spcBef>
+                        <a:spcAft>
+                          <a:spcPts val="0"/>
+                        </a:spcAft>
+                      </a:pPr>
+                      <a:r>
+                        <a:rPr lang="en-US" sz="1000">
+                          <a:solidFill>
+                            <a:srgbClr val="000000"/>
+                          </a:solidFill>
+                          <a:effectLst/>
+                          <a:latin typeface="Calibri"/>
+                          <a:ea typeface="Calibri"/>
+                          <a:cs typeface="Times New Roman"/>
+                        </a:rPr>
+                        <a:t>Troop Guide</a:t>
+                      </a:r>
+                    </a:p>
+                  </a:txBody>
+                  <a:tcPr marL="68580" marR="68580" marT="0" marB="0"/>
+                </a:tc>
+              </a:tr>
+              <a:tr h="320354">
+                <a:tc>
+                  <a:txBody>
+                    <a:bodyPr/>
+                    <a:lstStyle/>
+                    <a:p>
+                      <a:pPr marL="0" marR="0">
+                        <a:lnSpc>
+                          <a:spcPct val="115000"/>
+                        </a:lnSpc>
+                        <a:spcBef>
+                          <a:spcPts val="0"/>
+                        </a:spcBef>
+                        <a:spcAft>
+                          <a:spcPts val="0"/>
+                        </a:spcAft>
+                      </a:pPr>
+                      <a:r>
+                        <a:rPr lang="en-US" sz="1000" b="1">
+                          <a:solidFill>
+                            <a:srgbClr val="000000"/>
+                          </a:solidFill>
+                          <a:effectLst/>
+                          <a:latin typeface="Calibri"/>
+                          <a:ea typeface="Calibri"/>
+                          <a:cs typeface="Times New Roman"/>
+                        </a:rPr>
+                        <a:t>Marco Maletis</a:t>
+                      </a:r>
+                      <a:endParaRPr lang="en-US" sz="1000">
+                        <a:solidFill>
+                          <a:srgbClr val="000000"/>
+                        </a:solidFill>
+                        <a:effectLst/>
+                        <a:latin typeface="Calibri"/>
+                        <a:ea typeface="Calibri"/>
+                        <a:cs typeface="Times New Roman"/>
+                      </a:endParaRPr>
+                    </a:p>
+                  </a:txBody>
+                  <a:tcPr marL="68580" marR="68580" marT="0" marB="0"/>
+                </a:tc>
+                <a:tc>
+                  <a:txBody>
+                    <a:bodyPr/>
+                    <a:lstStyle/>
+                    <a:p>
+                      <a:pPr marL="0" marR="0">
+                        <a:lnSpc>
+                          <a:spcPct val="115000"/>
+                        </a:lnSpc>
+                        <a:spcBef>
+                          <a:spcPts val="0"/>
+                        </a:spcBef>
+                        <a:spcAft>
+                          <a:spcPts val="0"/>
+                        </a:spcAft>
+                      </a:pPr>
+                      <a:r>
+                        <a:rPr lang="en-US" sz="1000">
+                          <a:solidFill>
+                            <a:srgbClr val="000000"/>
+                          </a:solidFill>
+                          <a:effectLst/>
+                          <a:latin typeface="Calibri"/>
+                          <a:ea typeface="Calibri"/>
+                          <a:cs typeface="Times New Roman"/>
+                        </a:rPr>
+                        <a:t>Quartermaster</a:t>
+                      </a:r>
+                    </a:p>
+                  </a:txBody>
+                  <a:tcPr marL="68580" marR="68580" marT="0" marB="0"/>
+                </a:tc>
+              </a:tr>
+              <a:tr h="320354">
+                <a:tc>
+                  <a:txBody>
+                    <a:bodyPr/>
+                    <a:lstStyle/>
+                    <a:p>
+                      <a:pPr marL="0" marR="0">
+                        <a:lnSpc>
+                          <a:spcPct val="115000"/>
+                        </a:lnSpc>
+                        <a:spcBef>
+                          <a:spcPts val="0"/>
+                        </a:spcBef>
+                        <a:spcAft>
+                          <a:spcPts val="0"/>
+                        </a:spcAft>
+                      </a:pPr>
+                      <a:r>
+                        <a:rPr lang="en-US" sz="1000" b="1">
+                          <a:solidFill>
+                            <a:srgbClr val="000000"/>
+                          </a:solidFill>
+                          <a:effectLst/>
+                          <a:latin typeface="Calibri"/>
+                          <a:ea typeface="Calibri"/>
+                          <a:cs typeface="Times New Roman"/>
+                        </a:rPr>
+                        <a:t>Krishna Gomatam</a:t>
+                      </a:r>
+                      <a:endParaRPr lang="en-US" sz="1000">
+                        <a:solidFill>
+                          <a:srgbClr val="000000"/>
+                        </a:solidFill>
+                        <a:effectLst/>
+                        <a:latin typeface="Calibri"/>
+                        <a:ea typeface="Calibri"/>
+                        <a:cs typeface="Times New Roman"/>
+                      </a:endParaRPr>
+                    </a:p>
+                  </a:txBody>
+                  <a:tcPr marL="68580" marR="68580" marT="0" marB="0"/>
+                </a:tc>
+                <a:tc>
+                  <a:txBody>
+                    <a:bodyPr/>
+                    <a:lstStyle/>
+                    <a:p>
+                      <a:pPr marL="0" marR="0">
+                        <a:lnSpc>
+                          <a:spcPct val="115000"/>
+                        </a:lnSpc>
+                        <a:spcBef>
+                          <a:spcPts val="0"/>
+                        </a:spcBef>
+                        <a:spcAft>
+                          <a:spcPts val="0"/>
+                        </a:spcAft>
+                      </a:pPr>
+                      <a:r>
+                        <a:rPr lang="en-US" sz="1000">
+                          <a:solidFill>
+                            <a:srgbClr val="000000"/>
+                          </a:solidFill>
+                          <a:effectLst/>
+                          <a:latin typeface="Calibri"/>
+                          <a:ea typeface="Calibri"/>
+                          <a:cs typeface="Times New Roman"/>
+                        </a:rPr>
+                        <a:t>Scribe</a:t>
+                      </a:r>
+                    </a:p>
+                  </a:txBody>
+                  <a:tcPr marL="68580" marR="68580" marT="0" marB="0"/>
+                </a:tc>
+              </a:tr>
+              <a:tr h="320354">
+                <a:tc>
+                  <a:txBody>
+                    <a:bodyPr/>
+                    <a:lstStyle/>
+                    <a:p>
+                      <a:pPr marL="0" marR="0">
+                        <a:lnSpc>
+                          <a:spcPct val="115000"/>
+                        </a:lnSpc>
+                        <a:spcBef>
+                          <a:spcPts val="0"/>
+                        </a:spcBef>
+                        <a:spcAft>
+                          <a:spcPts val="0"/>
+                        </a:spcAft>
+                      </a:pPr>
+                      <a:r>
+                        <a:rPr lang="en-US" sz="1000" b="1">
+                          <a:solidFill>
+                            <a:srgbClr val="000000"/>
+                          </a:solidFill>
+                          <a:effectLst/>
+                          <a:latin typeface="Calibri"/>
+                          <a:ea typeface="Calibri"/>
+                          <a:cs typeface="Times New Roman"/>
+                        </a:rPr>
+                        <a:t>Cole Davidson</a:t>
+                      </a:r>
+                      <a:endParaRPr lang="en-US" sz="1000">
+                        <a:solidFill>
+                          <a:srgbClr val="000000"/>
+                        </a:solidFill>
+                        <a:effectLst/>
+                        <a:latin typeface="Calibri"/>
+                        <a:ea typeface="Calibri"/>
+                        <a:cs typeface="Times New Roman"/>
+                      </a:endParaRPr>
+                    </a:p>
+                  </a:txBody>
+                  <a:tcPr marL="68580" marR="68580" marT="0" marB="0"/>
+                </a:tc>
+                <a:tc>
+                  <a:txBody>
+                    <a:bodyPr/>
+                    <a:lstStyle/>
+                    <a:p>
+                      <a:pPr marL="0" marR="0">
+                        <a:lnSpc>
+                          <a:spcPct val="115000"/>
+                        </a:lnSpc>
+                        <a:spcBef>
+                          <a:spcPts val="0"/>
+                        </a:spcBef>
+                        <a:spcAft>
+                          <a:spcPts val="0"/>
+                        </a:spcAft>
+                      </a:pPr>
+                      <a:r>
+                        <a:rPr lang="en-US" sz="1000">
+                          <a:solidFill>
+                            <a:srgbClr val="000000"/>
+                          </a:solidFill>
+                          <a:effectLst/>
+                          <a:latin typeface="Calibri"/>
+                          <a:ea typeface="Calibri"/>
+                          <a:cs typeface="Times New Roman"/>
+                        </a:rPr>
+                        <a:t>Den Chief</a:t>
+                      </a:r>
+                    </a:p>
+                  </a:txBody>
+                  <a:tcPr marL="68580" marR="68580" marT="0" marB="0"/>
+                </a:tc>
+              </a:tr>
+              <a:tr h="320354">
+                <a:tc>
+                  <a:txBody>
+                    <a:bodyPr/>
+                    <a:lstStyle/>
+                    <a:p>
+                      <a:pPr marL="0" marR="0">
+                        <a:lnSpc>
+                          <a:spcPct val="115000"/>
+                        </a:lnSpc>
+                        <a:spcBef>
+                          <a:spcPts val="0"/>
+                        </a:spcBef>
+                        <a:spcAft>
+                          <a:spcPts val="0"/>
+                        </a:spcAft>
+                      </a:pPr>
+                      <a:r>
+                        <a:rPr lang="en-US" sz="1000" b="1">
+                          <a:solidFill>
+                            <a:srgbClr val="000000"/>
+                          </a:solidFill>
+                          <a:effectLst/>
+                          <a:latin typeface="Calibri"/>
+                          <a:ea typeface="Calibri"/>
+                          <a:cs typeface="Times New Roman"/>
+                        </a:rPr>
+                        <a:t>Ryan Adolf</a:t>
+                      </a:r>
+                      <a:endParaRPr lang="en-US" sz="1000">
+                        <a:solidFill>
+                          <a:srgbClr val="000000"/>
+                        </a:solidFill>
+                        <a:effectLst/>
+                        <a:latin typeface="Calibri"/>
+                        <a:ea typeface="Calibri"/>
+                        <a:cs typeface="Times New Roman"/>
+                      </a:endParaRPr>
+                    </a:p>
+                  </a:txBody>
+                  <a:tcPr marL="68580" marR="68580" marT="0" marB="0"/>
+                </a:tc>
+                <a:tc>
+                  <a:txBody>
+                    <a:bodyPr/>
+                    <a:lstStyle/>
+                    <a:p>
+                      <a:pPr marL="0" marR="0">
+                        <a:lnSpc>
+                          <a:spcPct val="115000"/>
+                        </a:lnSpc>
+                        <a:spcBef>
+                          <a:spcPts val="0"/>
+                        </a:spcBef>
+                        <a:spcAft>
+                          <a:spcPts val="0"/>
+                        </a:spcAft>
+                      </a:pPr>
+                      <a:r>
+                        <a:rPr lang="en-US" sz="1000">
+                          <a:solidFill>
+                            <a:srgbClr val="000000"/>
+                          </a:solidFill>
+                          <a:effectLst/>
+                          <a:latin typeface="Calibri"/>
+                          <a:ea typeface="Calibri"/>
+                          <a:cs typeface="Times New Roman"/>
+                        </a:rPr>
+                        <a:t>Inception Patrol Leader</a:t>
+                      </a:r>
+                    </a:p>
+                  </a:txBody>
+                  <a:tcPr marL="68580" marR="68580" marT="0" marB="0"/>
+                </a:tc>
+              </a:tr>
+              <a:tr h="320354">
+                <a:tc>
+                  <a:txBody>
+                    <a:bodyPr/>
+                    <a:lstStyle/>
+                    <a:p>
+                      <a:pPr marL="0" marR="0">
+                        <a:lnSpc>
+                          <a:spcPct val="115000"/>
+                        </a:lnSpc>
+                        <a:spcBef>
+                          <a:spcPts val="0"/>
+                        </a:spcBef>
+                        <a:spcAft>
+                          <a:spcPts val="0"/>
+                        </a:spcAft>
+                      </a:pPr>
+                      <a:r>
+                        <a:rPr lang="en-US" sz="1000" b="1">
+                          <a:solidFill>
+                            <a:srgbClr val="000000"/>
+                          </a:solidFill>
+                          <a:effectLst/>
+                          <a:latin typeface="Calibri"/>
+                          <a:ea typeface="Calibri"/>
+                          <a:cs typeface="Times New Roman"/>
+                        </a:rPr>
+                        <a:t>Chetan Gomatam</a:t>
+                      </a:r>
+                      <a:endParaRPr lang="en-US" sz="1000">
+                        <a:solidFill>
+                          <a:srgbClr val="000000"/>
+                        </a:solidFill>
+                        <a:effectLst/>
+                        <a:latin typeface="Calibri"/>
+                        <a:ea typeface="Calibri"/>
+                        <a:cs typeface="Times New Roman"/>
+                      </a:endParaRPr>
+                    </a:p>
+                  </a:txBody>
+                  <a:tcPr marL="68580" marR="68580" marT="0" marB="0"/>
+                </a:tc>
+                <a:tc>
+                  <a:txBody>
+                    <a:bodyPr/>
+                    <a:lstStyle/>
+                    <a:p>
+                      <a:pPr marL="0" marR="0">
+                        <a:lnSpc>
+                          <a:spcPct val="115000"/>
+                        </a:lnSpc>
+                        <a:spcBef>
+                          <a:spcPts val="0"/>
+                        </a:spcBef>
+                        <a:spcAft>
+                          <a:spcPts val="0"/>
+                        </a:spcAft>
+                      </a:pPr>
+                      <a:r>
+                        <a:rPr lang="en-US" sz="1000">
+                          <a:solidFill>
+                            <a:srgbClr val="000000"/>
+                          </a:solidFill>
+                          <a:effectLst/>
+                          <a:latin typeface="Calibri"/>
+                          <a:ea typeface="Calibri"/>
+                          <a:cs typeface="Times New Roman"/>
+                        </a:rPr>
+                        <a:t>Wise Guys Patrol Leader</a:t>
+                      </a:r>
+                    </a:p>
+                  </a:txBody>
+                  <a:tcPr marL="68580" marR="68580" marT="0" marB="0"/>
+                </a:tc>
+              </a:tr>
+              <a:tr h="320354">
+                <a:tc>
+                  <a:txBody>
+                    <a:bodyPr/>
+                    <a:lstStyle/>
+                    <a:p>
+                      <a:pPr marL="0" marR="0">
+                        <a:lnSpc>
+                          <a:spcPct val="115000"/>
+                        </a:lnSpc>
+                        <a:spcBef>
+                          <a:spcPts val="0"/>
+                        </a:spcBef>
+                        <a:spcAft>
+                          <a:spcPts val="0"/>
+                        </a:spcAft>
+                        <a:tabLst>
+                          <a:tab pos="604520" algn="l"/>
+                        </a:tabLst>
+                      </a:pPr>
+                      <a:r>
+                        <a:rPr lang="en-US" sz="1000" b="1">
+                          <a:solidFill>
+                            <a:srgbClr val="000000"/>
+                          </a:solidFill>
+                          <a:effectLst/>
+                          <a:latin typeface="Calibri"/>
+                          <a:ea typeface="Calibri"/>
+                          <a:cs typeface="Times New Roman"/>
+                        </a:rPr>
+                        <a:t>Jason Zhu</a:t>
+                      </a:r>
+                      <a:endParaRPr lang="en-US" sz="1000">
+                        <a:solidFill>
+                          <a:srgbClr val="000000"/>
+                        </a:solidFill>
+                        <a:effectLst/>
+                        <a:latin typeface="Calibri"/>
+                        <a:ea typeface="Calibri"/>
+                        <a:cs typeface="Times New Roman"/>
+                      </a:endParaRPr>
+                    </a:p>
+                  </a:txBody>
+                  <a:tcPr marL="68580" marR="68580" marT="0" marB="0"/>
+                </a:tc>
+                <a:tc>
+                  <a:txBody>
+                    <a:bodyPr/>
+                    <a:lstStyle/>
+                    <a:p>
+                      <a:pPr marL="0" marR="0">
+                        <a:lnSpc>
+                          <a:spcPct val="115000"/>
+                        </a:lnSpc>
+                        <a:spcBef>
+                          <a:spcPts val="0"/>
+                        </a:spcBef>
+                        <a:spcAft>
+                          <a:spcPts val="0"/>
+                        </a:spcAft>
+                      </a:pPr>
+                      <a:r>
+                        <a:rPr lang="en-US" sz="1000">
+                          <a:solidFill>
+                            <a:srgbClr val="000000"/>
+                          </a:solidFill>
+                          <a:effectLst/>
+                          <a:latin typeface="Calibri"/>
+                          <a:ea typeface="Calibri"/>
+                          <a:cs typeface="Times New Roman"/>
+                        </a:rPr>
+                        <a:t>Tomahawks Patrol Leader</a:t>
+                      </a:r>
+                    </a:p>
+                  </a:txBody>
+                  <a:tcPr marL="68580" marR="68580" marT="0" marB="0"/>
+                </a:tc>
+              </a:tr>
+              <a:tr h="320354">
+                <a:tc>
+                  <a:txBody>
+                    <a:bodyPr/>
+                    <a:lstStyle/>
+                    <a:p>
+                      <a:pPr marL="0" marR="0">
+                        <a:lnSpc>
+                          <a:spcPct val="115000"/>
+                        </a:lnSpc>
+                        <a:spcBef>
+                          <a:spcPts val="0"/>
+                        </a:spcBef>
+                        <a:spcAft>
+                          <a:spcPts val="0"/>
+                        </a:spcAft>
+                      </a:pPr>
+                      <a:r>
+                        <a:rPr lang="en-US" sz="1000" b="1">
+                          <a:solidFill>
+                            <a:srgbClr val="000000"/>
+                          </a:solidFill>
+                          <a:effectLst/>
+                          <a:latin typeface="Calibri"/>
+                          <a:ea typeface="Calibri"/>
+                          <a:cs typeface="Times New Roman"/>
+                        </a:rPr>
+                        <a:t>Naman Bhargava</a:t>
+                      </a:r>
+                      <a:endParaRPr lang="en-US" sz="1000">
+                        <a:solidFill>
+                          <a:srgbClr val="000000"/>
+                        </a:solidFill>
+                        <a:effectLst/>
+                        <a:latin typeface="Calibri"/>
+                        <a:ea typeface="Calibri"/>
+                        <a:cs typeface="Times New Roman"/>
+                      </a:endParaRPr>
+                    </a:p>
+                  </a:txBody>
+                  <a:tcPr marL="68580" marR="68580" marT="0" marB="0"/>
+                </a:tc>
+                <a:tc>
+                  <a:txBody>
+                    <a:bodyPr/>
+                    <a:lstStyle/>
+                    <a:p>
+                      <a:pPr marL="0" marR="0">
+                        <a:lnSpc>
+                          <a:spcPct val="115000"/>
+                        </a:lnSpc>
+                        <a:spcBef>
+                          <a:spcPts val="0"/>
+                        </a:spcBef>
+                        <a:spcAft>
+                          <a:spcPts val="0"/>
+                        </a:spcAft>
+                      </a:pPr>
+                      <a:r>
+                        <a:rPr lang="en-US" sz="1000">
+                          <a:solidFill>
+                            <a:srgbClr val="000000"/>
+                          </a:solidFill>
+                          <a:effectLst/>
+                          <a:latin typeface="Calibri"/>
+                          <a:ea typeface="Calibri"/>
+                          <a:cs typeface="Times New Roman"/>
+                        </a:rPr>
+                        <a:t>Daggers Patrol Leader</a:t>
+                      </a:r>
+                    </a:p>
+                  </a:txBody>
+                  <a:tcPr marL="68580" marR="68580" marT="0" marB="0"/>
+                </a:tc>
+              </a:tr>
+              <a:tr h="320354">
+                <a:tc>
+                  <a:txBody>
+                    <a:bodyPr/>
+                    <a:lstStyle/>
+                    <a:p>
+                      <a:pPr marL="0" marR="0">
+                        <a:lnSpc>
+                          <a:spcPct val="115000"/>
+                        </a:lnSpc>
+                        <a:spcBef>
+                          <a:spcPts val="0"/>
+                        </a:spcBef>
+                        <a:spcAft>
+                          <a:spcPts val="0"/>
+                        </a:spcAft>
+                      </a:pPr>
+                      <a:r>
+                        <a:rPr lang="en-US" sz="1000" b="1">
+                          <a:solidFill>
+                            <a:srgbClr val="000000"/>
+                          </a:solidFill>
+                          <a:effectLst/>
+                          <a:latin typeface="Calibri"/>
+                          <a:ea typeface="Calibri"/>
+                          <a:cs typeface="Times New Roman"/>
+                        </a:rPr>
+                        <a:t>Prithvi Kannan</a:t>
+                      </a:r>
+                      <a:endParaRPr lang="en-US" sz="1000">
+                        <a:solidFill>
+                          <a:srgbClr val="000000"/>
+                        </a:solidFill>
+                        <a:effectLst/>
+                        <a:latin typeface="Calibri"/>
+                        <a:ea typeface="Calibri"/>
+                        <a:cs typeface="Times New Roman"/>
+                      </a:endParaRPr>
+                    </a:p>
+                  </a:txBody>
+                  <a:tcPr marL="68580" marR="68580" marT="0" marB="0"/>
+                </a:tc>
+                <a:tc>
+                  <a:txBody>
+                    <a:bodyPr/>
+                    <a:lstStyle/>
+                    <a:p>
+                      <a:pPr marL="0" marR="0">
+                        <a:lnSpc>
+                          <a:spcPct val="115000"/>
+                        </a:lnSpc>
+                        <a:spcBef>
+                          <a:spcPts val="0"/>
+                        </a:spcBef>
+                        <a:spcAft>
+                          <a:spcPts val="0"/>
+                        </a:spcAft>
+                      </a:pPr>
+                      <a:r>
+                        <a:rPr lang="en-US" sz="1000">
+                          <a:solidFill>
+                            <a:srgbClr val="000000"/>
+                          </a:solidFill>
+                          <a:effectLst/>
+                          <a:latin typeface="Calibri"/>
+                          <a:ea typeface="Calibri"/>
+                          <a:cs typeface="Times New Roman"/>
+                        </a:rPr>
+                        <a:t>Temporary Tenderfeet Patrol Leader</a:t>
+                      </a:r>
+                    </a:p>
+                  </a:txBody>
+                  <a:tcPr marL="68580" marR="68580" marT="0" marB="0"/>
+                </a:tc>
+              </a:tr>
+              <a:tr h="320354">
+                <a:tc>
+                  <a:txBody>
+                    <a:bodyPr/>
+                    <a:lstStyle/>
+                    <a:p>
+                      <a:pPr marL="0" marR="0">
+                        <a:lnSpc>
+                          <a:spcPct val="115000"/>
+                        </a:lnSpc>
+                        <a:spcBef>
+                          <a:spcPts val="0"/>
+                        </a:spcBef>
+                        <a:spcAft>
+                          <a:spcPts val="0"/>
+                        </a:spcAft>
+                      </a:pPr>
+                      <a:r>
+                        <a:rPr lang="en-US" sz="1000" b="1">
+                          <a:solidFill>
+                            <a:srgbClr val="000000"/>
+                          </a:solidFill>
+                          <a:effectLst/>
+                          <a:latin typeface="Calibri"/>
+                          <a:ea typeface="Calibri"/>
+                          <a:cs typeface="Times New Roman"/>
+                        </a:rPr>
+                        <a:t>Jeevan Prakash</a:t>
+                      </a:r>
+                      <a:endParaRPr lang="en-US" sz="1000">
+                        <a:solidFill>
+                          <a:srgbClr val="000000"/>
+                        </a:solidFill>
+                        <a:effectLst/>
+                        <a:latin typeface="Calibri"/>
+                        <a:ea typeface="Calibri"/>
+                        <a:cs typeface="Times New Roman"/>
+                      </a:endParaRPr>
+                    </a:p>
+                  </a:txBody>
+                  <a:tcPr marL="68580" marR="68580" marT="0" marB="0"/>
+                </a:tc>
+                <a:tc>
+                  <a:txBody>
+                    <a:bodyPr/>
+                    <a:lstStyle/>
+                    <a:p>
+                      <a:pPr marL="0" marR="0">
+                        <a:lnSpc>
+                          <a:spcPct val="115000"/>
+                        </a:lnSpc>
+                        <a:spcBef>
+                          <a:spcPts val="0"/>
+                        </a:spcBef>
+                        <a:spcAft>
+                          <a:spcPts val="0"/>
+                        </a:spcAft>
+                      </a:pPr>
+                      <a:r>
+                        <a:rPr lang="en-US" sz="1000">
+                          <a:solidFill>
+                            <a:srgbClr val="000000"/>
+                          </a:solidFill>
+                          <a:effectLst/>
+                          <a:latin typeface="Calibri"/>
+                          <a:ea typeface="Calibri"/>
+                          <a:cs typeface="Times New Roman"/>
+                        </a:rPr>
+                        <a:t>Thunder Sharks Patrol Leader</a:t>
+                      </a:r>
+                    </a:p>
+                  </a:txBody>
+                  <a:tcPr marL="68580" marR="68580" marT="0" marB="0"/>
+                </a:tc>
+              </a:tr>
+              <a:tr h="320354">
+                <a:tc>
+                  <a:txBody>
+                    <a:bodyPr/>
+                    <a:lstStyle/>
+                    <a:p>
+                      <a:pPr marL="0" marR="0">
+                        <a:lnSpc>
+                          <a:spcPct val="115000"/>
+                        </a:lnSpc>
+                        <a:spcBef>
+                          <a:spcPts val="0"/>
+                        </a:spcBef>
+                        <a:spcAft>
+                          <a:spcPts val="0"/>
+                        </a:spcAft>
+                      </a:pPr>
+                      <a:r>
+                        <a:rPr lang="en-US" sz="1000" b="1">
+                          <a:solidFill>
+                            <a:srgbClr val="000000"/>
+                          </a:solidFill>
+                          <a:effectLst/>
+                          <a:latin typeface="Calibri"/>
+                          <a:ea typeface="Calibri"/>
+                          <a:cs typeface="Times New Roman"/>
+                        </a:rPr>
+                        <a:t>Richard Mao</a:t>
+                      </a:r>
+                      <a:endParaRPr lang="en-US" sz="1000">
+                        <a:solidFill>
+                          <a:srgbClr val="000000"/>
+                        </a:solidFill>
+                        <a:effectLst/>
+                        <a:latin typeface="Calibri"/>
+                        <a:ea typeface="Calibri"/>
+                        <a:cs typeface="Times New Roman"/>
+                      </a:endParaRPr>
+                    </a:p>
+                  </a:txBody>
+                  <a:tcPr marL="68580" marR="68580" marT="0" marB="0"/>
+                </a:tc>
+                <a:tc>
+                  <a:txBody>
+                    <a:bodyPr/>
+                    <a:lstStyle/>
+                    <a:p>
+                      <a:pPr marL="0" marR="0">
+                        <a:lnSpc>
+                          <a:spcPct val="115000"/>
+                        </a:lnSpc>
+                        <a:spcBef>
+                          <a:spcPts val="0"/>
+                        </a:spcBef>
+                        <a:spcAft>
+                          <a:spcPts val="0"/>
+                        </a:spcAft>
+                      </a:pPr>
+                      <a:r>
+                        <a:rPr lang="en-US" sz="1000">
+                          <a:solidFill>
+                            <a:srgbClr val="000000"/>
+                          </a:solidFill>
+                          <a:effectLst/>
+                          <a:latin typeface="Calibri"/>
+                          <a:ea typeface="Calibri"/>
+                          <a:cs typeface="Times New Roman"/>
+                        </a:rPr>
+                        <a:t>Assistant Patrol Leader for Inception</a:t>
+                      </a:r>
+                    </a:p>
+                  </a:txBody>
+                  <a:tcPr marL="68580" marR="68580" marT="0" marB="0"/>
+                </a:tc>
+              </a:tr>
+              <a:tr h="320354">
+                <a:tc>
+                  <a:txBody>
+                    <a:bodyPr/>
+                    <a:lstStyle/>
+                    <a:p>
+                      <a:pPr marL="0" marR="0">
+                        <a:lnSpc>
+                          <a:spcPct val="115000"/>
+                        </a:lnSpc>
+                        <a:spcBef>
+                          <a:spcPts val="0"/>
+                        </a:spcBef>
+                        <a:spcAft>
+                          <a:spcPts val="0"/>
+                        </a:spcAft>
+                      </a:pPr>
+                      <a:r>
+                        <a:rPr lang="en-US" sz="1000" b="1">
+                          <a:solidFill>
+                            <a:srgbClr val="000000"/>
+                          </a:solidFill>
+                          <a:effectLst/>
+                          <a:latin typeface="Calibri"/>
+                          <a:ea typeface="Calibri"/>
+                          <a:cs typeface="Times New Roman"/>
+                        </a:rPr>
+                        <a:t>Jaidev Bapat</a:t>
+                      </a:r>
+                      <a:endParaRPr lang="en-US" sz="1000">
+                        <a:solidFill>
+                          <a:srgbClr val="000000"/>
+                        </a:solidFill>
+                        <a:effectLst/>
+                        <a:latin typeface="Calibri"/>
+                        <a:ea typeface="Calibri"/>
+                        <a:cs typeface="Times New Roman"/>
+                      </a:endParaRPr>
+                    </a:p>
+                  </a:txBody>
+                  <a:tcPr marL="68580" marR="68580" marT="0" marB="0"/>
+                </a:tc>
+                <a:tc>
+                  <a:txBody>
+                    <a:bodyPr/>
+                    <a:lstStyle/>
+                    <a:p>
+                      <a:pPr marL="0" marR="0">
+                        <a:lnSpc>
+                          <a:spcPct val="115000"/>
+                        </a:lnSpc>
+                        <a:spcBef>
+                          <a:spcPts val="0"/>
+                        </a:spcBef>
+                        <a:spcAft>
+                          <a:spcPts val="0"/>
+                        </a:spcAft>
+                      </a:pPr>
+                      <a:r>
+                        <a:rPr lang="en-US" sz="1000">
+                          <a:solidFill>
+                            <a:srgbClr val="000000"/>
+                          </a:solidFill>
+                          <a:effectLst/>
+                          <a:latin typeface="Calibri"/>
+                          <a:ea typeface="Calibri"/>
+                          <a:cs typeface="Times New Roman"/>
+                        </a:rPr>
+                        <a:t>Assistant Patrol Leader for Wise Guys</a:t>
+                      </a:r>
+                    </a:p>
+                  </a:txBody>
+                  <a:tcPr marL="68580" marR="68580" marT="0" marB="0"/>
+                </a:tc>
+              </a:tr>
+              <a:tr h="340861">
+                <a:tc>
+                  <a:txBody>
+                    <a:bodyPr/>
+                    <a:lstStyle/>
+                    <a:p>
+                      <a:pPr marL="0" marR="0">
+                        <a:lnSpc>
+                          <a:spcPct val="115000"/>
+                        </a:lnSpc>
+                        <a:spcBef>
+                          <a:spcPts val="0"/>
+                        </a:spcBef>
+                        <a:spcAft>
+                          <a:spcPts val="0"/>
+                        </a:spcAft>
+                      </a:pPr>
+                      <a:r>
+                        <a:rPr lang="en-US" sz="1000" b="1">
+                          <a:solidFill>
+                            <a:srgbClr val="000000"/>
+                          </a:solidFill>
+                          <a:effectLst/>
+                          <a:latin typeface="Calibri"/>
+                          <a:ea typeface="Calibri"/>
+                          <a:cs typeface="Times New Roman"/>
+                        </a:rPr>
+                        <a:t>Ashwin Reddy</a:t>
+                      </a:r>
+                      <a:endParaRPr lang="en-US" sz="1000">
+                        <a:solidFill>
+                          <a:srgbClr val="000000"/>
+                        </a:solidFill>
+                        <a:effectLst/>
+                        <a:latin typeface="Calibri"/>
+                        <a:ea typeface="Calibri"/>
+                        <a:cs typeface="Times New Roman"/>
+                      </a:endParaRPr>
+                    </a:p>
+                  </a:txBody>
+                  <a:tcPr marL="68580" marR="68580" marT="0" marB="0"/>
+                </a:tc>
+                <a:tc>
+                  <a:txBody>
+                    <a:bodyPr/>
+                    <a:lstStyle/>
+                    <a:p>
+                      <a:pPr marL="0" marR="0">
+                        <a:lnSpc>
+                          <a:spcPct val="115000"/>
+                        </a:lnSpc>
+                        <a:spcBef>
+                          <a:spcPts val="0"/>
+                        </a:spcBef>
+                        <a:spcAft>
+                          <a:spcPts val="0"/>
+                        </a:spcAft>
+                      </a:pPr>
+                      <a:r>
+                        <a:rPr lang="en-US" sz="1000">
+                          <a:solidFill>
+                            <a:srgbClr val="000000"/>
+                          </a:solidFill>
+                          <a:effectLst/>
+                          <a:latin typeface="Calibri"/>
+                          <a:ea typeface="Calibri"/>
+                          <a:cs typeface="Times New Roman"/>
+                        </a:rPr>
+                        <a:t>Assistant Patrol Leader for Tomahawks</a:t>
+                      </a:r>
+                    </a:p>
+                  </a:txBody>
+                  <a:tcPr marL="68580" marR="68580" marT="0" marB="0"/>
+                </a:tc>
+              </a:tr>
+              <a:tr h="320354">
+                <a:tc>
+                  <a:txBody>
+                    <a:bodyPr/>
+                    <a:lstStyle/>
+                    <a:p>
+                      <a:pPr marL="0" marR="0">
+                        <a:lnSpc>
+                          <a:spcPct val="115000"/>
+                        </a:lnSpc>
+                        <a:spcBef>
+                          <a:spcPts val="0"/>
+                        </a:spcBef>
+                        <a:spcAft>
+                          <a:spcPts val="0"/>
+                        </a:spcAft>
+                      </a:pPr>
+                      <a:r>
+                        <a:rPr lang="en-US" sz="1000" b="1">
+                          <a:solidFill>
+                            <a:srgbClr val="000000"/>
+                          </a:solidFill>
+                          <a:effectLst/>
+                          <a:latin typeface="Calibri"/>
+                          <a:ea typeface="Calibri"/>
+                          <a:cs typeface="Times New Roman"/>
+                        </a:rPr>
+                        <a:t>Tate Besser</a:t>
+                      </a:r>
+                      <a:endParaRPr lang="en-US" sz="1000">
+                        <a:solidFill>
+                          <a:srgbClr val="000000"/>
+                        </a:solidFill>
+                        <a:effectLst/>
+                        <a:latin typeface="Calibri"/>
+                        <a:ea typeface="Calibri"/>
+                        <a:cs typeface="Times New Roman"/>
+                      </a:endParaRPr>
+                    </a:p>
+                  </a:txBody>
+                  <a:tcPr marL="68580" marR="68580" marT="0" marB="0"/>
+                </a:tc>
+                <a:tc>
+                  <a:txBody>
+                    <a:bodyPr/>
+                    <a:lstStyle/>
+                    <a:p>
+                      <a:pPr marL="0" marR="0">
+                        <a:lnSpc>
+                          <a:spcPct val="115000"/>
+                        </a:lnSpc>
+                        <a:spcBef>
+                          <a:spcPts val="0"/>
+                        </a:spcBef>
+                        <a:spcAft>
+                          <a:spcPts val="0"/>
+                        </a:spcAft>
+                      </a:pPr>
+                      <a:r>
+                        <a:rPr lang="en-US" sz="1000">
+                          <a:solidFill>
+                            <a:srgbClr val="000000"/>
+                          </a:solidFill>
+                          <a:effectLst/>
+                          <a:latin typeface="Calibri"/>
+                          <a:ea typeface="Calibri"/>
+                          <a:cs typeface="Times New Roman"/>
+                        </a:rPr>
+                        <a:t>Assistant Patrol Leader for Daggers</a:t>
+                      </a:r>
+                    </a:p>
+                  </a:txBody>
+                  <a:tcPr marL="68580" marR="68580" marT="0" marB="0"/>
+                </a:tc>
+              </a:tr>
+              <a:tr h="320354">
+                <a:tc>
+                  <a:txBody>
+                    <a:bodyPr/>
+                    <a:lstStyle/>
+                    <a:p>
+                      <a:pPr marL="0" marR="0">
+                        <a:lnSpc>
+                          <a:spcPct val="115000"/>
+                        </a:lnSpc>
+                        <a:spcBef>
+                          <a:spcPts val="0"/>
+                        </a:spcBef>
+                        <a:spcAft>
+                          <a:spcPts val="0"/>
+                        </a:spcAft>
+                      </a:pPr>
+                      <a:r>
+                        <a:rPr lang="en-US" sz="1000" b="1">
+                          <a:solidFill>
+                            <a:srgbClr val="000000"/>
+                          </a:solidFill>
+                          <a:effectLst/>
+                          <a:latin typeface="Calibri"/>
+                          <a:ea typeface="Calibri"/>
+                          <a:cs typeface="Times New Roman"/>
+                        </a:rPr>
+                        <a:t>Aneesh Goel</a:t>
+                      </a:r>
+                      <a:endParaRPr lang="en-US" sz="1000">
+                        <a:solidFill>
+                          <a:srgbClr val="000000"/>
+                        </a:solidFill>
+                        <a:effectLst/>
+                        <a:latin typeface="Calibri"/>
+                        <a:ea typeface="Calibri"/>
+                        <a:cs typeface="Times New Roman"/>
+                      </a:endParaRPr>
+                    </a:p>
+                  </a:txBody>
+                  <a:tcPr marL="68580" marR="68580" marT="0" marB="0"/>
+                </a:tc>
+                <a:tc>
+                  <a:txBody>
+                    <a:bodyPr/>
+                    <a:lstStyle/>
+                    <a:p>
+                      <a:pPr marL="0" marR="0">
+                        <a:lnSpc>
+                          <a:spcPct val="115000"/>
+                        </a:lnSpc>
+                        <a:spcBef>
+                          <a:spcPts val="0"/>
+                        </a:spcBef>
+                        <a:spcAft>
+                          <a:spcPts val="0"/>
+                        </a:spcAft>
+                      </a:pPr>
+                      <a:r>
+                        <a:rPr lang="en-US" sz="1000" dirty="0">
+                          <a:solidFill>
+                            <a:srgbClr val="000000"/>
+                          </a:solidFill>
+                          <a:effectLst/>
+                          <a:latin typeface="Calibri"/>
+                          <a:ea typeface="Calibri"/>
+                          <a:cs typeface="Times New Roman"/>
+                        </a:rPr>
+                        <a:t>Chaplain’s Aide</a:t>
+                      </a:r>
+                    </a:p>
+                  </a:txBody>
+                  <a:tcPr marL="68580" marR="68580" marT="0" marB="0"/>
+                </a:tc>
+              </a:tr>
+            </a:tbl>
+          </a:graphicData>
+        </a:graphic>
+      </p:graphicFrame>
+      <p:graphicFrame>
+        <p:nvGraphicFramePr>
+          <p:cNvPr id="17" name="Table 16"/>
+          <p:cNvGraphicFramePr>
+            <a:graphicFrameLocks noGrp="1"/>
+          </p:cNvGraphicFramePr>
+          <p:nvPr>
+            <p:extLst>
+              <p:ext uri="{D42A27DB-BD31-4B8C-83A1-F6EECF244321}">
+                <p14:modId xmlns:p14="http://schemas.microsoft.com/office/powerpoint/2010/main" val="3052317397"/>
+              </p:ext>
+            </p:extLst>
+          </p:nvPr>
+        </p:nvGraphicFramePr>
+        <p:xfrm>
+          <a:off x="1943100" y="6477000"/>
+          <a:ext cx="5257800" cy="304800"/>
+        </p:xfrm>
+        <a:graphic>
+          <a:graphicData uri="http://schemas.openxmlformats.org/drawingml/2006/table">
+            <a:tbl>
+              <a:tblPr firstRow="1" bandRow="1">
+                <a:tableStyleId>{3C2FFA5D-87B4-456A-9821-1D502468CF0F}</a:tableStyleId>
+              </a:tblPr>
+              <a:tblGrid>
+                <a:gridCol w="5257800"/>
+              </a:tblGrid>
+              <a:tr h="304800">
+                <a:tc>
+                  <a:txBody>
+                    <a:bodyPr/>
+                    <a:lstStyle/>
+                    <a:p>
+                      <a:r>
+                        <a:rPr lang="en-US" sz="1000" dirty="0" smtClean="0"/>
+                        <a:t>Troop 457 Website: </a:t>
+                      </a:r>
+                      <a:r>
+                        <a:rPr lang="en-US" sz="1000" dirty="0" smtClean="0">
+                          <a:hlinkClick r:id="rId3"/>
+                        </a:rPr>
+                        <a:t>http://www.bsa-troop457.com</a:t>
+                      </a:r>
+                      <a:r>
+                        <a:rPr lang="en-US" sz="1000" baseline="0" dirty="0" smtClean="0"/>
+                        <a:t>  [username = member, password = ogr2007]</a:t>
+                      </a:r>
+                      <a:endParaRPr lang="en-US" sz="1000" dirty="0"/>
+                    </a:p>
+                  </a:txBody>
+                  <a:tcPr/>
+                </a:tc>
+              </a:tr>
+            </a:tbl>
+          </a:graphicData>
+        </a:graphic>
+      </p:graphicFrame>
+      <p:graphicFrame>
+        <p:nvGraphicFramePr>
+          <p:cNvPr id="129" name="Table 128"/>
+          <p:cNvGraphicFramePr>
+            <a:graphicFrameLocks noGrp="1"/>
+          </p:cNvGraphicFramePr>
+          <p:nvPr>
+            <p:extLst>
+              <p:ext uri="{D42A27DB-BD31-4B8C-83A1-F6EECF244321}">
+                <p14:modId xmlns:p14="http://schemas.microsoft.com/office/powerpoint/2010/main" val="2683581937"/>
+              </p:ext>
+            </p:extLst>
+          </p:nvPr>
+        </p:nvGraphicFramePr>
+        <p:xfrm>
+          <a:off x="5399705" y="139176"/>
+          <a:ext cx="3581400" cy="6183119"/>
+        </p:xfrm>
+        <a:graphic>
+          <a:graphicData uri="http://schemas.openxmlformats.org/drawingml/2006/table">
+            <a:tbl>
+              <a:tblPr firstRow="1" bandRow="1">
+                <a:tableStyleId>{69C7853C-536D-4A76-A0AE-DD22124D55A5}</a:tableStyleId>
+              </a:tblPr>
+              <a:tblGrid>
+                <a:gridCol w="1382095"/>
+                <a:gridCol w="2199305"/>
+              </a:tblGrid>
+              <a:tr h="320040">
+                <a:tc>
+                  <a:txBody>
+                    <a:bodyPr/>
+                    <a:lstStyle/>
+                    <a:p>
+                      <a:pPr algn="ctr"/>
+                      <a:r>
+                        <a:rPr lang="en-US" sz="1000" dirty="0" smtClean="0"/>
+                        <a:t>Scout</a:t>
+                      </a:r>
+                      <a:endParaRPr lang="en-US" sz="1000" dirty="0"/>
+                    </a:p>
+                  </a:txBody>
+                  <a:tcPr/>
+                </a:tc>
+                <a:tc>
+                  <a:txBody>
+                    <a:bodyPr/>
+                    <a:lstStyle/>
+                    <a:p>
+                      <a:pPr marL="0" marR="0" indent="0" algn="ctr" defTabSz="914400" rtl="0" eaLnBrk="1" fontAlgn="auto" latinLnBrk="0" hangingPunct="1">
+                        <a:lnSpc>
+                          <a:spcPct val="100000"/>
+                        </a:lnSpc>
+                        <a:spcBef>
+                          <a:spcPts val="0"/>
+                        </a:spcBef>
+                        <a:spcAft>
+                          <a:spcPts val="0"/>
+                        </a:spcAft>
+                        <a:buClrTx/>
+                        <a:buSzTx/>
+                        <a:buFontTx/>
+                        <a:buNone/>
+                        <a:tabLst/>
+                        <a:defRPr/>
+                      </a:pPr>
+                      <a:r>
+                        <a:rPr lang="en-US" sz="1000" dirty="0" smtClean="0"/>
+                        <a:t>Position</a:t>
+                      </a:r>
+                      <a:endParaRPr lang="en-US" sz="1000" dirty="0" smtClean="0"/>
+                    </a:p>
+                    <a:p>
+                      <a:pPr algn="ctr"/>
+                      <a:endParaRPr lang="en-US" sz="1000" dirty="0"/>
+                    </a:p>
+                  </a:txBody>
+                  <a:tcPr/>
+                </a:tc>
+              </a:tr>
+              <a:tr h="320354">
+                <a:tc>
+                  <a:txBody>
+                    <a:bodyPr/>
+                    <a:lstStyle/>
+                    <a:p>
+                      <a:pPr marL="0" marR="0">
+                        <a:lnSpc>
+                          <a:spcPct val="115000"/>
+                        </a:lnSpc>
+                        <a:spcBef>
+                          <a:spcPts val="0"/>
+                        </a:spcBef>
+                        <a:spcAft>
+                          <a:spcPts val="0"/>
+                        </a:spcAft>
+                      </a:pPr>
+                      <a:r>
+                        <a:rPr lang="en-US" sz="1000" b="1" dirty="0" smtClean="0">
+                          <a:solidFill>
+                            <a:srgbClr val="000000"/>
+                          </a:solidFill>
+                          <a:effectLst/>
+                          <a:latin typeface="Calibri"/>
+                          <a:ea typeface="Calibri"/>
+                          <a:cs typeface="Times New Roman"/>
+                        </a:rPr>
+                        <a:t>Daniel Pickering</a:t>
+                      </a:r>
+                      <a:endParaRPr lang="en-US" sz="1000" dirty="0">
+                        <a:solidFill>
+                          <a:srgbClr val="000000"/>
+                        </a:solidFill>
+                        <a:effectLst/>
+                        <a:latin typeface="Calibri"/>
+                        <a:ea typeface="Calibri"/>
+                        <a:cs typeface="Times New Roman"/>
+                      </a:endParaRPr>
+                    </a:p>
+                  </a:txBody>
+                  <a:tcPr marL="68580" marR="68580" marT="0" marB="0"/>
+                </a:tc>
+                <a:tc>
+                  <a:txBody>
+                    <a:bodyPr/>
+                    <a:lstStyle/>
+                    <a:p>
+                      <a:pPr marL="0" marR="0">
+                        <a:lnSpc>
+                          <a:spcPct val="115000"/>
+                        </a:lnSpc>
+                        <a:spcBef>
+                          <a:spcPts val="0"/>
+                        </a:spcBef>
+                        <a:spcAft>
+                          <a:spcPts val="0"/>
+                        </a:spcAft>
+                      </a:pPr>
+                      <a:r>
+                        <a:rPr lang="en-US" sz="1000" b="0" dirty="0" smtClean="0">
+                          <a:solidFill>
+                            <a:srgbClr val="000000"/>
+                          </a:solidFill>
+                          <a:effectLst/>
+                          <a:latin typeface="Calibri"/>
+                          <a:ea typeface="Calibri"/>
+                          <a:cs typeface="Times New Roman"/>
+                        </a:rPr>
+                        <a:t>Charter Organization Representative </a:t>
+                      </a:r>
+                      <a:endParaRPr lang="en-US" sz="1000" b="0" dirty="0">
+                        <a:solidFill>
+                          <a:srgbClr val="000000"/>
+                        </a:solidFill>
+                        <a:effectLst/>
+                        <a:latin typeface="Calibri"/>
+                        <a:ea typeface="Calibri"/>
+                        <a:cs typeface="Times New Roman"/>
+                      </a:endParaRPr>
+                    </a:p>
+                  </a:txBody>
+                  <a:tcPr marL="68580" marR="68580" marT="0" marB="0"/>
+                </a:tc>
+              </a:tr>
+              <a:tr h="320354">
+                <a:tc>
+                  <a:txBody>
+                    <a:bodyPr/>
+                    <a:lstStyle/>
+                    <a:p>
+                      <a:pPr marL="0" marR="0">
+                        <a:lnSpc>
+                          <a:spcPct val="115000"/>
+                        </a:lnSpc>
+                        <a:spcBef>
+                          <a:spcPts val="0"/>
+                        </a:spcBef>
+                        <a:spcAft>
+                          <a:spcPts val="0"/>
+                        </a:spcAft>
+                      </a:pPr>
+                      <a:r>
+                        <a:rPr lang="en-US" sz="1000" b="1" dirty="0" smtClean="0">
+                          <a:solidFill>
+                            <a:srgbClr val="000000"/>
+                          </a:solidFill>
+                          <a:effectLst/>
+                          <a:latin typeface="Calibri"/>
+                          <a:ea typeface="Calibri"/>
+                          <a:cs typeface="Times New Roman"/>
+                        </a:rPr>
+                        <a:t>Scott Davidson</a:t>
+                      </a:r>
+                      <a:endParaRPr lang="en-US" sz="1000" dirty="0">
+                        <a:solidFill>
+                          <a:srgbClr val="000000"/>
+                        </a:solidFill>
+                        <a:effectLst/>
+                        <a:latin typeface="Calibri"/>
+                        <a:ea typeface="Calibri"/>
+                        <a:cs typeface="Times New Roman"/>
+                      </a:endParaRPr>
+                    </a:p>
+                  </a:txBody>
+                  <a:tcPr marL="68580" marR="68580" marT="0" marB="0"/>
+                </a:tc>
+                <a:tc>
+                  <a:txBody>
+                    <a:bodyPr/>
+                    <a:lstStyle/>
+                    <a:p>
+                      <a:pPr marL="0" marR="0">
+                        <a:lnSpc>
+                          <a:spcPct val="115000"/>
+                        </a:lnSpc>
+                        <a:spcBef>
+                          <a:spcPts val="0"/>
+                        </a:spcBef>
+                        <a:spcAft>
+                          <a:spcPts val="0"/>
+                        </a:spcAft>
+                      </a:pPr>
+                      <a:r>
+                        <a:rPr lang="en-US" sz="1000" dirty="0" smtClean="0">
+                          <a:solidFill>
+                            <a:srgbClr val="000000"/>
+                          </a:solidFill>
+                          <a:effectLst/>
+                          <a:latin typeface="Calibri"/>
+                          <a:ea typeface="Calibri"/>
+                          <a:cs typeface="Times New Roman"/>
+                        </a:rPr>
+                        <a:t>Committee Chairman</a:t>
+                      </a:r>
+                      <a:endParaRPr lang="en-US" sz="1000" dirty="0">
+                        <a:solidFill>
+                          <a:srgbClr val="000000"/>
+                        </a:solidFill>
+                        <a:effectLst/>
+                        <a:latin typeface="Calibri"/>
+                        <a:ea typeface="Calibri"/>
+                        <a:cs typeface="Times New Roman"/>
+                      </a:endParaRPr>
+                    </a:p>
+                  </a:txBody>
+                  <a:tcPr marL="68580" marR="68580" marT="0" marB="0"/>
+                </a:tc>
+              </a:tr>
+              <a:tr h="320354">
+                <a:tc>
+                  <a:txBody>
+                    <a:bodyPr/>
+                    <a:lstStyle/>
+                    <a:p>
+                      <a:pPr marL="0" marR="0">
+                        <a:lnSpc>
+                          <a:spcPct val="115000"/>
+                        </a:lnSpc>
+                        <a:spcBef>
+                          <a:spcPts val="0"/>
+                        </a:spcBef>
+                        <a:spcAft>
+                          <a:spcPts val="0"/>
+                        </a:spcAft>
+                      </a:pPr>
+                      <a:r>
+                        <a:rPr lang="en-US" sz="1000" b="1" dirty="0" smtClean="0">
+                          <a:solidFill>
+                            <a:srgbClr val="000000"/>
+                          </a:solidFill>
+                          <a:effectLst/>
+                          <a:latin typeface="Calibri"/>
+                          <a:ea typeface="Calibri"/>
+                          <a:cs typeface="Times New Roman"/>
+                        </a:rPr>
+                        <a:t>Mike Klein</a:t>
+                      </a:r>
+                      <a:endParaRPr lang="en-US" sz="1000" dirty="0">
+                        <a:solidFill>
+                          <a:srgbClr val="000000"/>
+                        </a:solidFill>
+                        <a:effectLst/>
+                        <a:latin typeface="Calibri"/>
+                        <a:ea typeface="Calibri"/>
+                        <a:cs typeface="Times New Roman"/>
+                      </a:endParaRPr>
+                    </a:p>
+                  </a:txBody>
+                  <a:tcPr marL="68580" marR="68580" marT="0" marB="0"/>
+                </a:tc>
+                <a:tc>
+                  <a:txBody>
+                    <a:bodyPr/>
+                    <a:lstStyle/>
+                    <a:p>
+                      <a:pPr marL="0" marR="0">
+                        <a:lnSpc>
+                          <a:spcPct val="115000"/>
+                        </a:lnSpc>
+                        <a:spcBef>
+                          <a:spcPts val="0"/>
+                        </a:spcBef>
+                        <a:spcAft>
+                          <a:spcPts val="0"/>
+                        </a:spcAft>
+                      </a:pPr>
+                      <a:r>
+                        <a:rPr lang="en-US" sz="1000" dirty="0" smtClean="0">
+                          <a:solidFill>
+                            <a:srgbClr val="000000"/>
+                          </a:solidFill>
+                          <a:effectLst/>
+                          <a:latin typeface="Calibri"/>
+                          <a:ea typeface="Calibri"/>
+                          <a:cs typeface="Times New Roman"/>
+                        </a:rPr>
+                        <a:t>Scout Master</a:t>
+                      </a:r>
+                      <a:endParaRPr lang="en-US" sz="1000" dirty="0">
+                        <a:solidFill>
+                          <a:srgbClr val="000000"/>
+                        </a:solidFill>
+                        <a:effectLst/>
+                        <a:latin typeface="Calibri"/>
+                        <a:ea typeface="Calibri"/>
+                        <a:cs typeface="Times New Roman"/>
+                      </a:endParaRPr>
+                    </a:p>
+                  </a:txBody>
+                  <a:tcPr marL="68580" marR="68580" marT="0" marB="0"/>
+                </a:tc>
+              </a:tr>
+              <a:tr h="320354">
+                <a:tc>
+                  <a:txBody>
+                    <a:bodyPr/>
+                    <a:lstStyle/>
+                    <a:p>
+                      <a:pPr marL="0" marR="0">
+                        <a:lnSpc>
+                          <a:spcPct val="115000"/>
+                        </a:lnSpc>
+                        <a:spcBef>
+                          <a:spcPts val="0"/>
+                        </a:spcBef>
+                        <a:spcAft>
+                          <a:spcPts val="0"/>
+                        </a:spcAft>
+                      </a:pPr>
+                      <a:r>
+                        <a:rPr lang="en-US" sz="1000" b="1" dirty="0" err="1" smtClean="0">
+                          <a:solidFill>
+                            <a:srgbClr val="000000"/>
+                          </a:solidFill>
+                          <a:effectLst/>
+                          <a:latin typeface="Calibri"/>
+                          <a:ea typeface="Calibri"/>
+                          <a:cs typeface="Times New Roman"/>
+                        </a:rPr>
+                        <a:t>Pushpak</a:t>
+                      </a:r>
+                      <a:r>
+                        <a:rPr lang="en-US" sz="1000" b="1" baseline="0" dirty="0" smtClean="0">
+                          <a:solidFill>
+                            <a:srgbClr val="000000"/>
+                          </a:solidFill>
+                          <a:effectLst/>
+                          <a:latin typeface="Calibri"/>
+                          <a:ea typeface="Calibri"/>
+                          <a:cs typeface="Times New Roman"/>
+                        </a:rPr>
+                        <a:t> </a:t>
+                      </a:r>
+                      <a:r>
+                        <a:rPr lang="en-US" sz="1000" b="1" baseline="0" dirty="0" err="1" smtClean="0">
+                          <a:solidFill>
+                            <a:srgbClr val="000000"/>
+                          </a:solidFill>
+                          <a:effectLst/>
+                          <a:latin typeface="Calibri"/>
+                          <a:ea typeface="Calibri"/>
+                          <a:cs typeface="Times New Roman"/>
+                        </a:rPr>
+                        <a:t>Bapat</a:t>
+                      </a:r>
+                      <a:endParaRPr lang="en-US" sz="1000" dirty="0">
+                        <a:solidFill>
+                          <a:srgbClr val="000000"/>
+                        </a:solidFill>
+                        <a:effectLst/>
+                        <a:latin typeface="Calibri"/>
+                        <a:ea typeface="Calibri"/>
+                        <a:cs typeface="Times New Roman"/>
+                      </a:endParaRPr>
+                    </a:p>
+                  </a:txBody>
+                  <a:tcPr marL="68580" marR="68580" marT="0" marB="0"/>
+                </a:tc>
+                <a:tc>
+                  <a:txBody>
+                    <a:bodyPr/>
+                    <a:lstStyle/>
+                    <a:p>
+                      <a:pPr marL="0" marR="0">
+                        <a:lnSpc>
+                          <a:spcPct val="115000"/>
+                        </a:lnSpc>
+                        <a:spcBef>
+                          <a:spcPts val="0"/>
+                        </a:spcBef>
+                        <a:spcAft>
+                          <a:spcPts val="0"/>
+                        </a:spcAft>
+                      </a:pPr>
+                      <a:r>
+                        <a:rPr lang="en-US" sz="1000" dirty="0" smtClean="0">
+                          <a:solidFill>
+                            <a:srgbClr val="000000"/>
+                          </a:solidFill>
+                          <a:effectLst/>
+                          <a:latin typeface="Calibri"/>
+                          <a:ea typeface="Calibri"/>
+                          <a:cs typeface="Times New Roman"/>
+                        </a:rPr>
+                        <a:t>Asst. Scout Master</a:t>
+                      </a:r>
+                      <a:endParaRPr lang="en-US" sz="1000" dirty="0">
+                        <a:solidFill>
+                          <a:srgbClr val="000000"/>
+                        </a:solidFill>
+                        <a:effectLst/>
+                        <a:latin typeface="Calibri"/>
+                        <a:ea typeface="Calibri"/>
+                        <a:cs typeface="Times New Roman"/>
+                      </a:endParaRPr>
+                    </a:p>
+                  </a:txBody>
+                  <a:tcPr marL="68580" marR="68580" marT="0" marB="0"/>
+                </a:tc>
+              </a:tr>
+              <a:tr h="320354">
+                <a:tc>
+                  <a:txBody>
+                    <a:bodyPr/>
+                    <a:lstStyle/>
+                    <a:p>
+                      <a:pPr marL="0" marR="0">
+                        <a:lnSpc>
+                          <a:spcPct val="115000"/>
+                        </a:lnSpc>
+                        <a:spcBef>
+                          <a:spcPts val="0"/>
+                        </a:spcBef>
+                        <a:spcAft>
+                          <a:spcPts val="0"/>
+                        </a:spcAft>
+                      </a:pPr>
+                      <a:r>
+                        <a:rPr lang="en-US" sz="1000" b="1" dirty="0" smtClean="0">
+                          <a:solidFill>
+                            <a:srgbClr val="000000"/>
+                          </a:solidFill>
+                          <a:effectLst/>
+                          <a:latin typeface="Calibri"/>
+                          <a:ea typeface="Calibri"/>
+                          <a:cs typeface="Times New Roman"/>
+                        </a:rPr>
+                        <a:t>Paul </a:t>
+                      </a:r>
+                      <a:r>
+                        <a:rPr lang="en-US" sz="1000" b="1" dirty="0" err="1" smtClean="0">
+                          <a:solidFill>
+                            <a:srgbClr val="000000"/>
+                          </a:solidFill>
+                          <a:effectLst/>
+                          <a:latin typeface="Calibri"/>
+                          <a:ea typeface="Calibri"/>
+                          <a:cs typeface="Times New Roman"/>
+                        </a:rPr>
+                        <a:t>Besser</a:t>
+                      </a:r>
+                      <a:endParaRPr lang="en-US" sz="1000" dirty="0">
+                        <a:solidFill>
+                          <a:srgbClr val="000000"/>
+                        </a:solidFill>
+                        <a:effectLst/>
+                        <a:latin typeface="Calibri"/>
+                        <a:ea typeface="Calibri"/>
+                        <a:cs typeface="Times New Roman"/>
+                      </a:endParaRPr>
+                    </a:p>
+                  </a:txBody>
+                  <a:tcPr marL="68580" marR="68580" marT="0" marB="0"/>
+                </a:tc>
+                <a:tc>
+                  <a:txBody>
+                    <a:bodyPr/>
+                    <a:lstStyle/>
+                    <a:p>
+                      <a:pPr marL="0" marR="0">
+                        <a:lnSpc>
+                          <a:spcPct val="115000"/>
+                        </a:lnSpc>
+                        <a:spcBef>
+                          <a:spcPts val="0"/>
+                        </a:spcBef>
+                        <a:spcAft>
+                          <a:spcPts val="0"/>
+                        </a:spcAft>
+                      </a:pPr>
+                      <a:r>
+                        <a:rPr lang="en-US" sz="1000" dirty="0" smtClean="0">
+                          <a:solidFill>
+                            <a:srgbClr val="000000"/>
+                          </a:solidFill>
+                          <a:effectLst/>
+                          <a:latin typeface="+mn-lt"/>
+                          <a:ea typeface="Calibri"/>
+                          <a:cs typeface="Times New Roman"/>
+                        </a:rPr>
+                        <a:t>Asst. Scout Master</a:t>
+                      </a:r>
+                      <a:endParaRPr lang="en-US" sz="1000" dirty="0">
+                        <a:solidFill>
+                          <a:srgbClr val="000000"/>
+                        </a:solidFill>
+                        <a:effectLst/>
+                        <a:latin typeface="+mn-lt"/>
+                        <a:ea typeface="Calibri"/>
+                        <a:cs typeface="Times New Roman"/>
+                      </a:endParaRPr>
+                    </a:p>
+                  </a:txBody>
+                  <a:tcPr marL="68580" marR="68580" marT="0" marB="0"/>
+                </a:tc>
+              </a:tr>
+              <a:tr h="320354">
+                <a:tc>
+                  <a:txBody>
+                    <a:bodyPr/>
+                    <a:lstStyle/>
+                    <a:p>
+                      <a:pPr marL="0" marR="0">
+                        <a:lnSpc>
+                          <a:spcPct val="115000"/>
+                        </a:lnSpc>
+                        <a:spcBef>
+                          <a:spcPts val="0"/>
+                        </a:spcBef>
+                        <a:spcAft>
+                          <a:spcPts val="0"/>
+                        </a:spcAft>
+                      </a:pPr>
+                      <a:r>
+                        <a:rPr lang="en-US" sz="1000" b="1" dirty="0" err="1" smtClean="0">
+                          <a:solidFill>
+                            <a:srgbClr val="000000"/>
+                          </a:solidFill>
+                          <a:effectLst/>
+                          <a:latin typeface="Calibri"/>
+                          <a:ea typeface="Calibri"/>
+                          <a:cs typeface="Times New Roman"/>
+                        </a:rPr>
+                        <a:t>Itzik</a:t>
+                      </a:r>
+                      <a:r>
+                        <a:rPr lang="en-US" sz="1000" b="1" dirty="0" smtClean="0">
+                          <a:solidFill>
+                            <a:srgbClr val="000000"/>
+                          </a:solidFill>
+                          <a:effectLst/>
+                          <a:latin typeface="Calibri"/>
+                          <a:ea typeface="Calibri"/>
+                          <a:cs typeface="Times New Roman"/>
+                        </a:rPr>
+                        <a:t> </a:t>
+                      </a:r>
+                      <a:r>
+                        <a:rPr lang="en-US" sz="1000" b="1" dirty="0" err="1" smtClean="0">
+                          <a:solidFill>
+                            <a:srgbClr val="000000"/>
+                          </a:solidFill>
+                          <a:effectLst/>
+                          <a:latin typeface="Calibri"/>
+                          <a:ea typeface="Calibri"/>
+                          <a:cs typeface="Times New Roman"/>
+                        </a:rPr>
+                        <a:t>Gilboa</a:t>
+                      </a:r>
+                      <a:endParaRPr lang="en-US" sz="1000" dirty="0">
+                        <a:solidFill>
+                          <a:srgbClr val="000000"/>
+                        </a:solidFill>
+                        <a:effectLst/>
+                        <a:latin typeface="Calibri"/>
+                        <a:ea typeface="Calibri"/>
+                        <a:cs typeface="Times New Roman"/>
+                      </a:endParaRPr>
+                    </a:p>
+                  </a:txBody>
+                  <a:tcPr marL="68580" marR="68580" marT="0" marB="0"/>
+                </a:tc>
+                <a:tc>
+                  <a:txBody>
+                    <a:bodyPr/>
+                    <a:lstStyle/>
+                    <a:p>
+                      <a:pPr marL="0" marR="0" indent="0" algn="l" defTabSz="914400" rtl="0" eaLnBrk="1" fontAlgn="auto" latinLnBrk="0" hangingPunct="1">
+                        <a:lnSpc>
+                          <a:spcPct val="115000"/>
+                        </a:lnSpc>
+                        <a:spcBef>
+                          <a:spcPts val="0"/>
+                        </a:spcBef>
+                        <a:spcAft>
+                          <a:spcPts val="0"/>
+                        </a:spcAft>
+                        <a:buClrTx/>
+                        <a:buSzTx/>
+                        <a:buFontTx/>
+                        <a:buNone/>
+                        <a:tabLst/>
+                        <a:defRPr/>
+                      </a:pPr>
+                      <a:r>
+                        <a:rPr lang="en-US" sz="1000" dirty="0" smtClean="0">
+                          <a:solidFill>
+                            <a:srgbClr val="000000"/>
+                          </a:solidFill>
+                          <a:effectLst/>
+                          <a:latin typeface="+mn-lt"/>
+                          <a:ea typeface="Calibri"/>
+                          <a:cs typeface="Times New Roman"/>
+                        </a:rPr>
+                        <a:t>Asst. Scout Master</a:t>
+                      </a:r>
+                    </a:p>
+                  </a:txBody>
+                  <a:tcPr marL="68580" marR="68580" marT="0" marB="0"/>
+                </a:tc>
+              </a:tr>
+              <a:tr h="320354">
+                <a:tc>
+                  <a:txBody>
+                    <a:bodyPr/>
+                    <a:lstStyle/>
+                    <a:p>
+                      <a:pPr marL="0" marR="0">
+                        <a:lnSpc>
+                          <a:spcPct val="115000"/>
+                        </a:lnSpc>
+                        <a:spcBef>
+                          <a:spcPts val="0"/>
+                        </a:spcBef>
+                        <a:spcAft>
+                          <a:spcPts val="0"/>
+                        </a:spcAft>
+                      </a:pPr>
+                      <a:r>
+                        <a:rPr lang="en-US" sz="1000" b="1" dirty="0" smtClean="0">
+                          <a:solidFill>
+                            <a:srgbClr val="000000"/>
+                          </a:solidFill>
+                          <a:effectLst/>
+                          <a:latin typeface="Calibri"/>
+                          <a:ea typeface="Calibri"/>
+                          <a:cs typeface="Times New Roman"/>
+                        </a:rPr>
+                        <a:t>Sam Sun</a:t>
+                      </a:r>
+                      <a:endParaRPr lang="en-US" sz="1000" dirty="0">
+                        <a:solidFill>
+                          <a:srgbClr val="000000"/>
+                        </a:solidFill>
+                        <a:effectLst/>
+                        <a:latin typeface="Calibri"/>
+                        <a:ea typeface="Calibri"/>
+                        <a:cs typeface="Times New Roman"/>
+                      </a:endParaRPr>
+                    </a:p>
+                  </a:txBody>
+                  <a:tcPr marL="68580" marR="68580" marT="0" marB="0"/>
+                </a:tc>
+                <a:tc>
+                  <a:txBody>
+                    <a:bodyPr/>
+                    <a:lstStyle/>
+                    <a:p>
+                      <a:pPr marL="0" marR="0">
+                        <a:lnSpc>
+                          <a:spcPct val="115000"/>
+                        </a:lnSpc>
+                        <a:spcBef>
+                          <a:spcPts val="0"/>
+                        </a:spcBef>
+                        <a:spcAft>
+                          <a:spcPts val="0"/>
+                        </a:spcAft>
+                      </a:pPr>
+                      <a:r>
+                        <a:rPr lang="en-US" sz="1000" dirty="0" smtClean="0">
+                          <a:solidFill>
+                            <a:srgbClr val="000000"/>
+                          </a:solidFill>
+                          <a:effectLst/>
+                          <a:latin typeface="+mn-lt"/>
+                          <a:ea typeface="Calibri"/>
+                          <a:cs typeface="Times New Roman"/>
+                        </a:rPr>
+                        <a:t>Asst. Scout Master</a:t>
+                      </a:r>
+                      <a:endParaRPr lang="en-US" sz="1000" dirty="0">
+                        <a:solidFill>
+                          <a:srgbClr val="000000"/>
+                        </a:solidFill>
+                        <a:effectLst/>
+                        <a:latin typeface="+mn-lt"/>
+                        <a:ea typeface="Calibri"/>
+                        <a:cs typeface="Times New Roman"/>
+                      </a:endParaRPr>
+                    </a:p>
+                  </a:txBody>
+                  <a:tcPr marL="68580" marR="68580" marT="0" marB="0"/>
+                </a:tc>
+              </a:tr>
+              <a:tr h="320354">
+                <a:tc>
+                  <a:txBody>
+                    <a:bodyPr/>
+                    <a:lstStyle/>
+                    <a:p>
+                      <a:pPr marL="0" marR="0">
+                        <a:lnSpc>
+                          <a:spcPct val="115000"/>
+                        </a:lnSpc>
+                        <a:spcBef>
+                          <a:spcPts val="0"/>
+                        </a:spcBef>
+                        <a:spcAft>
+                          <a:spcPts val="0"/>
+                        </a:spcAft>
+                      </a:pPr>
+                      <a:r>
+                        <a:rPr lang="en-US" sz="1000" b="1" dirty="0" smtClean="0">
+                          <a:solidFill>
+                            <a:srgbClr val="000000"/>
+                          </a:solidFill>
+                          <a:effectLst/>
+                          <a:latin typeface="Calibri"/>
+                          <a:ea typeface="Calibri"/>
+                          <a:cs typeface="Times New Roman"/>
+                        </a:rPr>
+                        <a:t>Rick Adolf</a:t>
+                      </a:r>
+                      <a:endParaRPr lang="en-US" sz="1000" dirty="0">
+                        <a:solidFill>
+                          <a:srgbClr val="000000"/>
+                        </a:solidFill>
+                        <a:effectLst/>
+                        <a:latin typeface="Calibri"/>
+                        <a:ea typeface="Calibri"/>
+                        <a:cs typeface="Times New Roman"/>
+                      </a:endParaRPr>
+                    </a:p>
+                  </a:txBody>
+                  <a:tcPr marL="68580" marR="68580" marT="0" marB="0"/>
+                </a:tc>
+                <a:tc>
+                  <a:txBody>
+                    <a:bodyPr/>
+                    <a:lstStyle/>
+                    <a:p>
+                      <a:pPr marL="0" marR="0">
+                        <a:lnSpc>
+                          <a:spcPct val="115000"/>
+                        </a:lnSpc>
+                        <a:spcBef>
+                          <a:spcPts val="0"/>
+                        </a:spcBef>
+                        <a:spcAft>
+                          <a:spcPts val="0"/>
+                        </a:spcAft>
+                      </a:pPr>
+                      <a:r>
+                        <a:rPr lang="en-US" sz="1000" dirty="0" smtClean="0">
+                          <a:solidFill>
+                            <a:srgbClr val="000000"/>
+                          </a:solidFill>
+                          <a:effectLst/>
+                          <a:latin typeface="+mn-lt"/>
+                          <a:ea typeface="Calibri"/>
+                          <a:cs typeface="Times New Roman"/>
+                        </a:rPr>
+                        <a:t>Asst. Scout Master</a:t>
+                      </a:r>
+                      <a:endParaRPr lang="en-US" sz="1000" dirty="0">
+                        <a:solidFill>
+                          <a:srgbClr val="000000"/>
+                        </a:solidFill>
+                        <a:effectLst/>
+                        <a:latin typeface="+mn-lt"/>
+                        <a:ea typeface="Calibri"/>
+                        <a:cs typeface="Times New Roman"/>
+                      </a:endParaRPr>
+                    </a:p>
+                  </a:txBody>
+                  <a:tcPr marL="68580" marR="68580" marT="0" marB="0"/>
+                </a:tc>
+              </a:tr>
+              <a:tr h="320354">
+                <a:tc>
+                  <a:txBody>
+                    <a:bodyPr/>
+                    <a:lstStyle/>
+                    <a:p>
+                      <a:pPr marL="0" marR="0">
+                        <a:lnSpc>
+                          <a:spcPct val="115000"/>
+                        </a:lnSpc>
+                        <a:spcBef>
+                          <a:spcPts val="0"/>
+                        </a:spcBef>
+                        <a:spcAft>
+                          <a:spcPts val="0"/>
+                        </a:spcAft>
+                      </a:pPr>
+                      <a:r>
+                        <a:rPr lang="en-US" sz="1000" b="1" dirty="0" smtClean="0">
+                          <a:solidFill>
+                            <a:srgbClr val="000000"/>
+                          </a:solidFill>
+                          <a:effectLst/>
+                          <a:latin typeface="Calibri"/>
+                          <a:ea typeface="Calibri"/>
+                          <a:cs typeface="Times New Roman"/>
+                        </a:rPr>
+                        <a:t>Eric </a:t>
+                      </a:r>
+                      <a:r>
+                        <a:rPr lang="en-US" sz="1000" b="1" dirty="0" err="1" smtClean="0">
+                          <a:solidFill>
+                            <a:srgbClr val="000000"/>
+                          </a:solidFill>
+                          <a:effectLst/>
+                          <a:latin typeface="Calibri"/>
+                          <a:ea typeface="Calibri"/>
+                          <a:cs typeface="Times New Roman"/>
+                        </a:rPr>
+                        <a:t>Wilford</a:t>
+                      </a:r>
+                      <a:endParaRPr lang="en-US" sz="1000" dirty="0">
+                        <a:solidFill>
+                          <a:srgbClr val="000000"/>
+                        </a:solidFill>
+                        <a:effectLst/>
+                        <a:latin typeface="Calibri"/>
+                        <a:ea typeface="Calibri"/>
+                        <a:cs typeface="Times New Roman"/>
+                      </a:endParaRPr>
+                    </a:p>
+                  </a:txBody>
+                  <a:tcPr marL="68580" marR="68580" marT="0" marB="0"/>
+                </a:tc>
+                <a:tc>
+                  <a:txBody>
+                    <a:bodyPr/>
+                    <a:lstStyle/>
+                    <a:p>
+                      <a:pPr marL="0" marR="0">
+                        <a:lnSpc>
+                          <a:spcPct val="115000"/>
+                        </a:lnSpc>
+                        <a:spcBef>
+                          <a:spcPts val="0"/>
+                        </a:spcBef>
+                        <a:spcAft>
+                          <a:spcPts val="0"/>
+                        </a:spcAft>
+                      </a:pPr>
+                      <a:r>
+                        <a:rPr lang="en-US" sz="1000" dirty="0" smtClean="0">
+                          <a:solidFill>
+                            <a:srgbClr val="000000"/>
+                          </a:solidFill>
+                          <a:effectLst/>
+                          <a:latin typeface="+mn-lt"/>
+                          <a:ea typeface="Calibri"/>
+                          <a:cs typeface="Times New Roman"/>
+                        </a:rPr>
+                        <a:t>Asst. Scout Master</a:t>
+                      </a:r>
+                      <a:endParaRPr lang="en-US" sz="1000" dirty="0">
+                        <a:solidFill>
+                          <a:srgbClr val="000000"/>
+                        </a:solidFill>
+                        <a:effectLst/>
+                        <a:latin typeface="+mn-lt"/>
+                        <a:ea typeface="Calibri"/>
+                        <a:cs typeface="Times New Roman"/>
+                      </a:endParaRPr>
+                    </a:p>
+                  </a:txBody>
+                  <a:tcPr marL="68580" marR="68580" marT="0" marB="0"/>
+                </a:tc>
+              </a:tr>
+              <a:tr h="320354">
+                <a:tc>
+                  <a:txBody>
+                    <a:bodyPr/>
+                    <a:lstStyle/>
+                    <a:p>
+                      <a:pPr marL="0" marR="0">
+                        <a:lnSpc>
+                          <a:spcPct val="115000"/>
+                        </a:lnSpc>
+                        <a:spcBef>
+                          <a:spcPts val="0"/>
+                        </a:spcBef>
+                        <a:spcAft>
+                          <a:spcPts val="0"/>
+                        </a:spcAft>
+                        <a:tabLst>
+                          <a:tab pos="604520" algn="l"/>
+                        </a:tabLst>
+                      </a:pPr>
+                      <a:r>
+                        <a:rPr lang="en-US" sz="1000" b="1" dirty="0" smtClean="0">
+                          <a:solidFill>
+                            <a:srgbClr val="000000"/>
+                          </a:solidFill>
+                          <a:effectLst/>
+                          <a:latin typeface="Calibri"/>
+                          <a:ea typeface="Calibri"/>
+                          <a:cs typeface="Times New Roman"/>
+                        </a:rPr>
+                        <a:t>Max </a:t>
+                      </a:r>
+                      <a:r>
+                        <a:rPr lang="en-US" sz="1000" b="1" dirty="0" err="1" smtClean="0">
+                          <a:solidFill>
+                            <a:srgbClr val="000000"/>
+                          </a:solidFill>
+                          <a:effectLst/>
+                          <a:latin typeface="Calibri"/>
+                          <a:ea typeface="Calibri"/>
+                          <a:cs typeface="Times New Roman"/>
+                        </a:rPr>
+                        <a:t>Uyematsu</a:t>
+                      </a:r>
+                      <a:endParaRPr lang="en-US" sz="1000" dirty="0">
+                        <a:solidFill>
+                          <a:srgbClr val="000000"/>
+                        </a:solidFill>
+                        <a:effectLst/>
+                        <a:latin typeface="Calibri"/>
+                        <a:ea typeface="Calibri"/>
+                        <a:cs typeface="Times New Roman"/>
+                      </a:endParaRPr>
+                    </a:p>
+                  </a:txBody>
+                  <a:tcPr marL="68580" marR="68580" marT="0" marB="0"/>
+                </a:tc>
+                <a:tc>
+                  <a:txBody>
+                    <a:bodyPr/>
+                    <a:lstStyle/>
+                    <a:p>
+                      <a:pPr marL="0" marR="0">
+                        <a:lnSpc>
+                          <a:spcPct val="115000"/>
+                        </a:lnSpc>
+                        <a:spcBef>
+                          <a:spcPts val="0"/>
+                        </a:spcBef>
+                        <a:spcAft>
+                          <a:spcPts val="0"/>
+                        </a:spcAft>
+                      </a:pPr>
+                      <a:r>
+                        <a:rPr lang="en-US" sz="1000" dirty="0" smtClean="0">
+                          <a:solidFill>
+                            <a:srgbClr val="000000"/>
+                          </a:solidFill>
+                          <a:effectLst/>
+                          <a:latin typeface="+mn-lt"/>
+                          <a:ea typeface="Calibri"/>
+                          <a:cs typeface="Times New Roman"/>
+                        </a:rPr>
+                        <a:t>Asst. Scout Master</a:t>
+                      </a:r>
+                      <a:endParaRPr lang="en-US" sz="1000" dirty="0">
+                        <a:solidFill>
+                          <a:srgbClr val="000000"/>
+                        </a:solidFill>
+                        <a:effectLst/>
+                        <a:latin typeface="+mn-lt"/>
+                        <a:ea typeface="Calibri"/>
+                        <a:cs typeface="Times New Roman"/>
+                      </a:endParaRPr>
+                    </a:p>
+                  </a:txBody>
+                  <a:tcPr marL="68580" marR="68580" marT="0" marB="0"/>
+                </a:tc>
+              </a:tr>
+              <a:tr h="320354">
+                <a:tc>
+                  <a:txBody>
+                    <a:bodyPr/>
+                    <a:lstStyle/>
+                    <a:p>
+                      <a:pPr marL="0" marR="0">
+                        <a:lnSpc>
+                          <a:spcPct val="115000"/>
+                        </a:lnSpc>
+                        <a:spcBef>
+                          <a:spcPts val="0"/>
+                        </a:spcBef>
+                        <a:spcAft>
+                          <a:spcPts val="0"/>
+                        </a:spcAft>
+                      </a:pPr>
+                      <a:r>
+                        <a:rPr lang="en-US" sz="1000" b="1" dirty="0" smtClean="0">
+                          <a:solidFill>
+                            <a:srgbClr val="000000"/>
+                          </a:solidFill>
+                          <a:effectLst/>
+                          <a:latin typeface="Calibri"/>
+                          <a:ea typeface="Calibri"/>
+                          <a:cs typeface="Times New Roman"/>
+                        </a:rPr>
+                        <a:t>Riley Howard</a:t>
+                      </a:r>
+                      <a:endParaRPr lang="en-US" sz="1000" dirty="0">
+                        <a:solidFill>
+                          <a:srgbClr val="000000"/>
+                        </a:solidFill>
+                        <a:effectLst/>
+                        <a:latin typeface="Calibri"/>
+                        <a:ea typeface="Calibri"/>
+                        <a:cs typeface="Times New Roman"/>
+                      </a:endParaRPr>
+                    </a:p>
+                  </a:txBody>
+                  <a:tcPr marL="68580" marR="68580" marT="0" marB="0"/>
+                </a:tc>
+                <a:tc>
+                  <a:txBody>
+                    <a:bodyPr/>
+                    <a:lstStyle/>
+                    <a:p>
+                      <a:pPr marL="0" marR="0">
+                        <a:lnSpc>
+                          <a:spcPct val="115000"/>
+                        </a:lnSpc>
+                        <a:spcBef>
+                          <a:spcPts val="0"/>
+                        </a:spcBef>
+                        <a:spcAft>
+                          <a:spcPts val="0"/>
+                        </a:spcAft>
+                      </a:pPr>
+                      <a:r>
+                        <a:rPr lang="en-US" sz="1000" dirty="0" smtClean="0">
+                          <a:solidFill>
+                            <a:srgbClr val="000000"/>
+                          </a:solidFill>
+                          <a:effectLst/>
+                          <a:latin typeface="+mn-lt"/>
+                          <a:ea typeface="Calibri"/>
+                          <a:cs typeface="Times New Roman"/>
+                        </a:rPr>
+                        <a:t>Asst. Scout Master</a:t>
+                      </a:r>
+                      <a:endParaRPr lang="en-US" sz="1000" dirty="0">
+                        <a:solidFill>
+                          <a:srgbClr val="000000"/>
+                        </a:solidFill>
+                        <a:effectLst/>
+                        <a:latin typeface="+mn-lt"/>
+                        <a:ea typeface="Calibri"/>
+                        <a:cs typeface="Times New Roman"/>
+                      </a:endParaRPr>
+                    </a:p>
+                  </a:txBody>
+                  <a:tcPr marL="68580" marR="68580" marT="0" marB="0"/>
+                </a:tc>
+              </a:tr>
+              <a:tr h="320354">
+                <a:tc>
+                  <a:txBody>
+                    <a:bodyPr/>
+                    <a:lstStyle/>
+                    <a:p>
+                      <a:pPr marL="0" marR="0">
+                        <a:lnSpc>
+                          <a:spcPct val="115000"/>
+                        </a:lnSpc>
+                        <a:spcBef>
+                          <a:spcPts val="0"/>
+                        </a:spcBef>
+                        <a:spcAft>
+                          <a:spcPts val="0"/>
+                        </a:spcAft>
+                      </a:pPr>
+                      <a:r>
+                        <a:rPr lang="en-US" sz="1000" b="1" dirty="0" smtClean="0">
+                          <a:solidFill>
+                            <a:srgbClr val="000000"/>
+                          </a:solidFill>
+                          <a:effectLst/>
+                          <a:latin typeface="Calibri"/>
+                          <a:ea typeface="Calibri"/>
+                          <a:cs typeface="Times New Roman"/>
+                        </a:rPr>
+                        <a:t>Stan Schneider</a:t>
+                      </a:r>
+                      <a:endParaRPr lang="en-US" sz="1000" dirty="0">
+                        <a:solidFill>
+                          <a:srgbClr val="000000"/>
+                        </a:solidFill>
+                        <a:effectLst/>
+                        <a:latin typeface="Calibri"/>
+                        <a:ea typeface="Calibri"/>
+                        <a:cs typeface="Times New Roman"/>
+                      </a:endParaRPr>
+                    </a:p>
+                  </a:txBody>
+                  <a:tcPr marL="68580" marR="68580" marT="0" marB="0"/>
+                </a:tc>
+                <a:tc>
+                  <a:txBody>
+                    <a:bodyPr/>
+                    <a:lstStyle/>
+                    <a:p>
+                      <a:pPr marL="0" marR="0">
+                        <a:lnSpc>
+                          <a:spcPct val="115000"/>
+                        </a:lnSpc>
+                        <a:spcBef>
+                          <a:spcPts val="0"/>
+                        </a:spcBef>
+                        <a:spcAft>
+                          <a:spcPts val="0"/>
+                        </a:spcAft>
+                      </a:pPr>
+                      <a:r>
+                        <a:rPr lang="en-US" sz="1000" dirty="0" smtClean="0">
+                          <a:solidFill>
+                            <a:srgbClr val="000000"/>
+                          </a:solidFill>
+                          <a:effectLst/>
+                          <a:latin typeface="+mn-lt"/>
+                          <a:ea typeface="Calibri"/>
+                          <a:cs typeface="Times New Roman"/>
+                        </a:rPr>
+                        <a:t>Asst. Scout Master</a:t>
+                      </a:r>
+                      <a:endParaRPr lang="en-US" sz="1000" dirty="0">
+                        <a:solidFill>
+                          <a:srgbClr val="000000"/>
+                        </a:solidFill>
+                        <a:effectLst/>
+                        <a:latin typeface="+mn-lt"/>
+                        <a:ea typeface="Calibri"/>
+                        <a:cs typeface="Times New Roman"/>
+                      </a:endParaRPr>
+                    </a:p>
+                  </a:txBody>
+                  <a:tcPr marL="68580" marR="68580" marT="0" marB="0"/>
+                </a:tc>
+              </a:tr>
+              <a:tr h="320354">
+                <a:tc>
+                  <a:txBody>
+                    <a:bodyPr/>
+                    <a:lstStyle/>
+                    <a:p>
+                      <a:pPr marL="0" marR="0">
+                        <a:lnSpc>
+                          <a:spcPct val="115000"/>
+                        </a:lnSpc>
+                        <a:spcBef>
+                          <a:spcPts val="0"/>
+                        </a:spcBef>
+                        <a:spcAft>
+                          <a:spcPts val="0"/>
+                        </a:spcAft>
+                      </a:pPr>
+                      <a:r>
+                        <a:rPr lang="en-US" sz="1000" b="1" dirty="0" err="1" smtClean="0">
+                          <a:solidFill>
+                            <a:srgbClr val="000000"/>
+                          </a:solidFill>
+                          <a:effectLst/>
+                          <a:latin typeface="Calibri"/>
+                          <a:ea typeface="Calibri"/>
+                          <a:cs typeface="Times New Roman"/>
+                        </a:rPr>
+                        <a:t>Mukund</a:t>
+                      </a:r>
+                      <a:r>
+                        <a:rPr lang="en-US" sz="1000" b="1" dirty="0" smtClean="0">
+                          <a:solidFill>
+                            <a:srgbClr val="000000"/>
+                          </a:solidFill>
+                          <a:effectLst/>
+                          <a:latin typeface="Calibri"/>
+                          <a:ea typeface="Calibri"/>
+                          <a:cs typeface="Times New Roman"/>
+                        </a:rPr>
+                        <a:t> </a:t>
+                      </a:r>
+                      <a:r>
+                        <a:rPr lang="en-US" sz="1000" b="1" dirty="0" err="1" smtClean="0">
+                          <a:solidFill>
+                            <a:srgbClr val="000000"/>
+                          </a:solidFill>
+                          <a:effectLst/>
+                          <a:latin typeface="Calibri"/>
+                          <a:ea typeface="Calibri"/>
+                          <a:cs typeface="Times New Roman"/>
+                        </a:rPr>
+                        <a:t>Madhugiri</a:t>
+                      </a:r>
+                      <a:endParaRPr lang="en-US" sz="1000" dirty="0">
+                        <a:solidFill>
+                          <a:srgbClr val="000000"/>
+                        </a:solidFill>
+                        <a:effectLst/>
+                        <a:latin typeface="Calibri"/>
+                        <a:ea typeface="Calibri"/>
+                        <a:cs typeface="Times New Roman"/>
+                      </a:endParaRPr>
+                    </a:p>
+                  </a:txBody>
+                  <a:tcPr marL="68580" marR="68580" marT="0" marB="0"/>
+                </a:tc>
+                <a:tc>
+                  <a:txBody>
+                    <a:bodyPr/>
+                    <a:lstStyle/>
+                    <a:p>
+                      <a:pPr marL="0" marR="0">
+                        <a:lnSpc>
+                          <a:spcPct val="115000"/>
+                        </a:lnSpc>
+                        <a:spcBef>
+                          <a:spcPts val="0"/>
+                        </a:spcBef>
+                        <a:spcAft>
+                          <a:spcPts val="0"/>
+                        </a:spcAft>
+                      </a:pPr>
+                      <a:r>
+                        <a:rPr lang="en-US" sz="1000">
+                          <a:solidFill>
+                            <a:srgbClr val="000000"/>
+                          </a:solidFill>
+                          <a:effectLst/>
+                          <a:latin typeface="Calibri"/>
+                          <a:ea typeface="Calibri"/>
+                          <a:cs typeface="Times New Roman"/>
+                        </a:rPr>
+                        <a:t>Thunder Sharks Patrol Leader</a:t>
+                      </a:r>
+                    </a:p>
+                  </a:txBody>
+                  <a:tcPr marL="68580" marR="68580" marT="0" marB="0"/>
+                </a:tc>
+              </a:tr>
+              <a:tr h="320354">
+                <a:tc>
+                  <a:txBody>
+                    <a:bodyPr/>
+                    <a:lstStyle/>
+                    <a:p>
+                      <a:pPr marL="0" marR="0">
+                        <a:lnSpc>
+                          <a:spcPct val="115000"/>
+                        </a:lnSpc>
+                        <a:spcBef>
+                          <a:spcPts val="0"/>
+                        </a:spcBef>
+                        <a:spcAft>
+                          <a:spcPts val="0"/>
+                        </a:spcAft>
+                      </a:pPr>
+                      <a:r>
+                        <a:rPr lang="en-US" sz="1000" b="1" dirty="0" smtClean="0">
+                          <a:solidFill>
+                            <a:srgbClr val="000000"/>
+                          </a:solidFill>
+                          <a:effectLst/>
+                          <a:latin typeface="Calibri"/>
+                          <a:ea typeface="Calibri"/>
+                          <a:cs typeface="Times New Roman"/>
+                        </a:rPr>
+                        <a:t>Cindy Mao</a:t>
+                      </a:r>
+                      <a:endParaRPr lang="en-US" sz="1000" dirty="0">
+                        <a:solidFill>
+                          <a:srgbClr val="000000"/>
+                        </a:solidFill>
+                        <a:effectLst/>
+                        <a:latin typeface="Calibri"/>
+                        <a:ea typeface="Calibri"/>
+                        <a:cs typeface="Times New Roman"/>
+                      </a:endParaRPr>
+                    </a:p>
+                  </a:txBody>
+                  <a:tcPr marL="68580" marR="68580" marT="0" marB="0"/>
+                </a:tc>
+                <a:tc>
+                  <a:txBody>
+                    <a:bodyPr/>
+                    <a:lstStyle/>
+                    <a:p>
+                      <a:pPr marL="0" marR="0">
+                        <a:lnSpc>
+                          <a:spcPct val="115000"/>
+                        </a:lnSpc>
+                        <a:spcBef>
+                          <a:spcPts val="0"/>
+                        </a:spcBef>
+                        <a:spcAft>
+                          <a:spcPts val="0"/>
+                        </a:spcAft>
+                      </a:pPr>
+                      <a:r>
+                        <a:rPr lang="en-US" sz="1000" dirty="0" smtClean="0">
+                          <a:solidFill>
+                            <a:srgbClr val="000000"/>
+                          </a:solidFill>
+                          <a:effectLst/>
+                          <a:latin typeface="Calibri"/>
+                          <a:ea typeface="Calibri"/>
+                          <a:cs typeface="Times New Roman"/>
+                        </a:rPr>
+                        <a:t>Treasurer</a:t>
+                      </a:r>
+                      <a:endParaRPr lang="en-US" sz="1000" dirty="0">
+                        <a:solidFill>
+                          <a:srgbClr val="000000"/>
+                        </a:solidFill>
+                        <a:effectLst/>
+                        <a:latin typeface="Calibri"/>
+                        <a:ea typeface="Calibri"/>
+                        <a:cs typeface="Times New Roman"/>
+                      </a:endParaRPr>
+                    </a:p>
+                  </a:txBody>
+                  <a:tcPr marL="68580" marR="68580" marT="0" marB="0"/>
+                </a:tc>
+              </a:tr>
+              <a:tr h="320354">
+                <a:tc>
+                  <a:txBody>
+                    <a:bodyPr/>
+                    <a:lstStyle/>
+                    <a:p>
+                      <a:pPr marL="0" marR="0">
+                        <a:lnSpc>
+                          <a:spcPct val="115000"/>
+                        </a:lnSpc>
+                        <a:spcBef>
+                          <a:spcPts val="0"/>
+                        </a:spcBef>
+                        <a:spcAft>
+                          <a:spcPts val="0"/>
+                        </a:spcAft>
+                      </a:pPr>
+                      <a:r>
+                        <a:rPr lang="en-US" sz="1000" b="1" dirty="0" smtClean="0">
+                          <a:solidFill>
+                            <a:srgbClr val="000000"/>
+                          </a:solidFill>
+                          <a:effectLst/>
+                          <a:latin typeface="Calibri"/>
+                          <a:ea typeface="Calibri"/>
+                          <a:cs typeface="Times New Roman"/>
+                        </a:rPr>
+                        <a:t>Popcorn Kernels</a:t>
+                      </a:r>
+                      <a:endParaRPr lang="en-US" sz="1000" dirty="0">
+                        <a:solidFill>
+                          <a:srgbClr val="000000"/>
+                        </a:solidFill>
+                        <a:effectLst/>
+                        <a:latin typeface="Calibri"/>
+                        <a:ea typeface="Calibri"/>
+                        <a:cs typeface="Times New Roman"/>
+                      </a:endParaRPr>
+                    </a:p>
+                  </a:txBody>
+                  <a:tcPr marL="68580" marR="68580" marT="0" marB="0"/>
+                </a:tc>
+                <a:tc>
+                  <a:txBody>
+                    <a:bodyPr/>
+                    <a:lstStyle/>
+                    <a:p>
+                      <a:pPr marL="0" marR="0">
+                        <a:lnSpc>
+                          <a:spcPct val="115000"/>
+                        </a:lnSpc>
+                        <a:spcBef>
+                          <a:spcPts val="0"/>
+                        </a:spcBef>
+                        <a:spcAft>
+                          <a:spcPts val="0"/>
+                        </a:spcAft>
+                      </a:pPr>
+                      <a:r>
+                        <a:rPr lang="en-US" sz="1000" dirty="0" err="1" smtClean="0">
+                          <a:solidFill>
+                            <a:srgbClr val="000000"/>
+                          </a:solidFill>
+                          <a:effectLst/>
+                          <a:latin typeface="Calibri"/>
+                          <a:ea typeface="Calibri"/>
+                          <a:cs typeface="Times New Roman"/>
+                        </a:rPr>
+                        <a:t>Sejal</a:t>
+                      </a:r>
+                      <a:r>
+                        <a:rPr lang="en-US" sz="1000" dirty="0" smtClean="0">
+                          <a:solidFill>
+                            <a:srgbClr val="000000"/>
+                          </a:solidFill>
+                          <a:effectLst/>
+                          <a:latin typeface="Calibri"/>
+                          <a:ea typeface="Calibri"/>
+                          <a:cs typeface="Times New Roman"/>
+                        </a:rPr>
+                        <a:t> Patel, Antonio Dias</a:t>
+                      </a:r>
+                      <a:endParaRPr lang="en-US" sz="1000" dirty="0">
+                        <a:solidFill>
+                          <a:srgbClr val="000000"/>
+                        </a:solidFill>
+                        <a:effectLst/>
+                        <a:latin typeface="Calibri"/>
+                        <a:ea typeface="Calibri"/>
+                        <a:cs typeface="Times New Roman"/>
+                      </a:endParaRPr>
+                    </a:p>
+                  </a:txBody>
+                  <a:tcPr marL="68580" marR="68580" marT="0" marB="0"/>
+                </a:tc>
+              </a:tr>
+              <a:tr h="340861">
+                <a:tc>
+                  <a:txBody>
+                    <a:bodyPr/>
+                    <a:lstStyle/>
+                    <a:p>
+                      <a:pPr marL="0" marR="0">
+                        <a:lnSpc>
+                          <a:spcPct val="115000"/>
+                        </a:lnSpc>
+                        <a:spcBef>
+                          <a:spcPts val="0"/>
+                        </a:spcBef>
+                        <a:spcAft>
+                          <a:spcPts val="0"/>
+                        </a:spcAft>
+                      </a:pPr>
+                      <a:r>
+                        <a:rPr lang="en-US" sz="1000" b="1" dirty="0" smtClean="0">
+                          <a:solidFill>
+                            <a:srgbClr val="000000"/>
+                          </a:solidFill>
+                          <a:effectLst/>
+                          <a:latin typeface="Calibri"/>
+                          <a:ea typeface="Calibri"/>
+                          <a:cs typeface="Times New Roman"/>
+                        </a:rPr>
+                        <a:t>Registrar</a:t>
+                      </a:r>
+                      <a:endParaRPr lang="en-US" sz="1000" dirty="0">
+                        <a:solidFill>
+                          <a:srgbClr val="000000"/>
+                        </a:solidFill>
+                        <a:effectLst/>
+                        <a:latin typeface="Calibri"/>
+                        <a:ea typeface="Calibri"/>
+                        <a:cs typeface="Times New Roman"/>
+                      </a:endParaRPr>
+                    </a:p>
+                  </a:txBody>
+                  <a:tcPr marL="68580" marR="68580" marT="0" marB="0"/>
+                </a:tc>
+                <a:tc>
+                  <a:txBody>
+                    <a:bodyPr/>
+                    <a:lstStyle/>
+                    <a:p>
+                      <a:pPr marL="0" marR="0">
+                        <a:lnSpc>
+                          <a:spcPct val="115000"/>
+                        </a:lnSpc>
+                        <a:spcBef>
+                          <a:spcPts val="0"/>
+                        </a:spcBef>
+                        <a:spcAft>
+                          <a:spcPts val="0"/>
+                        </a:spcAft>
+                      </a:pPr>
+                      <a:r>
+                        <a:rPr lang="en-US" sz="1000" dirty="0" smtClean="0">
+                          <a:solidFill>
+                            <a:srgbClr val="000000"/>
+                          </a:solidFill>
+                          <a:effectLst/>
+                          <a:latin typeface="Calibri"/>
+                          <a:ea typeface="Calibri"/>
+                          <a:cs typeface="Times New Roman"/>
+                        </a:rPr>
+                        <a:t>Aimee Zhu</a:t>
+                      </a:r>
+                      <a:endParaRPr lang="en-US" sz="1000" dirty="0">
+                        <a:solidFill>
+                          <a:srgbClr val="000000"/>
+                        </a:solidFill>
+                        <a:effectLst/>
+                        <a:latin typeface="Calibri"/>
+                        <a:ea typeface="Calibri"/>
+                        <a:cs typeface="Times New Roman"/>
+                      </a:endParaRPr>
+                    </a:p>
+                  </a:txBody>
+                  <a:tcPr marL="68580" marR="68580" marT="0" marB="0"/>
+                </a:tc>
+              </a:tr>
+              <a:tr h="320354">
+                <a:tc>
+                  <a:txBody>
+                    <a:bodyPr/>
+                    <a:lstStyle/>
+                    <a:p>
+                      <a:pPr marL="0" marR="0">
+                        <a:lnSpc>
+                          <a:spcPct val="115000"/>
+                        </a:lnSpc>
+                        <a:spcBef>
+                          <a:spcPts val="0"/>
+                        </a:spcBef>
+                        <a:spcAft>
+                          <a:spcPts val="0"/>
+                        </a:spcAft>
+                      </a:pPr>
+                      <a:r>
+                        <a:rPr lang="en-US" sz="1000" b="1" dirty="0" smtClean="0">
+                          <a:solidFill>
+                            <a:srgbClr val="000000"/>
+                          </a:solidFill>
+                          <a:effectLst/>
+                          <a:latin typeface="Calibri"/>
+                          <a:ea typeface="Calibri"/>
+                          <a:cs typeface="Times New Roman"/>
+                        </a:rPr>
+                        <a:t>Medical Forms</a:t>
+                      </a:r>
+                      <a:endParaRPr lang="en-US" sz="1000" dirty="0">
+                        <a:solidFill>
+                          <a:srgbClr val="000000"/>
+                        </a:solidFill>
+                        <a:effectLst/>
+                        <a:latin typeface="Calibri"/>
+                        <a:ea typeface="Calibri"/>
+                        <a:cs typeface="Times New Roman"/>
+                      </a:endParaRPr>
+                    </a:p>
+                  </a:txBody>
+                  <a:tcPr marL="68580" marR="68580" marT="0" marB="0"/>
+                </a:tc>
+                <a:tc>
+                  <a:txBody>
+                    <a:bodyPr/>
+                    <a:lstStyle/>
+                    <a:p>
+                      <a:pPr marL="0" marR="0">
+                        <a:lnSpc>
+                          <a:spcPct val="115000"/>
+                        </a:lnSpc>
+                        <a:spcBef>
+                          <a:spcPts val="0"/>
+                        </a:spcBef>
+                        <a:spcAft>
+                          <a:spcPts val="0"/>
+                        </a:spcAft>
+                      </a:pPr>
+                      <a:r>
+                        <a:rPr lang="en-US" sz="1000" dirty="0" err="1" smtClean="0">
+                          <a:solidFill>
+                            <a:srgbClr val="000000"/>
+                          </a:solidFill>
+                          <a:effectLst/>
+                          <a:latin typeface="Calibri"/>
+                          <a:ea typeface="Calibri"/>
+                          <a:cs typeface="Times New Roman"/>
+                        </a:rPr>
+                        <a:t>Laxmi</a:t>
+                      </a:r>
+                      <a:r>
+                        <a:rPr lang="en-US" sz="1000" dirty="0" smtClean="0">
+                          <a:solidFill>
+                            <a:srgbClr val="000000"/>
+                          </a:solidFill>
+                          <a:effectLst/>
+                          <a:latin typeface="Calibri"/>
+                          <a:ea typeface="Calibri"/>
+                          <a:cs typeface="Times New Roman"/>
+                        </a:rPr>
+                        <a:t> </a:t>
+                      </a:r>
+                      <a:r>
+                        <a:rPr lang="en-US" sz="1000" dirty="0" err="1" smtClean="0">
+                          <a:solidFill>
+                            <a:srgbClr val="000000"/>
+                          </a:solidFill>
+                          <a:effectLst/>
+                          <a:latin typeface="Calibri"/>
+                          <a:ea typeface="Calibri"/>
+                          <a:cs typeface="Times New Roman"/>
+                        </a:rPr>
+                        <a:t>Kambli</a:t>
+                      </a:r>
+                      <a:endParaRPr lang="en-US" sz="1000" dirty="0">
+                        <a:solidFill>
+                          <a:srgbClr val="000000"/>
+                        </a:solidFill>
+                        <a:effectLst/>
+                        <a:latin typeface="Calibri"/>
+                        <a:ea typeface="Calibri"/>
+                        <a:cs typeface="Times New Roman"/>
+                      </a:endParaRPr>
+                    </a:p>
+                  </a:txBody>
+                  <a:tcPr marL="68580" marR="68580" marT="0" marB="0"/>
+                </a:tc>
+              </a:tr>
+              <a:tr h="320354">
+                <a:tc>
+                  <a:txBody>
+                    <a:bodyPr/>
+                    <a:lstStyle/>
+                    <a:p>
+                      <a:pPr marL="0" marR="0">
+                        <a:lnSpc>
+                          <a:spcPct val="115000"/>
+                        </a:lnSpc>
+                        <a:spcBef>
+                          <a:spcPts val="0"/>
+                        </a:spcBef>
+                        <a:spcAft>
+                          <a:spcPts val="0"/>
+                        </a:spcAft>
+                      </a:pPr>
+                      <a:r>
+                        <a:rPr lang="en-US" sz="1000" b="1" dirty="0" smtClean="0">
+                          <a:solidFill>
+                            <a:srgbClr val="000000"/>
+                          </a:solidFill>
+                          <a:effectLst/>
+                          <a:latin typeface="Calibri"/>
+                          <a:ea typeface="Calibri"/>
+                          <a:cs typeface="Times New Roman"/>
+                        </a:rPr>
+                        <a:t>Trek</a:t>
+                      </a:r>
+                      <a:r>
+                        <a:rPr lang="en-US" sz="1000" b="1" baseline="0" dirty="0" smtClean="0">
+                          <a:solidFill>
+                            <a:srgbClr val="000000"/>
+                          </a:solidFill>
+                          <a:effectLst/>
+                          <a:latin typeface="Calibri"/>
+                          <a:ea typeface="Calibri"/>
+                          <a:cs typeface="Times New Roman"/>
+                        </a:rPr>
+                        <a:t> Coordinator</a:t>
+                      </a:r>
+                      <a:endParaRPr lang="en-US" sz="1000" b="1" dirty="0">
+                        <a:solidFill>
+                          <a:srgbClr val="000000"/>
+                        </a:solidFill>
+                        <a:effectLst/>
+                        <a:latin typeface="Calibri"/>
+                        <a:ea typeface="Calibri"/>
+                        <a:cs typeface="Times New Roman"/>
+                      </a:endParaRPr>
+                    </a:p>
+                  </a:txBody>
+                  <a:tcPr marL="68580" marR="68580" marT="0" marB="0"/>
+                </a:tc>
+                <a:tc>
+                  <a:txBody>
+                    <a:bodyPr/>
+                    <a:lstStyle/>
+                    <a:p>
+                      <a:pPr marL="0" marR="0">
+                        <a:lnSpc>
+                          <a:spcPct val="115000"/>
+                        </a:lnSpc>
+                        <a:spcBef>
+                          <a:spcPts val="0"/>
+                        </a:spcBef>
+                        <a:spcAft>
+                          <a:spcPts val="0"/>
+                        </a:spcAft>
+                      </a:pPr>
+                      <a:r>
+                        <a:rPr lang="en-US" sz="1000" dirty="0" smtClean="0">
+                          <a:solidFill>
+                            <a:srgbClr val="000000"/>
+                          </a:solidFill>
+                          <a:effectLst/>
+                          <a:latin typeface="Calibri"/>
+                          <a:ea typeface="Calibri"/>
+                          <a:cs typeface="Times New Roman"/>
+                        </a:rPr>
+                        <a:t>(</a:t>
+                      </a:r>
+                      <a:r>
+                        <a:rPr lang="en-US" sz="1000" dirty="0" err="1" smtClean="0">
+                          <a:solidFill>
+                            <a:srgbClr val="000000"/>
+                          </a:solidFill>
+                          <a:effectLst/>
+                          <a:latin typeface="Calibri"/>
+                          <a:ea typeface="Calibri"/>
+                          <a:cs typeface="Times New Roman"/>
+                        </a:rPr>
+                        <a:t>Pushpak</a:t>
+                      </a:r>
+                      <a:r>
+                        <a:rPr lang="en-US" sz="1000" dirty="0" smtClean="0">
+                          <a:solidFill>
+                            <a:srgbClr val="000000"/>
+                          </a:solidFill>
+                          <a:effectLst/>
+                          <a:latin typeface="Calibri"/>
+                          <a:ea typeface="Calibri"/>
+                          <a:cs typeface="Times New Roman"/>
+                        </a:rPr>
+                        <a:t> </a:t>
+                      </a:r>
+                      <a:r>
+                        <a:rPr lang="en-US" sz="1000" dirty="0" err="1" smtClean="0">
+                          <a:solidFill>
+                            <a:srgbClr val="000000"/>
+                          </a:solidFill>
+                          <a:effectLst/>
+                          <a:latin typeface="Calibri"/>
+                          <a:ea typeface="Calibri"/>
+                          <a:cs typeface="Times New Roman"/>
+                        </a:rPr>
+                        <a:t>Bapat</a:t>
+                      </a:r>
+                      <a:r>
+                        <a:rPr lang="en-US" sz="1000" dirty="0" smtClean="0">
+                          <a:solidFill>
+                            <a:srgbClr val="000000"/>
+                          </a:solidFill>
+                          <a:effectLst/>
+                          <a:latin typeface="Calibri"/>
+                          <a:ea typeface="Calibri"/>
+                          <a:cs typeface="Times New Roman"/>
+                        </a:rPr>
+                        <a:t>)  </a:t>
+                      </a:r>
+                      <a:r>
+                        <a:rPr lang="en-US" sz="1000" dirty="0" err="1" smtClean="0">
+                          <a:solidFill>
+                            <a:srgbClr val="000000"/>
+                          </a:solidFill>
+                          <a:effectLst/>
+                          <a:latin typeface="Calibri"/>
+                          <a:ea typeface="Calibri"/>
+                          <a:cs typeface="Times New Roman"/>
+                        </a:rPr>
+                        <a:t>Pradnya</a:t>
+                      </a:r>
+                      <a:r>
+                        <a:rPr lang="en-US" sz="1000" dirty="0" smtClean="0">
+                          <a:solidFill>
+                            <a:srgbClr val="000000"/>
+                          </a:solidFill>
+                          <a:effectLst/>
+                          <a:latin typeface="Calibri"/>
+                          <a:ea typeface="Calibri"/>
+                          <a:cs typeface="Times New Roman"/>
+                        </a:rPr>
+                        <a:t> </a:t>
+                      </a:r>
+                      <a:r>
+                        <a:rPr lang="en-US" sz="1000" dirty="0" err="1" smtClean="0">
+                          <a:solidFill>
+                            <a:srgbClr val="000000"/>
+                          </a:solidFill>
+                          <a:effectLst/>
+                          <a:latin typeface="Calibri"/>
+                          <a:ea typeface="Calibri"/>
+                          <a:cs typeface="Times New Roman"/>
+                        </a:rPr>
+                        <a:t>Goil</a:t>
+                      </a:r>
+                      <a:endParaRPr lang="en-US" sz="1000" dirty="0">
+                        <a:solidFill>
+                          <a:srgbClr val="000000"/>
+                        </a:solidFill>
+                        <a:effectLst/>
+                        <a:latin typeface="Calibri"/>
+                        <a:ea typeface="Calibri"/>
+                        <a:cs typeface="Times New Roman"/>
+                      </a:endParaRPr>
+                    </a:p>
+                  </a:txBody>
+                  <a:tcPr marL="68580" marR="68580" marT="0" marB="0"/>
+                </a:tc>
+              </a:tr>
+            </a:tbl>
+          </a:graphicData>
+        </a:graphic>
+      </p:graphicFrame>
     </p:spTree>
+    <p:extLst>
+      <p:ext uri="{BB962C8B-B14F-4D97-AF65-F5344CB8AC3E}">
+        <p14:creationId xmlns:p14="http://schemas.microsoft.com/office/powerpoint/2010/main" val="1047600129"/>
+      </p:ext>
+    </p:extLst>
   </p:cSld>
   <p:clrMapOvr>
     <a:masterClrMapping/>

--- a/2013/committeeMeetingNotes/CommitteeMinutes20130409.pptx
+++ b/2013/committeeMeetingNotes/CommitteeMinutes20130409.pptx
@@ -194,7 +194,7 @@
           <a:p>
             <a:fld id="{9F521EA1-EA37-FC47-A492-F655681A3B81}" type="datetimeFigureOut">
               <a:rPr lang="en-US" smtClean="0"/>
-              <a:t>4/22/13</a:t>
+              <a:t>4/23/13</a:t>
             </a:fld>
             <a:endParaRPr lang="en-US"/>
           </a:p>
@@ -812,7 +812,7 @@
             <a:fld id="{6E72629E-405B-44F0-B603-EFBC37526474}" type="datetimeFigureOut">
               <a:rPr lang="en-US" smtClean="0"/>
               <a:pPr/>
-              <a:t>4/22/13</a:t>
+              <a:t>4/23/13</a:t>
             </a:fld>
             <a:endParaRPr lang="en-US"/>
           </a:p>
@@ -979,7 +979,7 @@
             <a:fld id="{6E72629E-405B-44F0-B603-EFBC37526474}" type="datetimeFigureOut">
               <a:rPr lang="en-US" smtClean="0"/>
               <a:pPr/>
-              <a:t>4/22/13</a:t>
+              <a:t>4/23/13</a:t>
             </a:fld>
             <a:endParaRPr lang="en-US"/>
           </a:p>
@@ -1156,7 +1156,7 @@
             <a:fld id="{6E72629E-405B-44F0-B603-EFBC37526474}" type="datetimeFigureOut">
               <a:rPr lang="en-US" smtClean="0"/>
               <a:pPr/>
-              <a:t>4/22/13</a:t>
+              <a:t>4/23/13</a:t>
             </a:fld>
             <a:endParaRPr lang="en-US"/>
           </a:p>
@@ -1323,7 +1323,7 @@
             <a:fld id="{6E72629E-405B-44F0-B603-EFBC37526474}" type="datetimeFigureOut">
               <a:rPr lang="en-US" smtClean="0"/>
               <a:pPr/>
-              <a:t>4/22/13</a:t>
+              <a:t>4/23/13</a:t>
             </a:fld>
             <a:endParaRPr lang="en-US"/>
           </a:p>
@@ -1566,7 +1566,7 @@
             <a:fld id="{6E72629E-405B-44F0-B603-EFBC37526474}" type="datetimeFigureOut">
               <a:rPr lang="en-US" smtClean="0"/>
               <a:pPr/>
-              <a:t>4/22/13</a:t>
+              <a:t>4/23/13</a:t>
             </a:fld>
             <a:endParaRPr lang="en-US"/>
           </a:p>
@@ -1851,7 +1851,7 @@
             <a:fld id="{6E72629E-405B-44F0-B603-EFBC37526474}" type="datetimeFigureOut">
               <a:rPr lang="en-US" smtClean="0"/>
               <a:pPr/>
-              <a:t>4/22/13</a:t>
+              <a:t>4/23/13</a:t>
             </a:fld>
             <a:endParaRPr lang="en-US"/>
           </a:p>
@@ -2270,7 +2270,7 @@
             <a:fld id="{6E72629E-405B-44F0-B603-EFBC37526474}" type="datetimeFigureOut">
               <a:rPr lang="en-US" smtClean="0"/>
               <a:pPr/>
-              <a:t>4/22/13</a:t>
+              <a:t>4/23/13</a:t>
             </a:fld>
             <a:endParaRPr lang="en-US"/>
           </a:p>
@@ -2385,7 +2385,7 @@
             <a:fld id="{6E72629E-405B-44F0-B603-EFBC37526474}" type="datetimeFigureOut">
               <a:rPr lang="en-US" smtClean="0"/>
               <a:pPr/>
-              <a:t>4/22/13</a:t>
+              <a:t>4/23/13</a:t>
             </a:fld>
             <a:endParaRPr lang="en-US"/>
           </a:p>
@@ -2477,7 +2477,7 @@
             <a:fld id="{6E72629E-405B-44F0-B603-EFBC37526474}" type="datetimeFigureOut">
               <a:rPr lang="en-US" smtClean="0"/>
               <a:pPr/>
-              <a:t>4/22/13</a:t>
+              <a:t>4/23/13</a:t>
             </a:fld>
             <a:endParaRPr lang="en-US"/>
           </a:p>
@@ -2751,7 +2751,7 @@
             <a:fld id="{6E72629E-405B-44F0-B603-EFBC37526474}" type="datetimeFigureOut">
               <a:rPr lang="en-US" smtClean="0"/>
               <a:pPr/>
-              <a:t>4/22/13</a:t>
+              <a:t>4/23/13</a:t>
             </a:fld>
             <a:endParaRPr lang="en-US"/>
           </a:p>
@@ -3001,7 +3001,7 @@
             <a:fld id="{6E72629E-405B-44F0-B603-EFBC37526474}" type="datetimeFigureOut">
               <a:rPr lang="en-US" smtClean="0"/>
               <a:pPr/>
-              <a:t>4/22/13</a:t>
+              <a:t>4/23/13</a:t>
             </a:fld>
             <a:endParaRPr lang="en-US"/>
           </a:p>
@@ -3211,7 +3211,7 @@
             <a:fld id="{6E72629E-405B-44F0-B603-EFBC37526474}" type="datetimeFigureOut">
               <a:rPr lang="en-US" smtClean="0"/>
               <a:pPr/>
-              <a:t>4/22/13</a:t>
+              <a:t>4/23/13</a:t>
             </a:fld>
             <a:endParaRPr lang="en-US"/>
           </a:p>
@@ -3813,7 +3813,13 @@
                 <a:rPr lang="en-US" sz="1000" b="1" dirty="0" smtClean="0">
                   <a:latin typeface="Perpetua" pitchFamily="18" charset="0"/>
                 </a:rPr>
-                <a:t>Balance: $ 9,597.66</a:t>
+                <a:t>Balance: $ </a:t>
+              </a:r>
+              <a:r>
+                <a:rPr lang="en-US" sz="1000" b="1" dirty="0" smtClean="0">
+                  <a:latin typeface="Perpetua" pitchFamily="18" charset="0"/>
+                </a:rPr>
+                <a:t>8,437.38</a:t>
               </a:r>
               <a:endParaRPr lang="en-US" sz="1000" b="1" u="sng" dirty="0" smtClean="0">
                 <a:latin typeface="Perpetua" pitchFamily="18" charset="0"/>
@@ -3852,7 +3858,37 @@
                 <a:rPr lang="en-US" sz="1000" b="1" dirty="0" smtClean="0">
                   <a:latin typeface="Perpetua" pitchFamily="18" charset="0"/>
                 </a:rPr>
-                <a:t> 2013 Hi-Sierra Deposit ($1500)</a:t>
+                <a:t> 2013 Hi-Sierra Deposit </a:t>
+              </a:r>
+              <a:r>
+                <a:rPr lang="en-US" sz="1000" b="1" smtClean="0">
+                  <a:latin typeface="Perpetua" pitchFamily="18" charset="0"/>
+                </a:rPr>
+                <a:t>(</a:t>
+              </a:r>
+              <a:r>
+                <a:rPr lang="en-US" sz="1000" b="1" smtClean="0">
+                  <a:latin typeface="Perpetua" pitchFamily="18" charset="0"/>
+                </a:rPr>
+                <a:t>$</a:t>
+              </a:r>
+              <a:r>
+                <a:rPr lang="en-US" sz="1000" b="1" smtClean="0">
+                  <a:latin typeface="Perpetua" pitchFamily="18" charset="0"/>
+                </a:rPr>
+                <a:t>40</a:t>
+              </a:r>
+              <a:r>
+                <a:rPr lang="en-US" sz="1000" b="1" smtClean="0">
+                  <a:latin typeface="Perpetua" pitchFamily="18" charset="0"/>
+                </a:rPr>
+                <a:t>00</a:t>
+              </a:r>
+              <a:r>
+                <a:rPr lang="en-US" sz="1000" b="1" dirty="0" smtClean="0">
+                  <a:latin typeface="Perpetua" pitchFamily="18" charset="0"/>
+                </a:rPr>
+                <a:t>)</a:t>
               </a:r>
             </a:p>
           </p:txBody>
@@ -3991,17 +4027,8 @@
                 <a:rPr lang="en-US" sz="1000" b="1" dirty="0" smtClean="0">
                   <a:latin typeface="Perpetua" pitchFamily="18" charset="0"/>
                 </a:rPr>
-                <a:t> Lots of merit </a:t>
+                <a:t> Lots of merit badges being earned / worked on</a:t>
               </a:r>
-              <a:r>
-                <a:rPr lang="en-US" sz="1000" b="1" dirty="0" smtClean="0">
-                  <a:latin typeface="Perpetua" pitchFamily="18" charset="0"/>
-                </a:rPr>
-                <a:t>badges being earned / worked on</a:t>
-              </a:r>
-              <a:endParaRPr lang="en-US" sz="1000" b="1" dirty="0" smtClean="0">
-                <a:latin typeface="Perpetua" pitchFamily="18" charset="0"/>
-              </a:endParaRPr>
             </a:p>
             <a:p>
               <a:pPr>
@@ -4036,19 +4063,7 @@
                 <a:rPr lang="en-US" sz="1000" b="1" dirty="0" smtClean="0">
                   <a:latin typeface="Perpetua" pitchFamily="18" charset="0"/>
                 </a:rPr>
-                <a:t>Trail To First Class (TTFC) </a:t>
-              </a:r>
-              <a:r>
-                <a:rPr lang="en-US" sz="1000" b="1" dirty="0" smtClean="0">
-                  <a:latin typeface="Perpetua" pitchFamily="18" charset="0"/>
-                </a:rPr>
-                <a:t>is for </a:t>
-              </a:r>
-              <a:r>
-                <a:rPr lang="en-US" sz="1000" b="1" dirty="0" smtClean="0">
-                  <a:latin typeface="Perpetua" pitchFamily="18" charset="0"/>
-                </a:rPr>
-                <a:t>scouts not yet 1</a:t>
+                <a:t>Trail To First Class (TTFC) is for scouts not yet 1</a:t>
               </a:r>
               <a:r>
                 <a:rPr lang="en-US" sz="1000" b="1" baseline="30000" dirty="0" smtClean="0">
@@ -4393,19 +4408,7 @@
               <a:rPr lang="en-US" sz="1000" b="1" dirty="0" smtClean="0">
                 <a:latin typeface="Perpetua" pitchFamily="18" charset="0"/>
               </a:rPr>
-              <a:t> week, 8 sessions total); </a:t>
-            </a:r>
-            <a:r>
-              <a:rPr lang="en-US" sz="1000" b="1" dirty="0" smtClean="0">
-                <a:latin typeface="Perpetua" pitchFamily="18" charset="0"/>
-              </a:rPr>
-              <a:t>need </a:t>
-            </a:r>
-            <a:r>
-              <a:rPr lang="en-US" sz="1000" b="1" dirty="0" smtClean="0">
-                <a:latin typeface="Perpetua" pitchFamily="18" charset="0"/>
-              </a:rPr>
-              <a:t>the newer ASM to help out and leverage experience from “older” ASMs</a:t>
+              <a:t> week, 8 sessions total); need the newer ASM to help out and leverage experience from “older” ASMs</a:t>
             </a:r>
           </a:p>
           <a:p>
@@ -4513,13 +4516,7 @@
               <a:rPr lang="en-US" sz="1000" b="1" dirty="0" smtClean="0">
                 <a:latin typeface="Perpetua" pitchFamily="18" charset="0"/>
               </a:rPr>
-              <a:t>Yearly Trek Planning - June </a:t>
-            </a:r>
-            <a:r>
-              <a:rPr lang="en-US" sz="1000" b="1" dirty="0" smtClean="0">
-                <a:latin typeface="Perpetua" pitchFamily="18" charset="0"/>
-              </a:rPr>
-              <a:t>1</a:t>
+              <a:t>Yearly Trek Planning - June 1</a:t>
             </a:r>
             <a:r>
               <a:rPr lang="en-US" sz="1000" b="1" baseline="30000" dirty="0" smtClean="0">
@@ -4543,23 +4540,8 @@
               <a:rPr lang="en-US" sz="1000" b="1" dirty="0" smtClean="0">
                 <a:latin typeface="Perpetua" pitchFamily="18" charset="0"/>
               </a:rPr>
-              <a:t> house ) </a:t>
+              <a:t> house ) – all families should have a representative to provide ideas, understand the goals / options, etc.</a:t>
             </a:r>
-            <a:r>
-              <a:rPr lang="en-US" sz="1000" b="1" dirty="0" smtClean="0">
-                <a:latin typeface="Perpetua" pitchFamily="18" charset="0"/>
-              </a:rPr>
-              <a:t>– all families should have a representative to provid</a:t>
-            </a:r>
-            <a:r>
-              <a:rPr lang="en-US" sz="1000" b="1" dirty="0" smtClean="0">
-                <a:latin typeface="Perpetua" pitchFamily="18" charset="0"/>
-              </a:rPr>
-              <a:t>e ideas, understand the goals / options, etc.</a:t>
-            </a:r>
-            <a:endParaRPr lang="en-US" sz="1000" b="1" dirty="0" smtClean="0">
-              <a:latin typeface="Perpetua" pitchFamily="18" charset="0"/>
-            </a:endParaRPr>
           </a:p>
           <a:p>
             <a:pPr>
@@ -4608,9 +4590,6 @@
               </a:rPr>
               <a:t>week)</a:t>
             </a:r>
-            <a:endParaRPr lang="en-US" sz="1000" b="1" dirty="0" smtClean="0">
-              <a:latin typeface="Perpetua" pitchFamily="18" charset="0"/>
-            </a:endParaRPr>
           </a:p>
           <a:p>
             <a:endParaRPr lang="en-US" sz="1000" b="1" dirty="0" smtClean="0">
@@ -4752,19 +4731,7 @@
                 <a:rPr lang="en-US" sz="1000" b="1" dirty="0" smtClean="0">
                   <a:latin typeface="Perpetua" pitchFamily="18" charset="0"/>
                 </a:rPr>
-                <a:t> </a:t>
-              </a:r>
-              <a:r>
-                <a:rPr lang="en-US" sz="1000" b="1" dirty="0" smtClean="0">
-                  <a:latin typeface="Perpetua" pitchFamily="18" charset="0"/>
-                </a:rPr>
-                <a:t>Thanks to Susan for getting Troop t-shirts</a:t>
-              </a:r>
-              <a:r>
-                <a:rPr lang="en-US" sz="1000" b="1" dirty="0" smtClean="0">
-                  <a:latin typeface="Perpetua" pitchFamily="18" charset="0"/>
-                </a:rPr>
-                <a:t>! Love the BROWN </a:t>
+                <a:t> Thanks to Susan for getting Troop t-shirts! Love the BROWN </a:t>
               </a:r>
               <a:r>
                 <a:rPr lang="en-US" sz="1000" b="1" dirty="0" smtClean="0">
@@ -4786,19 +4753,7 @@
                 <a:rPr lang="en-US" sz="1000" b="1" dirty="0" smtClean="0">
                   <a:latin typeface="Perpetua" pitchFamily="18" charset="0"/>
                 </a:rPr>
-                <a:t> </a:t>
-              </a:r>
-              <a:r>
-                <a:rPr lang="en-US" sz="1000" b="1" dirty="0" smtClean="0">
-                  <a:latin typeface="Perpetua" pitchFamily="18" charset="0"/>
-                </a:rPr>
-                <a:t>Transition Planning - New </a:t>
-              </a:r>
-              <a:r>
-                <a:rPr lang="en-US" sz="1000" b="1" dirty="0" smtClean="0">
-                  <a:latin typeface="Perpetua" pitchFamily="18" charset="0"/>
-                </a:rPr>
-                <a:t>Scoutmaster – next 12 months, New Committee Chair – next 12 months</a:t>
+                <a:t> Transition Planning - New Scoutmaster – next 12 months, New Committee Chair – next 12 months</a:t>
               </a:r>
             </a:p>
             <a:p>
@@ -4810,13 +4765,7 @@
                 <a:rPr lang="en-US" sz="1000" b="1" dirty="0" smtClean="0">
                   <a:latin typeface="Perpetua" pitchFamily="18" charset="0"/>
                 </a:rPr>
-                <a:t> </a:t>
-              </a:r>
-              <a:r>
-                <a:rPr lang="en-US" sz="1000" b="1" dirty="0" smtClean="0">
-                  <a:latin typeface="Perpetua" pitchFamily="18" charset="0"/>
-                </a:rPr>
-                <a:t>Thx to </a:t>
+                <a:t> Thx to </a:t>
               </a:r>
               <a:r>
                 <a:rPr lang="en-US" sz="1000" b="1" dirty="0" err="1" smtClean="0">
@@ -4852,19 +4801,7 @@
                 <a:rPr lang="en-US" sz="1000" b="1" dirty="0" smtClean="0">
                   <a:latin typeface="Perpetua" pitchFamily="18" charset="0"/>
                 </a:rPr>
-                <a:t> Mom) for taking on the role of Medical Form / Trek </a:t>
-              </a:r>
-              <a:r>
-                <a:rPr lang="en-US" sz="1000" b="1" dirty="0" smtClean="0">
-                  <a:latin typeface="Perpetua" pitchFamily="18" charset="0"/>
-                </a:rPr>
-                <a:t>Permission</a:t>
-              </a:r>
-              <a:r>
-                <a:rPr lang="en-US" sz="1000" b="1" dirty="0" smtClean="0">
-                  <a:latin typeface="Perpetua" pitchFamily="18" charset="0"/>
-                </a:rPr>
-                <a:t>; please start bringing medical and permission forms</a:t>
+                <a:t> Mom) for taking on the role of Medical Form / Trek Permission; please start bringing medical and permission forms</a:t>
               </a:r>
             </a:p>
             <a:p>
@@ -5834,13 +5771,7 @@
                 <a:rPr lang="en-US" sz="1000" b="1" dirty="0" smtClean="0">
                   <a:latin typeface="Perpetua" pitchFamily="18" charset="0"/>
                 </a:rPr>
-                <a:t> Need </a:t>
-              </a:r>
-              <a:r>
-                <a:rPr lang="en-US" sz="1000" b="1" dirty="0" smtClean="0">
-                  <a:latin typeface="Perpetua" pitchFamily="18" charset="0"/>
-                </a:rPr>
-                <a:t>volunteer to coordinate Bristlecone  (Paul </a:t>
+                <a:t> Need volunteer to coordinate Bristlecone  (Paul </a:t>
               </a:r>
               <a:r>
                 <a:rPr lang="en-US" sz="1000" b="1" dirty="0" err="1" smtClean="0">
@@ -5852,17 +5783,8 @@
                 <a:rPr lang="en-US" sz="1000" b="1" dirty="0" smtClean="0">
                   <a:latin typeface="Perpetua" pitchFamily="18" charset="0"/>
                 </a:rPr>
-                <a:t>?</a:t>
+                <a:t>?)</a:t>
               </a:r>
-              <a:r>
-                <a:rPr lang="en-US" sz="1000" b="1" dirty="0" smtClean="0">
-                  <a:latin typeface="Perpetua" pitchFamily="18" charset="0"/>
-                </a:rPr>
-                <a:t>)</a:t>
-              </a:r>
-              <a:endParaRPr lang="en-US" sz="1000" b="1" dirty="0" smtClean="0">
-                <a:latin typeface="Perpetua" pitchFamily="18" charset="0"/>
-              </a:endParaRPr>
             </a:p>
             <a:p>
               <a:pPr>
@@ -5933,13 +5855,7 @@
                 <a:rPr lang="en-US" sz="1000" b="1" dirty="0" smtClean="0">
                   <a:latin typeface="Perpetua" pitchFamily="18" charset="0"/>
                 </a:rPr>
-                <a:t>Need </a:t>
-              </a:r>
-              <a:r>
-                <a:rPr lang="en-US" sz="1000" b="1" dirty="0" smtClean="0">
-                  <a:latin typeface="Perpetua" pitchFamily="18" charset="0"/>
-                </a:rPr>
-                <a:t>newer ASMs to complete training (important for Commissioner’s Challenge)</a:t>
+                <a:t>Need newer ASMs to complete training (important for Commissioner’s Challenge)</a:t>
               </a:r>
             </a:p>
             <a:p>
@@ -6150,17 +6066,8 @@
             <a:p>
               <a:r>
                 <a:rPr lang="en-US" sz="1200" b="1" dirty="0" smtClean="0"/>
-                <a:t>Nov 16 </a:t>
+                <a:t>Nov 16 - 17 </a:t>
               </a:r>
-              <a:r>
-                <a:rPr lang="en-US" sz="1200" b="1" dirty="0" smtClean="0"/>
-                <a:t>- </a:t>
-              </a:r>
-              <a:r>
-                <a:rPr lang="en-US" sz="1200" b="1" dirty="0" smtClean="0"/>
-                <a:t>17 </a:t>
-              </a:r>
-              <a:endParaRPr lang="en-US" sz="1200" b="1" dirty="0" smtClean="0"/>
             </a:p>
           </p:txBody>
         </p:sp>
@@ -6188,13 +6095,8 @@
             <a:p>
               <a:r>
                 <a:rPr lang="en-US" sz="1000" b="1" dirty="0" smtClean="0"/>
-                <a:t>Trek:  </a:t>
+                <a:t>Trek:  Del Valle</a:t>
               </a:r>
-              <a:r>
-                <a:rPr lang="en-US" sz="1000" b="1" dirty="0" smtClean="0"/>
-                <a:t>Del Valle</a:t>
-              </a:r>
-              <a:endParaRPr lang="en-US" sz="1000" b="1" dirty="0" smtClean="0"/>
             </a:p>
             <a:p>
               <a:r>
@@ -6209,13 +6111,8 @@
               </a:pPr>
               <a:r>
                 <a:rPr lang="en-US" sz="1000" dirty="0" smtClean="0"/>
-                <a:t> </a:t>
+                <a:t> Canoeing</a:t>
               </a:r>
-              <a:r>
-                <a:rPr lang="en-US" sz="1000" dirty="0" smtClean="0"/>
-                <a:t>Canoeing</a:t>
-              </a:r>
-              <a:endParaRPr lang="en-US" sz="1000" dirty="0" smtClean="0"/>
             </a:p>
             <a:p>
               <a:pPr>
@@ -6226,7 +6123,6 @@
                 <a:rPr lang="en-US" sz="1000" dirty="0" smtClean="0"/>
                 <a:t> Backpacking ? </a:t>
               </a:r>
-              <a:endParaRPr lang="en-US" sz="1000" dirty="0" smtClean="0"/>
             </a:p>
           </p:txBody>
         </p:sp>
@@ -6307,17 +6203,8 @@
             <a:p>
               <a:r>
                 <a:rPr lang="en-US" sz="1200" b="1" dirty="0" smtClean="0"/>
-                <a:t>Sept. 21 </a:t>
+                <a:t>Sept. 21 - 22</a:t>
               </a:r>
-              <a:r>
-                <a:rPr lang="en-US" sz="1200" b="1" dirty="0" smtClean="0"/>
-                <a:t>- </a:t>
-              </a:r>
-              <a:r>
-                <a:rPr lang="en-US" sz="1200" b="1" dirty="0" smtClean="0"/>
-                <a:t>22</a:t>
-              </a:r>
-              <a:endParaRPr lang="en-US" sz="1200" b="1" dirty="0" smtClean="0"/>
             </a:p>
           </p:txBody>
         </p:sp>
@@ -6345,24 +6232,14 @@
             <a:p>
               <a:r>
                 <a:rPr lang="en-US" sz="1000" b="1" dirty="0" smtClean="0"/>
-                <a:t>Trek: </a:t>
+                <a:t>Trek: Pinnacles (car camping)</a:t>
               </a:r>
-              <a:r>
-                <a:rPr lang="en-US" sz="1000" b="1" dirty="0" smtClean="0"/>
-                <a:t>Pinnacles (car camping)</a:t>
-              </a:r>
-              <a:endParaRPr lang="en-US" sz="1000" b="1" dirty="0" smtClean="0"/>
             </a:p>
             <a:p>
               <a:r>
                 <a:rPr lang="en-US" sz="1000" b="1" dirty="0" smtClean="0"/>
-                <a:t>Trek Leader</a:t>
+                <a:t>Trek Leader:</a:t>
               </a:r>
-              <a:r>
-                <a:rPr lang="en-US" sz="1000" b="1" dirty="0" smtClean="0"/>
-                <a:t>:</a:t>
-              </a:r>
-              <a:endParaRPr lang="en-US" sz="1000" b="1" dirty="0" smtClean="0"/>
             </a:p>
             <a:p>
               <a:pPr>
@@ -6373,7 +6250,6 @@
                 <a:rPr lang="en-US" sz="1000" dirty="0" smtClean="0"/>
                 <a:t> </a:t>
               </a:r>
-              <a:endParaRPr lang="en-US" sz="1000" dirty="0" smtClean="0"/>
             </a:p>
             <a:p>
               <a:pPr>
@@ -6467,7 +6343,6 @@
                 <a:rPr lang="en-US" sz="1200" b="1" dirty="0" smtClean="0"/>
                 <a:t>Dec 7 – 8 </a:t>
               </a:r>
-              <a:endParaRPr lang="en-US" sz="1200" b="1" dirty="0" smtClean="0"/>
             </a:p>
           </p:txBody>
         </p:sp>
@@ -6495,13 +6370,8 @@
             <a:p>
               <a:r>
                 <a:rPr lang="en-US" sz="1000" b="1" dirty="0" smtClean="0"/>
-                <a:t>Trek:  </a:t>
+                <a:t>Trek:  All Night Rock Climbing</a:t>
               </a:r>
-              <a:r>
-                <a:rPr lang="en-US" sz="1000" b="1" dirty="0" smtClean="0"/>
-                <a:t>All Night Rock Climbing</a:t>
-              </a:r>
-              <a:endParaRPr lang="en-US" sz="1000" b="1" dirty="0" smtClean="0"/>
             </a:p>
             <a:p>
               <a:r>
@@ -6609,25 +6479,8 @@
             <a:p>
               <a:r>
                 <a:rPr lang="en-US" sz="1200" b="1" dirty="0" smtClean="0"/>
-                <a:t>Oct</a:t>
+                <a:t>Oct. 19 – 20 </a:t>
               </a:r>
-              <a:r>
-                <a:rPr lang="en-US" sz="1200" b="1" dirty="0" smtClean="0"/>
-                <a:t>. 19 </a:t>
-              </a:r>
-              <a:r>
-                <a:rPr lang="en-US" sz="1200" b="1" dirty="0" smtClean="0"/>
-                <a:t>– </a:t>
-              </a:r>
-              <a:r>
-                <a:rPr lang="en-US" sz="1200" b="1" dirty="0" smtClean="0"/>
-                <a:t>20</a:t>
-              </a:r>
-              <a:r>
-                <a:rPr lang="en-US" sz="1200" b="1" dirty="0" smtClean="0"/>
-                <a:t> </a:t>
-              </a:r>
-              <a:endParaRPr lang="en-US" sz="1200" b="1" dirty="0" smtClean="0"/>
             </a:p>
           </p:txBody>
         </p:sp>
@@ -6655,24 +6508,14 @@
             <a:p>
               <a:r>
                 <a:rPr lang="en-US" sz="1000" b="1" dirty="0" smtClean="0"/>
-                <a:t>Trek:  </a:t>
+                <a:t>Trek:  Beach Campout</a:t>
               </a:r>
-              <a:r>
-                <a:rPr lang="en-US" sz="1000" b="1" dirty="0" smtClean="0"/>
-                <a:t>Beach Campout</a:t>
-              </a:r>
-              <a:endParaRPr lang="en-US" sz="1000" b="1" dirty="0" smtClean="0"/>
             </a:p>
             <a:p>
               <a:r>
                 <a:rPr lang="en-US" sz="1000" b="1" dirty="0" smtClean="0"/>
-                <a:t>Trek Leader</a:t>
+                <a:t>Trek Leader: ??</a:t>
               </a:r>
-              <a:r>
-                <a:rPr lang="en-US" sz="1000" b="1" dirty="0" smtClean="0"/>
-                <a:t>: ??</a:t>
-              </a:r>
-              <a:endParaRPr lang="en-US" sz="1000" b="1" dirty="0" smtClean="0"/>
             </a:p>
             <a:p>
               <a:pPr>
@@ -6846,7 +6689,6 @@
                         <a:rPr lang="en-US" sz="1000" dirty="0" smtClean="0"/>
                         <a:t>Position</a:t>
                       </a:r>
-                      <a:endParaRPr lang="en-US" sz="1000" dirty="0" smtClean="0"/>
                     </a:p>
                     <a:p>
                       <a:pPr algn="ctr"/>
@@ -8352,7 +8194,6 @@
                         <a:rPr lang="en-US" sz="1000" dirty="0" smtClean="0"/>
                         <a:t>Position</a:t>
                       </a:r>
-                      <a:endParaRPr lang="en-US" sz="1000" dirty="0" smtClean="0"/>
                     </a:p>
                     <a:p>
                       <a:pPr algn="ctr"/>
